--- a/docs/setting-samples-servicenow-overview_ja.pptx
+++ b/docs/setting-samples-servicenow-overview_ja.pptx
@@ -309,7 +309,7 @@
               <a:rPr kumimoji="1" lang="ja-JP" altLang="en-US" smtClean="0">
                 <a:ea typeface="メイリオ" panose="020B0604030504040204" pitchFamily="50" charset="-128"/>
               </a:rPr>
-              <a:t>2022/2/14</a:t>
+              <a:t>2022/2/24</a:t>
             </a:fld>
             <a:endParaRPr kumimoji="1" lang="ja-JP" altLang="en-US" dirty="0">
               <a:ea typeface="メイリオ" panose="020B0604030504040204" pitchFamily="50" charset="-128"/>
@@ -455,7 +455,7 @@
             <a:fld id="{4B26993D-C081-44EB-B0F5-A9F467792B62}" type="datetimeFigureOut">
               <a:rPr lang="ja-JP" altLang="en-US" smtClean="0"/>
               <a:pPr/>
-              <a:t>2022/2/14</a:t>
+              <a:t>2022/2/24</a:t>
             </a:fld>
             <a:endParaRPr lang="ja-JP" altLang="en-US" dirty="0"/>
           </a:p>
@@ -3617,11 +3617,11 @@
               <a:t>バージョン</a:t>
             </a:r>
             <a:r>
-              <a:rPr lang="en-US" altLang="ja-JP" dirty="0"/>
-              <a:t>1.9.0</a:t>
-            </a:r>
-            <a:r>
-              <a:rPr lang="ja-JP" altLang="en-US" dirty="0"/>
+              <a:rPr lang="en-US" altLang="ja-JP" dirty="0" smtClean="0"/>
+              <a:t>1.9.1</a:t>
+            </a:r>
+            <a:r>
+              <a:rPr lang="ja-JP" altLang="en-US" dirty="0" smtClean="0"/>
               <a:t>版</a:t>
             </a:r>
             <a:r>
@@ -28154,6 +28154,24 @@
 </file>
 
 <file path=customXml/item1.xml><?xml version="1.0" encoding="utf-8"?>
+<p:properties xmlns:p="http://schemas.microsoft.com/office/2006/metadata/properties" xmlns:xsi="http://www.w3.org/2001/XMLSchema-instance" xmlns:pc="http://schemas.microsoft.com/office/infopath/2007/PartnerControls">
+  <documentManagement>
+    <_x6587__x66f8__x540d_ xmlns="e3c7534c-8447-4121-a676-7eb0e8edc712" xsi:nil="true"/>
+    <_x30e2__x30c7__x30eb__x540d_ xmlns="e3c7534c-8447-4121-a676-7eb0e8edc712" xsi:nil="true"/>
+  </documentManagement>
+</p:properties>
+</file>
+
+<file path=customXml/item2.xml><?xml version="1.0" encoding="utf-8"?>
+<?mso-contentType ?>
+<FormTemplates xmlns="http://schemas.microsoft.com/sharepoint/v3/contenttype/forms">
+  <Display>DocumentLibraryForm</Display>
+  <Edit>DocumentLibraryForm</Edit>
+  <New>DocumentLibraryForm</New>
+</FormTemplates>
+</file>
+
+<file path=customXml/item3.xml><?xml version="1.0" encoding="utf-8"?>
 <ct:contentTypeSchema xmlns:ct="http://schemas.microsoft.com/office/2006/metadata/contentType" xmlns:ma="http://schemas.microsoft.com/office/2006/metadata/properties/metaAttributes" ct:_="" ma:_="" ma:contentTypeName="ドキュメント" ma:contentTypeID="0x01010084FABC01750754469A9A21C30F936C75" ma:contentTypeVersion="8" ma:contentTypeDescription="新しいドキュメントを作成します。" ma:contentTypeScope="" ma:versionID="5c029b96a4a2abc881fe42800b88df28">
   <xsd:schema xmlns:xsd="http://www.w3.org/2001/XMLSchema" xmlns:xs="http://www.w3.org/2001/XMLSchema" xmlns:p="http://schemas.microsoft.com/office/2006/metadata/properties" xmlns:ns2="e3c7534c-8447-4121-a676-7eb0e8edc712" targetNamespace="http://schemas.microsoft.com/office/2006/metadata/properties" ma:root="true" ma:fieldsID="650c1592c370a88edabd179bdb060466" ns2:_="">
     <xsd:import namespace="e3c7534c-8447-4121-a676-7eb0e8edc712"/>
@@ -28327,25 +28345,31 @@
 </ct:contentTypeSchema>
 </file>
 
-<file path=customXml/item2.xml><?xml version="1.0" encoding="utf-8"?>
-<?mso-contentType ?>
-<FormTemplates xmlns="http://schemas.microsoft.com/sharepoint/v3/contenttype/forms">
-  <Display>DocumentLibraryForm</Display>
-  <Edit>DocumentLibraryForm</Edit>
-  <New>DocumentLibraryForm</New>
-</FormTemplates>
+<file path=customXml/itemProps1.xml><?xml version="1.0" encoding="utf-8"?>
+<ds:datastoreItem xmlns:ds="http://schemas.openxmlformats.org/officeDocument/2006/customXml" ds:itemID="{267CCBA7-24DD-4DF4-BC77-D8CB616DAC34}">
+  <ds:schemaRefs>
+    <ds:schemaRef ds:uri="http://schemas.openxmlformats.org/package/2006/metadata/core-properties"/>
+    <ds:schemaRef ds:uri="e3c7534c-8447-4121-a676-7eb0e8edc712"/>
+    <ds:schemaRef ds:uri="http://purl.org/dc/dcmitype/"/>
+    <ds:schemaRef ds:uri="http://schemas.microsoft.com/office/infopath/2007/PartnerControls"/>
+    <ds:schemaRef ds:uri="http://schemas.microsoft.com/office/2006/documentManagement/types"/>
+    <ds:schemaRef ds:uri="http://schemas.microsoft.com/office/2006/metadata/properties"/>
+    <ds:schemaRef ds:uri="http://purl.org/dc/terms/"/>
+    <ds:schemaRef ds:uri="http://www.w3.org/XML/1998/namespace"/>
+    <ds:schemaRef ds:uri="http://purl.org/dc/elements/1.1/"/>
+  </ds:schemaRefs>
+</ds:datastoreItem>
 </file>
 
-<file path=customXml/item3.xml><?xml version="1.0" encoding="utf-8"?>
-<p:properties xmlns:p="http://schemas.microsoft.com/office/2006/metadata/properties" xmlns:xsi="http://www.w3.org/2001/XMLSchema-instance" xmlns:pc="http://schemas.microsoft.com/office/infopath/2007/PartnerControls">
-  <documentManagement>
-    <_x6587__x66f8__x540d_ xmlns="e3c7534c-8447-4121-a676-7eb0e8edc712" xsi:nil="true"/>
-    <_x30e2__x30c7__x30eb__x540d_ xmlns="e3c7534c-8447-4121-a676-7eb0e8edc712" xsi:nil="true"/>
-  </documentManagement>
-</p:properties>
+<file path=customXml/itemProps2.xml><?xml version="1.0" encoding="utf-8"?>
+<ds:datastoreItem xmlns:ds="http://schemas.openxmlformats.org/officeDocument/2006/customXml" ds:itemID="{84836F8F-27B3-4E46-9347-CF8E562ED846}">
+  <ds:schemaRefs>
+    <ds:schemaRef ds:uri="http://schemas.microsoft.com/sharepoint/v3/contenttype/forms"/>
+  </ds:schemaRefs>
+</ds:datastoreItem>
 </file>
 
-<file path=customXml/itemProps1.xml><?xml version="1.0" encoding="utf-8"?>
+<file path=customXml/itemProps3.xml><?xml version="1.0" encoding="utf-8"?>
 <ds:datastoreItem xmlns:ds="http://schemas.openxmlformats.org/officeDocument/2006/customXml" ds:itemID="{32BC9141-53D3-4A04-9B97-7A675527C2FC}">
   <ds:schemaRefs>
     <ds:schemaRef ds:uri="http://schemas.microsoft.com/office/2006/metadata/contentType"/>
@@ -28361,28 +28385,4 @@
     <ds:schemaRef ds:uri="http://schemas.microsoft.com/internal/obd"/>
   </ds:schemaRefs>
 </ds:datastoreItem>
-</file>
-
-<file path=customXml/itemProps2.xml><?xml version="1.0" encoding="utf-8"?>
-<ds:datastoreItem xmlns:ds="http://schemas.openxmlformats.org/officeDocument/2006/customXml" ds:itemID="{84836F8F-27B3-4E46-9347-CF8E562ED846}">
-  <ds:schemaRefs>
-    <ds:schemaRef ds:uri="http://schemas.microsoft.com/sharepoint/v3/contenttype/forms"/>
-  </ds:schemaRefs>
-</ds:datastoreItem>
-</file>
-
-<file path=customXml/itemProps3.xml><?xml version="1.0" encoding="utf-8"?>
-<ds:datastoreItem xmlns:ds="http://schemas.openxmlformats.org/officeDocument/2006/customXml" ds:itemID="{267CCBA7-24DD-4DF4-BC77-D8CB616DAC34}">
-  <ds:schemaRefs>
-    <ds:schemaRef ds:uri="http://purl.org/dc/terms/"/>
-    <ds:schemaRef ds:uri="http://schemas.openxmlformats.org/package/2006/metadata/core-properties"/>
-    <ds:schemaRef ds:uri="e3c7534c-8447-4121-a676-7eb0e8edc712"/>
-    <ds:schemaRef ds:uri="http://schemas.microsoft.com/office/2006/documentManagement/types"/>
-    <ds:schemaRef ds:uri="http://schemas.microsoft.com/office/infopath/2007/PartnerControls"/>
-    <ds:schemaRef ds:uri="http://purl.org/dc/elements/1.1/"/>
-    <ds:schemaRef ds:uri="http://schemas.microsoft.com/office/2006/metadata/properties"/>
-    <ds:schemaRef ds:uri="http://www.w3.org/XML/1998/namespace"/>
-    <ds:schemaRef ds:uri="http://purl.org/dc/dcmitype/"/>
-  </ds:schemaRefs>
-</ds:datastoreItem>
 </file>
--- a/docs/setting-samples-servicenow-overview_ja.pptx
+++ b/docs/setting-samples-servicenow-overview_ja.pptx
@@ -5,10 +5,10 @@
     <p:sldMasterId id="2147483657" r:id="rId4"/>
   </p:sldMasterIdLst>
   <p:notesMasterIdLst>
-    <p:notesMasterId r:id="rId20"/>
+    <p:notesMasterId r:id="rId21"/>
   </p:notesMasterIdLst>
   <p:handoutMasterIdLst>
-    <p:handoutMasterId r:id="rId21"/>
+    <p:handoutMasterId r:id="rId22"/>
   </p:handoutMasterIdLst>
   <p:sldIdLst>
     <p:sldId id="262" r:id="rId5"/>
@@ -24,8 +24,9 @@
     <p:sldId id="614" r:id="rId15"/>
     <p:sldId id="615" r:id="rId16"/>
     <p:sldId id="616" r:id="rId17"/>
-    <p:sldId id="617" r:id="rId18"/>
-    <p:sldId id="318" r:id="rId19"/>
+    <p:sldId id="618" r:id="rId18"/>
+    <p:sldId id="617" r:id="rId19"/>
+    <p:sldId id="318" r:id="rId20"/>
   </p:sldIdLst>
   <p:sldSz cx="12192000" cy="6858000"/>
   <p:notesSz cx="6807200" cy="9939338"/>
@@ -147,6 +148,7 @@
             <p14:sldId id="614"/>
             <p14:sldId id="615"/>
             <p14:sldId id="616"/>
+            <p14:sldId id="618"/>
             <p14:sldId id="617"/>
           </p14:sldIdLst>
         </p14:section>
@@ -309,7 +311,7 @@
               <a:rPr kumimoji="1" lang="ja-JP" altLang="en-US" smtClean="0">
                 <a:ea typeface="メイリオ" panose="020B0604030504040204" pitchFamily="50" charset="-128"/>
               </a:rPr>
-              <a:t>2022/2/24</a:t>
+              <a:t>2022/7/22</a:t>
             </a:fld>
             <a:endParaRPr kumimoji="1" lang="ja-JP" altLang="en-US" dirty="0">
               <a:ea typeface="メイリオ" panose="020B0604030504040204" pitchFamily="50" charset="-128"/>
@@ -455,7 +457,7 @@
             <a:fld id="{4B26993D-C081-44EB-B0F5-A9F467792B62}" type="datetimeFigureOut">
               <a:rPr lang="ja-JP" altLang="en-US" smtClean="0"/>
               <a:pPr/>
-              <a:t>2022/2/24</a:t>
+              <a:t>2022/7/22</a:t>
             </a:fld>
             <a:endParaRPr lang="ja-JP" altLang="en-US" dirty="0"/>
           </a:p>
@@ -1754,10 +1756,6 @@
             <a:r>
               <a:rPr kumimoji="1" lang="ja-JP" altLang="en-US" dirty="0"/>
               <a:t>行にわたる場合は</a:t>
-            </a:r>
-            <a:r>
-              <a:rPr kumimoji="1" lang="en-US" altLang="ja-JP" dirty="0"/>
-              <a:t/>
             </a:r>
             <a:br>
               <a:rPr kumimoji="1" lang="en-US" altLang="ja-JP" dirty="0"/>
@@ -3594,7 +3592,7 @@
             </a:r>
             <a:r>
               <a:rPr lang="en-US" altLang="ja-JP" dirty="0"/>
-              <a:t>1.0</a:t>
+              <a:t>1.1</a:t>
             </a:r>
             <a:r>
               <a:rPr lang="ja-JP" altLang="en-US" dirty="0"/>
@@ -3617,11 +3615,11 @@
               <a:t>バージョン</a:t>
             </a:r>
             <a:r>
-              <a:rPr lang="en-US" altLang="ja-JP" dirty="0" smtClean="0"/>
+              <a:rPr lang="en-US" altLang="ja-JP" dirty="0"/>
               <a:t>1.9.1</a:t>
             </a:r>
             <a:r>
-              <a:rPr lang="ja-JP" altLang="en-US" dirty="0" smtClean="0"/>
+              <a:rPr lang="ja-JP" altLang="en-US" dirty="0"/>
               <a:t>版</a:t>
             </a:r>
             <a:r>
@@ -3905,25 +3903,7 @@
                 </a:solidFill>
                 <a:ea typeface="メイリオ" panose="020B0604030504040204" pitchFamily="50" charset="-128"/>
               </a:rPr>
-              <a:t>モデル</a:t>
-            </a:r>
-            <a:r>
-              <a:rPr lang="en-US" altLang="ja-JP" sz="1800" b="1" dirty="0">
-                <a:solidFill>
-                  <a:srgbClr val="595959"/>
-                </a:solidFill>
-                <a:latin typeface="メイリオ" panose="020B0604030504040204" pitchFamily="50" charset="-128"/>
-              </a:rPr>
-              <a:t>(v1.1)</a:t>
-            </a:r>
-            <a:r>
-              <a:rPr lang="ja-JP" altLang="en-US" sz="1800" b="1" dirty="0">
-                <a:solidFill>
-                  <a:srgbClr val="595959"/>
-                </a:solidFill>
-                <a:ea typeface="メイリオ" panose="020B0604030504040204" pitchFamily="50" charset="-128"/>
-              </a:rPr>
-              <a:t>」を「</a:t>
+              <a:t>モデル」を「</a:t>
             </a:r>
             <a:r>
               <a:rPr lang="en-US" altLang="ja-JP" sz="1800" b="1" dirty="0" err="1">
@@ -4140,10 +4120,6 @@
             <a:r>
               <a:rPr lang="ja-JP" altLang="en-US" sz="4800" b="1" dirty="0"/>
               <a:t>連携モデル</a:t>
-            </a:r>
-            <a:r>
-              <a:rPr lang="en-US" altLang="ja-JP" sz="4800" b="1" dirty="0"/>
-              <a:t>(v1.1)</a:t>
             </a:r>
             <a:r>
               <a:rPr lang="ja-JP" altLang="en-US" sz="4800" b="1" kern="0" dirty="0"/>
@@ -4192,45 +4168,6 @@
       </p:grpSpPr>
       <p:sp>
         <p:nvSpPr>
-          <p:cNvPr id="4" name="タイトル 3"/>
-          <p:cNvSpPr>
-            <a:spLocks noGrp="1"/>
-          </p:cNvSpPr>
-          <p:nvPr>
-            <p:ph type="title"/>
-          </p:nvPr>
-        </p:nvSpPr>
-        <p:spPr>
-          <a:xfrm>
-            <a:off x="239351" y="115200"/>
-            <a:ext cx="11712000" cy="468000"/>
-          </a:xfrm>
-        </p:spPr>
-        <p:txBody>
-          <a:bodyPr/>
-          <a:lstStyle/>
-          <a:p>
-            <a:r>
-              <a:rPr lang="en-US" altLang="ja-JP" dirty="0"/>
-              <a:t>7.1</a:t>
-            </a:r>
-            <a:r>
-              <a:rPr lang="ja-JP" altLang="en-US" dirty="0"/>
-              <a:t> </a:t>
-            </a:r>
-            <a:r>
-              <a:rPr lang="en-US" altLang="ja-JP" dirty="0" err="1"/>
-              <a:t>ServiceNow</a:t>
-            </a:r>
-            <a:r>
-              <a:rPr lang="ja-JP" altLang="en-US" dirty="0"/>
-              <a:t>連携</a:t>
-            </a:r>
-          </a:p>
-        </p:txBody>
-      </p:sp>
-      <p:sp>
-        <p:nvSpPr>
           <p:cNvPr id="8" name="コンテンツ プレースホルダー 4"/>
           <p:cNvSpPr>
             <a:spLocks noGrp="1"/>
@@ -4276,7 +4213,15 @@
           <a:p>
             <a:r>
               <a:rPr lang="ja-JP" altLang="en-US" dirty="0"/>
-              <a:t>連携されるデータは実行時点で一番最新のものです。</a:t>
+              <a:t>連携されるデータは最終更新日時が、最後に正常終了した</a:t>
+            </a:r>
+            <a:r>
+              <a:rPr lang="en-US" altLang="ja-JP" dirty="0"/>
+              <a:t>ServiceNow</a:t>
+            </a:r>
+            <a:r>
+              <a:rPr lang="ja-JP" altLang="en-US" dirty="0"/>
+              <a:t>連携の終了日時よりも新しいレコードです。</a:t>
             </a:r>
             <a:endParaRPr lang="en-US" altLang="ja-JP" dirty="0"/>
           </a:p>
@@ -4284,7 +4229,13 @@
       </p:sp>
       <p:pic>
         <p:nvPicPr>
-          <p:cNvPr id="7" name="図 6"/>
+          <p:cNvPr id="14" name="図 13">
+            <a:extLst>
+              <a:ext uri="{FF2B5EF4-FFF2-40B4-BE49-F238E27FC236}">
+                <a16:creationId xmlns:a16="http://schemas.microsoft.com/office/drawing/2014/main" id="{DE825F58-B22B-49C2-9972-49EF98B729CB}"/>
+              </a:ext>
+            </a:extLst>
+          </p:cNvPr>
           <p:cNvPicPr>
             <a:picLocks noChangeAspect="1"/>
           </p:cNvPicPr>
@@ -4298,38 +4249,53 @@
         </p:blipFill>
         <p:spPr>
           <a:xfrm>
-            <a:off x="2771852" y="4515531"/>
-            <a:ext cx="9324000" cy="1489688"/>
+            <a:off x="419729" y="2240285"/>
+            <a:ext cx="7692551" cy="2124845"/>
           </a:xfrm>
           <a:prstGeom prst="rect">
             <a:avLst/>
           </a:prstGeom>
         </p:spPr>
       </p:pic>
-      <p:pic>
-        <p:nvPicPr>
-          <p:cNvPr id="9" name="図 8"/>
-          <p:cNvPicPr>
-            <a:picLocks noChangeAspect="1"/>
-          </p:cNvPicPr>
-          <p:nvPr/>
-        </p:nvPicPr>
-        <p:blipFill>
-          <a:blip r:embed="rId3"/>
-          <a:stretch>
-            <a:fillRect/>
-          </a:stretch>
-        </p:blipFill>
+      <p:sp>
+        <p:nvSpPr>
+          <p:cNvPr id="4" name="タイトル 3"/>
+          <p:cNvSpPr>
+            <a:spLocks noGrp="1"/>
+          </p:cNvSpPr>
+          <p:nvPr>
+            <p:ph type="title"/>
+          </p:nvPr>
+        </p:nvSpPr>
         <p:spPr>
           <a:xfrm>
-            <a:off x="407210" y="5500345"/>
-            <a:ext cx="2362909" cy="1025085"/>
+            <a:off x="239351" y="115200"/>
+            <a:ext cx="11712000" cy="468000"/>
           </a:xfrm>
-          <a:prstGeom prst="rect">
-            <a:avLst/>
-          </a:prstGeom>
         </p:spPr>
-      </p:pic>
+        <p:txBody>
+          <a:bodyPr/>
+          <a:lstStyle/>
+          <a:p>
+            <a:r>
+              <a:rPr lang="en-US" altLang="ja-JP" dirty="0"/>
+              <a:t>7.1</a:t>
+            </a:r>
+            <a:r>
+              <a:rPr lang="ja-JP" altLang="en-US" dirty="0"/>
+              <a:t> </a:t>
+            </a:r>
+            <a:r>
+              <a:rPr lang="en-US" altLang="ja-JP" dirty="0" err="1"/>
+              <a:t>ServiceNow</a:t>
+            </a:r>
+            <a:r>
+              <a:rPr lang="ja-JP" altLang="en-US" dirty="0"/>
+              <a:t>連携</a:t>
+            </a:r>
+          </a:p>
+        </p:txBody>
+      </p:sp>
       <p:pic>
         <p:nvPicPr>
           <p:cNvPr id="11" name="図 10"/>
@@ -4339,7 +4305,7 @@
           <p:nvPr/>
         </p:nvPicPr>
         <p:blipFill>
-          <a:blip r:embed="rId4"/>
+          <a:blip r:embed="rId3"/>
           <a:stretch>
             <a:fillRect/>
           </a:stretch>
@@ -4396,75 +4362,6 @@
           </a:p>
         </p:txBody>
       </p:sp>
-      <p:pic>
-        <p:nvPicPr>
-          <p:cNvPr id="27" name="図 26"/>
-          <p:cNvPicPr>
-            <a:picLocks noChangeAspect="1"/>
-          </p:cNvPicPr>
-          <p:nvPr/>
-        </p:nvPicPr>
-        <p:blipFill rotWithShape="1">
-          <a:blip r:embed="rId5"/>
-          <a:srcRect b="15364"/>
-          <a:stretch/>
-        </p:blipFill>
-        <p:spPr>
-          <a:xfrm>
-            <a:off x="424585" y="2089321"/>
-            <a:ext cx="11670488" cy="1946996"/>
-          </a:xfrm>
-          <a:prstGeom prst="rect">
-            <a:avLst/>
-          </a:prstGeom>
-        </p:spPr>
-      </p:pic>
-      <p:sp>
-        <p:nvSpPr>
-          <p:cNvPr id="26" name="下矢印 25"/>
-          <p:cNvSpPr/>
-          <p:nvPr/>
-        </p:nvSpPr>
-        <p:spPr bwMode="auto">
-          <a:xfrm>
-            <a:off x="3935700" y="3992817"/>
-            <a:ext cx="1224170" cy="450704"/>
-          </a:xfrm>
-          <a:prstGeom prst="downArrow">
-            <a:avLst/>
-          </a:prstGeom>
-          <a:solidFill>
-            <a:schemeClr val="accent3">
-              <a:lumMod val="25000"/>
-              <a:lumOff val="75000"/>
-            </a:schemeClr>
-          </a:solidFill>
-          <a:ln w="31750">
-            <a:solidFill>
-              <a:schemeClr val="accent3">
-                <a:lumMod val="50000"/>
-                <a:lumOff val="50000"/>
-              </a:schemeClr>
-            </a:solidFill>
-          </a:ln>
-          <a:effectLst/>
-        </p:spPr>
-        <p:txBody>
-          <a:bodyPr rot="0" spcFirstLastPara="0" vertOverflow="overflow" horzOverflow="overflow" vert="horz" wrap="none" lIns="72000" tIns="72000" rIns="72000" bIns="72000" numCol="1" spcCol="0" rtlCol="0" fromWordArt="0" anchor="ctr" anchorCtr="0" forceAA="0" compatLnSpc="1">
-            <a:prstTxWarp prst="textNoShape">
-              <a:avLst/>
-            </a:prstTxWarp>
-            <a:noAutofit/>
-          </a:bodyPr>
-          <a:lstStyle/>
-          <a:p>
-            <a:pPr algn="ctr"/>
-            <a:endParaRPr kumimoji="1" lang="ja-JP" altLang="en-US" b="1" dirty="0">
-              <a:latin typeface="+mn-ea"/>
-            </a:endParaRPr>
-          </a:p>
-        </p:txBody>
-      </p:sp>
       <p:sp>
         <p:nvSpPr>
           <p:cNvPr id="15" name="コンテンツ プレースホルダー 4"/>
@@ -4475,7 +4372,7 @@
         </p:nvSpPr>
         <p:spPr bwMode="gray">
           <a:xfrm>
-            <a:off x="238050" y="1759570"/>
+            <a:off x="238050" y="1903738"/>
             <a:ext cx="11713301" cy="373250"/>
           </a:xfrm>
           <a:prstGeom prst="rect">
@@ -4658,23 +4555,31 @@
             </a:pPr>
             <a:r>
               <a:rPr lang="ja-JP" altLang="en-US" sz="1600" kern="0" dirty="0"/>
-              <a:t>例：連携タイミングが「</a:t>
-            </a:r>
-            <a:r>
-              <a:rPr lang="en-US" altLang="ja-JP" sz="1600" kern="0" dirty="0"/>
-              <a:t>2022/04/01</a:t>
-            </a:r>
-            <a:r>
-              <a:rPr lang="ja-JP" altLang="en-US" sz="1600" kern="0" dirty="0"/>
+              <a:t>例：</a:t>
+            </a:r>
+            <a:r>
+              <a:rPr lang="en-US" altLang="ja-JP" sz="1600" dirty="0"/>
+              <a:t> ServiceNow</a:t>
+            </a:r>
+            <a:r>
+              <a:rPr lang="ja-JP" altLang="en-US" sz="1600" dirty="0"/>
+              <a:t>連携の終了日時が「</a:t>
+            </a:r>
+            <a:r>
+              <a:rPr lang="en-US" altLang="ja-JP" sz="1600" dirty="0"/>
+              <a:t>2022/07/21</a:t>
+            </a:r>
+            <a:r>
+              <a:rPr lang="ja-JP" altLang="en-US" sz="1600" dirty="0"/>
               <a:t> </a:t>
             </a:r>
             <a:r>
-              <a:rPr lang="en-US" altLang="ja-JP" sz="1600" kern="0" dirty="0"/>
-              <a:t>12:00</a:t>
-            </a:r>
-            <a:r>
-              <a:rPr lang="ja-JP" altLang="en-US" sz="1600" kern="0" dirty="0"/>
-              <a:t>」以前だった場合</a:t>
+              <a:rPr lang="en-US" altLang="ja-JP" sz="1600" dirty="0"/>
+              <a:t>10:00:00</a:t>
+            </a:r>
+            <a:r>
+              <a:rPr lang="ja-JP" altLang="en-US" sz="1600" dirty="0"/>
+              <a:t>」の場合</a:t>
             </a:r>
             <a:endParaRPr lang="en-US" altLang="ja-JP" sz="1600" kern="0" dirty="0"/>
           </a:p>
@@ -4694,8 +4599,8 @@
         </p:nvSpPr>
         <p:spPr bwMode="auto">
           <a:xfrm>
-            <a:off x="382683" y="2893551"/>
-            <a:ext cx="960658" cy="683419"/>
+            <a:off x="407210" y="3078436"/>
+            <a:ext cx="960658" cy="983245"/>
           </a:xfrm>
           <a:prstGeom prst="rect">
             <a:avLst/>
@@ -4747,8 +4652,8 @@
         </p:nvSpPr>
         <p:spPr bwMode="auto">
           <a:xfrm>
-            <a:off x="1415349" y="3309398"/>
-            <a:ext cx="10679723" cy="683419"/>
+            <a:off x="1588665" y="3707308"/>
+            <a:ext cx="6523616" cy="552748"/>
           </a:xfrm>
           <a:prstGeom prst="rect">
             <a:avLst/>
@@ -4800,7 +4705,7 @@
         </p:nvSpPr>
         <p:spPr bwMode="auto">
           <a:xfrm>
-            <a:off x="1588664" y="2271106"/>
+            <a:off x="1588664" y="2382062"/>
             <a:ext cx="2016280" cy="552748"/>
           </a:xfrm>
           <a:prstGeom prst="borderCallout1">
@@ -4890,7 +4795,7 @@
         </p:nvSpPr>
         <p:spPr bwMode="auto">
           <a:xfrm>
-            <a:off x="5747070" y="3124866"/>
+            <a:off x="3746451" y="3445733"/>
             <a:ext cx="2016280" cy="373250"/>
           </a:xfrm>
           <a:prstGeom prst="rect">
@@ -4931,6 +4836,188 @@
               </a:rPr>
               <a:t>レコード</a:t>
             </a:r>
+          </a:p>
+        </p:txBody>
+      </p:sp>
+      <p:pic>
+        <p:nvPicPr>
+          <p:cNvPr id="28" name="図 27">
+            <a:extLst>
+              <a:ext uri="{FF2B5EF4-FFF2-40B4-BE49-F238E27FC236}">
+                <a16:creationId xmlns:a16="http://schemas.microsoft.com/office/drawing/2014/main" id="{449337C6-81B6-42A0-B0CB-021B4B3996F8}"/>
+              </a:ext>
+            </a:extLst>
+          </p:cNvPr>
+          <p:cNvPicPr>
+            <a:picLocks noChangeAspect="1"/>
+          </p:cNvPicPr>
+          <p:nvPr/>
+        </p:nvPicPr>
+        <p:blipFill rotWithShape="1">
+          <a:blip r:embed="rId4"/>
+          <a:srcRect b="82495"/>
+          <a:stretch/>
+        </p:blipFill>
+        <p:spPr>
+          <a:xfrm>
+            <a:off x="428156" y="5414486"/>
+            <a:ext cx="2349919" cy="418565"/>
+          </a:xfrm>
+          <a:prstGeom prst="rect">
+            <a:avLst/>
+          </a:prstGeom>
+        </p:spPr>
+      </p:pic>
+      <p:pic>
+        <p:nvPicPr>
+          <p:cNvPr id="29" name="図 28">
+            <a:extLst>
+              <a:ext uri="{FF2B5EF4-FFF2-40B4-BE49-F238E27FC236}">
+                <a16:creationId xmlns:a16="http://schemas.microsoft.com/office/drawing/2014/main" id="{262FE86E-287B-48F6-9739-DF08F4707A2B}"/>
+              </a:ext>
+            </a:extLst>
+          </p:cNvPr>
+          <p:cNvPicPr>
+            <a:picLocks noChangeAspect="1"/>
+          </p:cNvPicPr>
+          <p:nvPr/>
+        </p:nvPicPr>
+        <p:blipFill rotWithShape="1">
+          <a:blip r:embed="rId4"/>
+          <a:srcRect t="81768"/>
+          <a:stretch/>
+        </p:blipFill>
+        <p:spPr>
+          <a:xfrm>
+            <a:off x="417484" y="6017471"/>
+            <a:ext cx="2345535" cy="435949"/>
+          </a:xfrm>
+          <a:prstGeom prst="rect">
+            <a:avLst/>
+          </a:prstGeom>
+        </p:spPr>
+      </p:pic>
+      <p:sp>
+        <p:nvSpPr>
+          <p:cNvPr id="30" name="正方形/長方形 29">
+            <a:extLst>
+              <a:ext uri="{FF2B5EF4-FFF2-40B4-BE49-F238E27FC236}">
+                <a16:creationId xmlns:a16="http://schemas.microsoft.com/office/drawing/2014/main" id="{7BCCECA1-1384-4D6F-85CC-5E13D1FE8EB3}"/>
+              </a:ext>
+            </a:extLst>
+          </p:cNvPr>
+          <p:cNvSpPr/>
+          <p:nvPr/>
+        </p:nvSpPr>
+        <p:spPr bwMode="auto">
+          <a:xfrm>
+            <a:off x="529017" y="5826088"/>
+            <a:ext cx="717043" cy="215444"/>
+          </a:xfrm>
+          <a:prstGeom prst="rect">
+            <a:avLst/>
+          </a:prstGeom>
+          <a:noFill/>
+          <a:ln w="12700">
+            <a:noFill/>
+          </a:ln>
+          <a:effectLst/>
+        </p:spPr>
+        <p:txBody>
+          <a:bodyPr rot="0" spcFirstLastPara="0" vertOverflow="overflow" horzOverflow="overflow" vert="horz" wrap="square" lIns="0" tIns="0" rIns="0" bIns="0" numCol="1" spcCol="0" rtlCol="0" fromWordArt="0" anchor="ctr" anchorCtr="0" forceAA="0" compatLnSpc="1">
+            <a:prstTxWarp prst="textNoShape">
+              <a:avLst/>
+            </a:prstTxWarp>
+            <a:spAutoFit/>
+          </a:bodyPr>
+          <a:lstStyle/>
+          <a:p>
+            <a:pPr algn="ctr"/>
+            <a:r>
+              <a:rPr lang="ja-JP" altLang="en-US" sz="1400" b="1" dirty="0">
+                <a:latin typeface="+mn-ea"/>
+              </a:rPr>
+              <a:t>・・・</a:t>
+            </a:r>
+            <a:endParaRPr kumimoji="1" lang="ja-JP" altLang="en-US" sz="1400" b="1" dirty="0">
+              <a:latin typeface="+mn-ea"/>
+            </a:endParaRPr>
+          </a:p>
+        </p:txBody>
+      </p:sp>
+      <p:pic>
+        <p:nvPicPr>
+          <p:cNvPr id="31" name="図 30">
+            <a:extLst>
+              <a:ext uri="{FF2B5EF4-FFF2-40B4-BE49-F238E27FC236}">
+                <a16:creationId xmlns:a16="http://schemas.microsoft.com/office/drawing/2014/main" id="{ED1FBFA1-A8F6-45E2-AF07-E9BE4700C13F}"/>
+              </a:ext>
+            </a:extLst>
+          </p:cNvPr>
+          <p:cNvPicPr>
+            <a:picLocks noChangeAspect="1"/>
+          </p:cNvPicPr>
+          <p:nvPr/>
+        </p:nvPicPr>
+        <p:blipFill>
+          <a:blip r:embed="rId5"/>
+          <a:stretch>
+            <a:fillRect/>
+          </a:stretch>
+        </p:blipFill>
+        <p:spPr>
+          <a:xfrm>
+            <a:off x="2819967" y="4526682"/>
+            <a:ext cx="9317919" cy="1378956"/>
+          </a:xfrm>
+          <a:prstGeom prst="rect">
+            <a:avLst/>
+          </a:prstGeom>
+        </p:spPr>
+      </p:pic>
+      <p:sp>
+        <p:nvSpPr>
+          <p:cNvPr id="26" name="下矢印 25"/>
+          <p:cNvSpPr/>
+          <p:nvPr/>
+        </p:nvSpPr>
+        <p:spPr bwMode="auto">
+          <a:xfrm>
+            <a:off x="3935700" y="4237654"/>
+            <a:ext cx="1224170" cy="450704"/>
+          </a:xfrm>
+          <a:prstGeom prst="downArrow">
+            <a:avLst/>
+          </a:prstGeom>
+          <a:solidFill>
+            <a:schemeClr val="accent3">
+              <a:lumMod val="25000"/>
+              <a:lumOff val="75000"/>
+            </a:schemeClr>
+          </a:solidFill>
+          <a:ln w="31750">
+            <a:solidFill>
+              <a:schemeClr val="accent3">
+                <a:lumMod val="50000"/>
+                <a:lumOff val="50000"/>
+              </a:schemeClr>
+            </a:solidFill>
+          </a:ln>
+          <a:effectLst/>
+        </p:spPr>
+        <p:txBody>
+          <a:bodyPr rot="0" spcFirstLastPara="0" vertOverflow="overflow" horzOverflow="overflow" vert="horz" wrap="none" lIns="72000" tIns="72000" rIns="72000" bIns="72000" numCol="1" spcCol="0" rtlCol="0" fromWordArt="0" anchor="ctr" anchorCtr="0" forceAA="0" compatLnSpc="1">
+            <a:prstTxWarp prst="textNoShape">
+              <a:avLst/>
+            </a:prstTxWarp>
+            <a:noAutofit/>
+          </a:bodyPr>
+          <a:lstStyle/>
+          <a:p>
+            <a:pPr algn="ctr"/>
+            <a:endParaRPr kumimoji="1" lang="ja-JP" altLang="en-US" b="1" dirty="0">
+              <a:latin typeface="+mn-ea"/>
+            </a:endParaRPr>
           </a:p>
         </p:txBody>
       </p:sp>
@@ -7528,7 +7615,7 @@
           <a:p>
             <a:r>
               <a:rPr lang="ja-JP" altLang="en-US" dirty="0"/>
-              <a:t>パラメータシート一覧</a:t>
+              <a:t>メニュー一覧</a:t>
             </a:r>
             <a:endParaRPr kumimoji="1" lang="ja-JP" altLang="en-US" dirty="0"/>
           </a:p>
@@ -7549,14 +7636,14 @@
           <p:nvPr>
             <p:extLst>
               <p:ext uri="{D42A27DB-BD31-4B8C-83A1-F6EECF244321}">
-                <p14:modId xmlns:p14="http://schemas.microsoft.com/office/powerpoint/2010/main" val="1630846805"/>
+                <p14:modId xmlns:p14="http://schemas.microsoft.com/office/powerpoint/2010/main" val="2268993060"/>
               </p:ext>
             </p:extLst>
           </p:nvPr>
         </p:nvGraphicFramePr>
         <p:xfrm>
-          <a:off x="42407" y="714913"/>
-          <a:ext cx="12102433" cy="5607279"/>
+          <a:off x="42407" y="714800"/>
+          <a:ext cx="12102433" cy="5882640"/>
         </p:xfrm>
         <a:graphic>
           <a:graphicData uri="http://schemas.openxmlformats.org/drawingml/2006/table">
@@ -8932,7 +9019,7 @@
                 </a:extLst>
               </a:tr>
               <a:tr h="453074">
-                <a:tc rowSpan="2">
+                <a:tc rowSpan="3">
                   <a:txBody>
                     <a:bodyPr/>
                     <a:lstStyle/>
@@ -8994,7 +9081,7 @@
                     </a:solidFill>
                   </a:tcPr>
                 </a:tc>
-                <a:tc rowSpan="2">
+                <a:tc rowSpan="3">
                   <a:txBody>
                     <a:bodyPr/>
                     <a:lstStyle/>
@@ -9741,7 +9828,392 @@
                 </a:extLst>
               </a:tr>
               <a:tr h="453074">
-                <a:tc rowSpan="3">
+                <a:tc vMerge="1">
+                  <a:txBody>
+                    <a:bodyPr/>
+                    <a:lstStyle/>
+                    <a:p>
+                      <a:pPr algn="ctr"/>
+                      <a:endParaRPr kumimoji="1" lang="en-US" altLang="ja-JP" sz="1400" dirty="0"/>
+                    </a:p>
+                  </a:txBody>
+                  <a:tcPr>
+                    <a:lnL w="12700" cap="flat" cmpd="sng" algn="ctr">
+                      <a:solidFill>
+                        <a:schemeClr val="tx1"/>
+                      </a:solidFill>
+                      <a:prstDash val="solid"/>
+                      <a:round/>
+                      <a:headEnd type="none" w="med" len="med"/>
+                      <a:tailEnd type="none" w="med" len="med"/>
+                    </a:lnL>
+                    <a:lnR w="12700" cap="flat" cmpd="sng" algn="ctr">
+                      <a:solidFill>
+                        <a:schemeClr val="tx1"/>
+                      </a:solidFill>
+                      <a:prstDash val="solid"/>
+                      <a:round/>
+                      <a:headEnd type="none" w="med" len="med"/>
+                      <a:tailEnd type="none" w="med" len="med"/>
+                    </a:lnR>
+                    <a:lnT w="12700" cap="flat" cmpd="sng" algn="ctr">
+                      <a:solidFill>
+                        <a:schemeClr val="tx1"/>
+                      </a:solidFill>
+                      <a:prstDash val="solid"/>
+                      <a:round/>
+                      <a:headEnd type="none" w="med" len="med"/>
+                      <a:tailEnd type="none" w="med" len="med"/>
+                    </a:lnT>
+                    <a:lnB w="12700" cap="flat" cmpd="sng" algn="ctr">
+                      <a:solidFill>
+                        <a:schemeClr val="tx1"/>
+                      </a:solidFill>
+                      <a:prstDash val="solid"/>
+                      <a:round/>
+                      <a:headEnd type="none" w="med" len="med"/>
+                      <a:tailEnd type="none" w="med" len="med"/>
+                    </a:lnB>
+                    <a:lnTlToBr w="12700" cmpd="sng">
+                      <a:noFill/>
+                      <a:prstDash val="solid"/>
+                    </a:lnTlToBr>
+                    <a:lnBlToTr w="12700" cmpd="sng">
+                      <a:noFill/>
+                      <a:prstDash val="solid"/>
+                    </a:lnBlToTr>
+                    <a:solidFill>
+                      <a:schemeClr val="bg1"/>
+                    </a:solidFill>
+                  </a:tcPr>
+                </a:tc>
+                <a:tc vMerge="1">
+                  <a:txBody>
+                    <a:bodyPr/>
+                    <a:lstStyle/>
+                    <a:p>
+                      <a:endParaRPr kumimoji="1" lang="ja-JP" altLang="en-US" sz="1000" dirty="0"/>
+                    </a:p>
+                  </a:txBody>
+                  <a:tcPr>
+                    <a:lnL w="12700" cap="flat" cmpd="sng" algn="ctr">
+                      <a:solidFill>
+                        <a:schemeClr val="tx1"/>
+                      </a:solidFill>
+                      <a:prstDash val="solid"/>
+                      <a:round/>
+                      <a:headEnd type="none" w="med" len="med"/>
+                      <a:tailEnd type="none" w="med" len="med"/>
+                    </a:lnL>
+                    <a:lnR w="12700" cap="flat" cmpd="sng" algn="ctr">
+                      <a:solidFill>
+                        <a:schemeClr val="tx1"/>
+                      </a:solidFill>
+                      <a:prstDash val="solid"/>
+                      <a:round/>
+                      <a:headEnd type="none" w="med" len="med"/>
+                      <a:tailEnd type="none" w="med" len="med"/>
+                    </a:lnR>
+                    <a:lnT w="12700" cap="flat" cmpd="sng" algn="ctr">
+                      <a:solidFill>
+                        <a:schemeClr val="tx1"/>
+                      </a:solidFill>
+                      <a:prstDash val="solid"/>
+                      <a:round/>
+                      <a:headEnd type="none" w="med" len="med"/>
+                      <a:tailEnd type="none" w="med" len="med"/>
+                    </a:lnT>
+                    <a:lnB w="12700" cap="flat" cmpd="sng" algn="ctr">
+                      <a:solidFill>
+                        <a:schemeClr val="tx1"/>
+                      </a:solidFill>
+                      <a:prstDash val="solid"/>
+                      <a:round/>
+                      <a:headEnd type="none" w="med" len="med"/>
+                      <a:tailEnd type="none" w="med" len="med"/>
+                    </a:lnB>
+                    <a:lnTlToBr w="12700" cmpd="sng">
+                      <a:noFill/>
+                      <a:prstDash val="solid"/>
+                    </a:lnTlToBr>
+                    <a:lnBlToTr w="12700" cmpd="sng">
+                      <a:noFill/>
+                      <a:prstDash val="solid"/>
+                    </a:lnBlToTr>
+                    <a:solidFill>
+                      <a:schemeClr val="bg1"/>
+                    </a:solidFill>
+                  </a:tcPr>
+                </a:tc>
+                <a:tc>
+                  <a:txBody>
+                    <a:bodyPr/>
+                    <a:lstStyle/>
+                    <a:p>
+                      <a:r>
+                        <a:rPr kumimoji="1" lang="ja-JP" altLang="en-US" sz="1400" dirty="0"/>
+                        <a:t>メニュー</a:t>
+                      </a:r>
+                      <a:r>
+                        <a:rPr kumimoji="1" lang="en-US" altLang="ja-JP" sz="1400" dirty="0"/>
+                        <a:t>_</a:t>
+                      </a:r>
+                      <a:r>
+                        <a:rPr kumimoji="1" lang="ja-JP" altLang="en-US" sz="1400" dirty="0"/>
+                        <a:t>プルダウン参照先紐づけ表</a:t>
+                      </a:r>
+                      <a:endParaRPr kumimoji="1" lang="en-US" altLang="ja-JP" sz="1400" dirty="0"/>
+                    </a:p>
+                  </a:txBody>
+                  <a:tcPr anchor="ctr">
+                    <a:lnL w="12700" cap="flat" cmpd="sng" algn="ctr">
+                      <a:solidFill>
+                        <a:schemeClr val="tx1"/>
+                      </a:solidFill>
+                      <a:prstDash val="solid"/>
+                      <a:round/>
+                      <a:headEnd type="none" w="med" len="med"/>
+                      <a:tailEnd type="none" w="med" len="med"/>
+                    </a:lnL>
+                    <a:lnR w="12700" cap="flat" cmpd="sng" algn="ctr">
+                      <a:solidFill>
+                        <a:schemeClr val="tx1"/>
+                      </a:solidFill>
+                      <a:prstDash val="solid"/>
+                      <a:round/>
+                      <a:headEnd type="none" w="med" len="med"/>
+                      <a:tailEnd type="none" w="med" len="med"/>
+                    </a:lnR>
+                    <a:lnT w="12700" cap="flat" cmpd="sng" algn="ctr">
+                      <a:solidFill>
+                        <a:schemeClr val="tx1"/>
+                      </a:solidFill>
+                      <a:prstDash val="solid"/>
+                      <a:round/>
+                      <a:headEnd type="none" w="med" len="med"/>
+                      <a:tailEnd type="none" w="med" len="med"/>
+                    </a:lnT>
+                    <a:lnB w="12700" cap="flat" cmpd="sng" algn="ctr">
+                      <a:solidFill>
+                        <a:schemeClr val="tx1"/>
+                      </a:solidFill>
+                      <a:prstDash val="solid"/>
+                      <a:round/>
+                      <a:headEnd type="none" w="med" len="med"/>
+                      <a:tailEnd type="none" w="med" len="med"/>
+                    </a:lnB>
+                    <a:lnTlToBr w="12700" cmpd="sng">
+                      <a:noFill/>
+                      <a:prstDash val="solid"/>
+                    </a:lnTlToBr>
+                    <a:lnBlToTr w="12700" cmpd="sng">
+                      <a:noFill/>
+                      <a:prstDash val="solid"/>
+                    </a:lnBlToTr>
+                    <a:solidFill>
+                      <a:schemeClr val="bg1"/>
+                    </a:solidFill>
+                  </a:tcPr>
+                </a:tc>
+                <a:tc>
+                  <a:txBody>
+                    <a:bodyPr/>
+                    <a:lstStyle/>
+                    <a:p>
+                      <a:pPr algn="ctr"/>
+                      <a:r>
+                        <a:rPr kumimoji="1" lang="ja-JP" altLang="en-US" sz="1400" dirty="0"/>
+                        <a:t>●</a:t>
+                      </a:r>
+                      <a:endParaRPr kumimoji="1" lang="en-US" altLang="ja-JP" sz="1400" dirty="0"/>
+                    </a:p>
+                  </a:txBody>
+                  <a:tcPr anchor="ctr">
+                    <a:lnL w="12700" cap="flat" cmpd="sng" algn="ctr">
+                      <a:solidFill>
+                        <a:schemeClr val="tx1"/>
+                      </a:solidFill>
+                      <a:prstDash val="solid"/>
+                      <a:round/>
+                      <a:headEnd type="none" w="med" len="med"/>
+                      <a:tailEnd type="none" w="med" len="med"/>
+                    </a:lnL>
+                    <a:lnR w="12700" cap="flat" cmpd="sng" algn="ctr">
+                      <a:solidFill>
+                        <a:schemeClr val="tx1"/>
+                      </a:solidFill>
+                      <a:prstDash val="solid"/>
+                      <a:round/>
+                      <a:headEnd type="none" w="med" len="med"/>
+                      <a:tailEnd type="none" w="med" len="med"/>
+                    </a:lnR>
+                    <a:lnT w="12700" cap="flat" cmpd="sng" algn="ctr">
+                      <a:solidFill>
+                        <a:schemeClr val="tx1"/>
+                      </a:solidFill>
+                      <a:prstDash val="solid"/>
+                      <a:round/>
+                      <a:headEnd type="none" w="med" len="med"/>
+                      <a:tailEnd type="none" w="med" len="med"/>
+                    </a:lnT>
+                    <a:lnB w="12700" cap="flat" cmpd="sng" algn="ctr">
+                      <a:solidFill>
+                        <a:schemeClr val="tx1"/>
+                      </a:solidFill>
+                      <a:prstDash val="solid"/>
+                      <a:round/>
+                      <a:headEnd type="none" w="med" len="med"/>
+                      <a:tailEnd type="none" w="med" len="med"/>
+                    </a:lnB>
+                    <a:lnTlToBr w="12700" cmpd="sng">
+                      <a:noFill/>
+                      <a:prstDash val="solid"/>
+                    </a:lnTlToBr>
+                    <a:lnBlToTr w="12700" cmpd="sng">
+                      <a:noFill/>
+                      <a:prstDash val="solid"/>
+                    </a:lnBlToTr>
+                    <a:solidFill>
+                      <a:schemeClr val="bg1"/>
+                    </a:solidFill>
+                  </a:tcPr>
+                </a:tc>
+                <a:tc>
+                  <a:txBody>
+                    <a:bodyPr/>
+                    <a:lstStyle/>
+                    <a:p>
+                      <a:pPr algn="ctr"/>
+                      <a:r>
+                        <a:rPr kumimoji="1" lang="ja-JP" altLang="en-US" sz="1400" dirty="0"/>
+                        <a:t>●</a:t>
+                      </a:r>
+                      <a:endParaRPr kumimoji="1" lang="en-US" altLang="ja-JP" sz="1400" dirty="0"/>
+                    </a:p>
+                  </a:txBody>
+                  <a:tcPr anchor="ctr">
+                    <a:lnL w="12700" cap="flat" cmpd="sng" algn="ctr">
+                      <a:solidFill>
+                        <a:schemeClr val="tx1"/>
+                      </a:solidFill>
+                      <a:prstDash val="solid"/>
+                      <a:round/>
+                      <a:headEnd type="none" w="med" len="med"/>
+                      <a:tailEnd type="none" w="med" len="med"/>
+                    </a:lnL>
+                    <a:lnR w="12700" cap="flat" cmpd="sng" algn="ctr">
+                      <a:solidFill>
+                        <a:schemeClr val="tx1"/>
+                      </a:solidFill>
+                      <a:prstDash val="solid"/>
+                      <a:round/>
+                      <a:headEnd type="none" w="med" len="med"/>
+                      <a:tailEnd type="none" w="med" len="med"/>
+                    </a:lnR>
+                    <a:lnT w="12700" cap="flat" cmpd="sng" algn="ctr">
+                      <a:solidFill>
+                        <a:schemeClr val="tx1"/>
+                      </a:solidFill>
+                      <a:prstDash val="solid"/>
+                      <a:round/>
+                      <a:headEnd type="none" w="med" len="med"/>
+                      <a:tailEnd type="none" w="med" len="med"/>
+                    </a:lnT>
+                    <a:lnB w="12700" cap="flat" cmpd="sng" algn="ctr">
+                      <a:solidFill>
+                        <a:schemeClr val="tx1"/>
+                      </a:solidFill>
+                      <a:prstDash val="solid"/>
+                      <a:round/>
+                      <a:headEnd type="none" w="med" len="med"/>
+                      <a:tailEnd type="none" w="med" len="med"/>
+                    </a:lnB>
+                    <a:lnTlToBr w="12700" cmpd="sng">
+                      <a:noFill/>
+                      <a:prstDash val="solid"/>
+                    </a:lnTlToBr>
+                    <a:lnBlToTr w="12700" cmpd="sng">
+                      <a:noFill/>
+                      <a:prstDash val="solid"/>
+                    </a:lnBlToTr>
+                    <a:solidFill>
+                      <a:schemeClr val="bg1"/>
+                    </a:solidFill>
+                  </a:tcPr>
+                </a:tc>
+                <a:tc>
+                  <a:txBody>
+                    <a:bodyPr/>
+                    <a:lstStyle/>
+                    <a:p>
+                      <a:r>
+                        <a:rPr kumimoji="1" lang="en-US" altLang="ja-JP" sz="1400" dirty="0"/>
+                        <a:t>ITA</a:t>
+                      </a:r>
+                      <a:r>
+                        <a:rPr kumimoji="1" lang="ja-JP" altLang="en-US" sz="1400" dirty="0"/>
+                        <a:t>のパラメータシートの名前項目の参照先を定義するメニュー</a:t>
+                      </a:r>
+                    </a:p>
+                  </a:txBody>
+                  <a:tcPr anchor="ctr">
+                    <a:lnL w="12700" cap="flat" cmpd="sng" algn="ctr">
+                      <a:solidFill>
+                        <a:schemeClr val="tx1"/>
+                      </a:solidFill>
+                      <a:prstDash val="solid"/>
+                      <a:round/>
+                      <a:headEnd type="none" w="med" len="med"/>
+                      <a:tailEnd type="none" w="med" len="med"/>
+                    </a:lnL>
+                    <a:lnR w="12700" cap="flat" cmpd="sng" algn="ctr">
+                      <a:solidFill>
+                        <a:schemeClr val="tx1"/>
+                      </a:solidFill>
+                      <a:prstDash val="solid"/>
+                      <a:round/>
+                      <a:headEnd type="none" w="med" len="med"/>
+                      <a:tailEnd type="none" w="med" len="med"/>
+                    </a:lnR>
+                    <a:lnT w="12700" cap="flat" cmpd="sng" algn="ctr">
+                      <a:solidFill>
+                        <a:schemeClr val="tx1"/>
+                      </a:solidFill>
+                      <a:prstDash val="solid"/>
+                      <a:round/>
+                      <a:headEnd type="none" w="med" len="med"/>
+                      <a:tailEnd type="none" w="med" len="med"/>
+                    </a:lnT>
+                    <a:lnB w="12700" cap="flat" cmpd="sng" algn="ctr">
+                      <a:solidFill>
+                        <a:schemeClr val="tx1"/>
+                      </a:solidFill>
+                      <a:prstDash val="solid"/>
+                      <a:round/>
+                      <a:headEnd type="none" w="med" len="med"/>
+                      <a:tailEnd type="none" w="med" len="med"/>
+                    </a:lnB>
+                    <a:lnTlToBr w="12700" cmpd="sng">
+                      <a:noFill/>
+                      <a:prstDash val="solid"/>
+                    </a:lnTlToBr>
+                    <a:lnBlToTr w="12700" cmpd="sng">
+                      <a:noFill/>
+                      <a:prstDash val="solid"/>
+                    </a:lnBlToTr>
+                    <a:solidFill>
+                      <a:schemeClr val="bg1"/>
+                    </a:solidFill>
+                  </a:tcPr>
+                </a:tc>
+                <a:extLst>
+                  <a:ext uri="{0D108BD9-81ED-4DB2-BD59-A6C34878D82A}">
+                    <a16:rowId xmlns:a16="http://schemas.microsoft.com/office/drawing/2014/main" val="3473251704"/>
+                  </a:ext>
+                </a:extLst>
+              </a:tr>
+              <a:tr h="453074">
+                <a:tc rowSpan="6">
                   <a:txBody>
                     <a:bodyPr/>
                     <a:lstStyle/>
@@ -9804,7 +10276,7 @@
                     </a:solidFill>
                   </a:tcPr>
                 </a:tc>
-                <a:tc rowSpan="3">
+                <a:tc rowSpan="6">
                   <a:txBody>
                     <a:bodyPr/>
                     <a:lstStyle/>
@@ -10683,6 +11155,18 @@
                         <a:rPr kumimoji="1" lang="ja-JP" altLang="en-US" sz="1400" dirty="0"/>
                         <a:t>メーカー</a:t>
                       </a:r>
+                      <a:r>
+                        <a:rPr kumimoji="1" lang="en-US" altLang="ja-JP" sz="1400" dirty="0"/>
+                        <a:t>_</a:t>
+                      </a:r>
+                      <a:r>
+                        <a:rPr kumimoji="1" lang="en-US" altLang="ja-JP" sz="1400" dirty="0" err="1"/>
+                        <a:t>sys_id</a:t>
+                      </a:r>
+                      <a:r>
+                        <a:rPr kumimoji="1" lang="ja-JP" altLang="en-US" sz="1400" dirty="0"/>
+                        <a:t>紐づけ表</a:t>
+                      </a:r>
                       <a:endParaRPr kumimoji="1" lang="en-US" altLang="ja-JP" sz="1400" dirty="0"/>
                     </a:p>
                   </a:txBody>
@@ -10869,9 +11353,16 @@
                     <a:p>
                       <a:r>
                         <a:rPr kumimoji="1" lang="ja-JP" altLang="en-US" sz="1400" dirty="0"/>
-                        <a:t>メーカー名を定義するメニューです。</a:t>
+                        <a:t>メーカー名と</a:t>
                       </a:r>
-                      <a:endParaRPr kumimoji="1" lang="en-US" altLang="ja-JP" sz="1400" dirty="0"/>
+                      <a:r>
+                        <a:rPr kumimoji="1" lang="en-US" altLang="ja-JP" sz="1400" dirty="0" err="1"/>
+                        <a:t>sys_id</a:t>
+                      </a:r>
+                      <a:r>
+                        <a:rPr kumimoji="1" lang="ja-JP" altLang="en-US" sz="1400" dirty="0"/>
+                        <a:t>を紐付けるメニュー</a:t>
+                      </a:r>
                     </a:p>
                   </a:txBody>
                   <a:tcPr anchor="ctr">
@@ -10927,6 +11418,1976 @@
                 <a:extLst>
                   <a:ext uri="{0D108BD9-81ED-4DB2-BD59-A6C34878D82A}">
                     <a16:rowId xmlns:a16="http://schemas.microsoft.com/office/drawing/2014/main" val="1075466415"/>
+                  </a:ext>
+                </a:extLst>
+              </a:tr>
+              <a:tr h="266514">
+                <a:tc vMerge="1">
+                  <a:txBody>
+                    <a:bodyPr/>
+                    <a:lstStyle/>
+                    <a:p>
+                      <a:pPr algn="ctr"/>
+                      <a:endParaRPr kumimoji="1" lang="ja-JP" altLang="en-US" sz="1400" dirty="0"/>
+                    </a:p>
+                  </a:txBody>
+                  <a:tcPr>
+                    <a:lnL w="12700" cap="flat" cmpd="sng" algn="ctr">
+                      <a:solidFill>
+                        <a:schemeClr val="tx1"/>
+                      </a:solidFill>
+                      <a:prstDash val="solid"/>
+                      <a:round/>
+                      <a:headEnd type="none" w="med" len="med"/>
+                      <a:tailEnd type="none" w="med" len="med"/>
+                    </a:lnL>
+                    <a:lnR w="12700" cap="flat" cmpd="sng" algn="ctr">
+                      <a:solidFill>
+                        <a:schemeClr val="tx1"/>
+                      </a:solidFill>
+                      <a:prstDash val="solid"/>
+                      <a:round/>
+                      <a:headEnd type="none" w="med" len="med"/>
+                      <a:tailEnd type="none" w="med" len="med"/>
+                    </a:lnR>
+                    <a:lnT w="12700" cap="flat" cmpd="sng" algn="ctr">
+                      <a:solidFill>
+                        <a:schemeClr val="tx1"/>
+                      </a:solidFill>
+                      <a:prstDash val="solid"/>
+                      <a:round/>
+                      <a:headEnd type="none" w="med" len="med"/>
+                      <a:tailEnd type="none" w="med" len="med"/>
+                    </a:lnT>
+                    <a:lnB w="12700" cap="flat" cmpd="sng" algn="ctr">
+                      <a:solidFill>
+                        <a:schemeClr val="tx1"/>
+                      </a:solidFill>
+                      <a:prstDash val="solid"/>
+                      <a:round/>
+                      <a:headEnd type="none" w="med" len="med"/>
+                      <a:tailEnd type="none" w="med" len="med"/>
+                    </a:lnB>
+                    <a:lnTlToBr w="12700" cmpd="sng">
+                      <a:noFill/>
+                      <a:prstDash val="solid"/>
+                    </a:lnTlToBr>
+                    <a:lnBlToTr w="12700" cmpd="sng">
+                      <a:noFill/>
+                      <a:prstDash val="solid"/>
+                    </a:lnBlToTr>
+                    <a:solidFill>
+                      <a:schemeClr val="bg1"/>
+                    </a:solidFill>
+                  </a:tcPr>
+                </a:tc>
+                <a:tc vMerge="1">
+                  <a:txBody>
+                    <a:bodyPr/>
+                    <a:lstStyle/>
+                    <a:p>
+                      <a:endParaRPr kumimoji="1" lang="ja-JP" altLang="en-US" sz="1000" dirty="0"/>
+                    </a:p>
+                  </a:txBody>
+                  <a:tcPr>
+                    <a:lnL w="12700" cap="flat" cmpd="sng" algn="ctr">
+                      <a:solidFill>
+                        <a:schemeClr val="tx1"/>
+                      </a:solidFill>
+                      <a:prstDash val="solid"/>
+                      <a:round/>
+                      <a:headEnd type="none" w="med" len="med"/>
+                      <a:tailEnd type="none" w="med" len="med"/>
+                    </a:lnL>
+                    <a:lnR w="12700" cap="flat" cmpd="sng" algn="ctr">
+                      <a:solidFill>
+                        <a:schemeClr val="tx1"/>
+                      </a:solidFill>
+                      <a:prstDash val="solid"/>
+                      <a:round/>
+                      <a:headEnd type="none" w="med" len="med"/>
+                      <a:tailEnd type="none" w="med" len="med"/>
+                    </a:lnR>
+                    <a:lnT w="12700" cap="flat" cmpd="sng" algn="ctr">
+                      <a:solidFill>
+                        <a:schemeClr val="tx1"/>
+                      </a:solidFill>
+                      <a:prstDash val="solid"/>
+                      <a:round/>
+                      <a:headEnd type="none" w="med" len="med"/>
+                      <a:tailEnd type="none" w="med" len="med"/>
+                    </a:lnT>
+                    <a:lnB w="12700" cap="flat" cmpd="sng" algn="ctr">
+                      <a:solidFill>
+                        <a:schemeClr val="tx1"/>
+                      </a:solidFill>
+                      <a:prstDash val="solid"/>
+                      <a:round/>
+                      <a:headEnd type="none" w="med" len="med"/>
+                      <a:tailEnd type="none" w="med" len="med"/>
+                    </a:lnB>
+                    <a:lnTlToBr w="12700" cmpd="sng">
+                      <a:noFill/>
+                      <a:prstDash val="solid"/>
+                    </a:lnTlToBr>
+                    <a:lnBlToTr w="12700" cmpd="sng">
+                      <a:noFill/>
+                      <a:prstDash val="solid"/>
+                    </a:lnBlToTr>
+                    <a:solidFill>
+                      <a:schemeClr val="bg1"/>
+                    </a:solidFill>
+                  </a:tcPr>
+                </a:tc>
+                <a:tc>
+                  <a:txBody>
+                    <a:bodyPr/>
+                    <a:lstStyle/>
+                    <a:p>
+                      <a:r>
+                        <a:rPr kumimoji="1" lang="ja-JP" altLang="en-US" sz="1400" dirty="0"/>
+                        <a:t>製品モデル</a:t>
+                      </a:r>
+                      <a:r>
+                        <a:rPr kumimoji="1" lang="en-US" altLang="ja-JP" sz="1400" dirty="0"/>
+                        <a:t>_</a:t>
+                      </a:r>
+                      <a:r>
+                        <a:rPr kumimoji="1" lang="en-US" altLang="ja-JP" sz="1400" dirty="0" err="1"/>
+                        <a:t>sys_id</a:t>
+                      </a:r>
+                      <a:r>
+                        <a:rPr kumimoji="1" lang="ja-JP" altLang="en-US" sz="1400" dirty="0"/>
+                        <a:t>紐づけ表</a:t>
+                      </a:r>
+                      <a:endParaRPr kumimoji="1" lang="en-US" altLang="ja-JP" sz="1400" dirty="0"/>
+                    </a:p>
+                  </a:txBody>
+                  <a:tcPr anchor="ctr">
+                    <a:lnL w="12700" cap="flat" cmpd="sng" algn="ctr">
+                      <a:solidFill>
+                        <a:schemeClr val="tx1"/>
+                      </a:solidFill>
+                      <a:prstDash val="solid"/>
+                      <a:round/>
+                      <a:headEnd type="none" w="med" len="med"/>
+                      <a:tailEnd type="none" w="med" len="med"/>
+                    </a:lnL>
+                    <a:lnR w="12700" cap="flat" cmpd="sng" algn="ctr">
+                      <a:solidFill>
+                        <a:schemeClr val="tx1"/>
+                      </a:solidFill>
+                      <a:prstDash val="solid"/>
+                      <a:round/>
+                      <a:headEnd type="none" w="med" len="med"/>
+                      <a:tailEnd type="none" w="med" len="med"/>
+                    </a:lnR>
+                    <a:lnT w="12700" cap="flat" cmpd="sng" algn="ctr">
+                      <a:solidFill>
+                        <a:schemeClr val="tx1"/>
+                      </a:solidFill>
+                      <a:prstDash val="solid"/>
+                      <a:round/>
+                      <a:headEnd type="none" w="med" len="med"/>
+                      <a:tailEnd type="none" w="med" len="med"/>
+                    </a:lnT>
+                    <a:lnB w="12700" cap="flat" cmpd="sng" algn="ctr">
+                      <a:solidFill>
+                        <a:schemeClr val="tx1"/>
+                      </a:solidFill>
+                      <a:prstDash val="solid"/>
+                      <a:round/>
+                      <a:headEnd type="none" w="med" len="med"/>
+                      <a:tailEnd type="none" w="med" len="med"/>
+                    </a:lnB>
+                    <a:lnTlToBr w="12700" cmpd="sng">
+                      <a:noFill/>
+                      <a:prstDash val="solid"/>
+                    </a:lnTlToBr>
+                    <a:lnBlToTr w="12700" cmpd="sng">
+                      <a:noFill/>
+                      <a:prstDash val="solid"/>
+                    </a:lnBlToTr>
+                    <a:solidFill>
+                      <a:schemeClr val="bg1"/>
+                    </a:solidFill>
+                  </a:tcPr>
+                </a:tc>
+                <a:tc>
+                  <a:txBody>
+                    <a:bodyPr/>
+                    <a:lstStyle/>
+                    <a:p>
+                      <a:pPr algn="ctr"/>
+                      <a:r>
+                        <a:rPr kumimoji="1" lang="ja-JP" altLang="en-US" sz="1400" dirty="0"/>
+                        <a:t>●</a:t>
+                      </a:r>
+                      <a:endParaRPr kumimoji="1" lang="en-US" altLang="ja-JP" sz="1400" dirty="0"/>
+                    </a:p>
+                  </a:txBody>
+                  <a:tcPr anchor="ctr">
+                    <a:lnL w="12700" cap="flat" cmpd="sng" algn="ctr">
+                      <a:solidFill>
+                        <a:schemeClr val="tx1"/>
+                      </a:solidFill>
+                      <a:prstDash val="solid"/>
+                      <a:round/>
+                      <a:headEnd type="none" w="med" len="med"/>
+                      <a:tailEnd type="none" w="med" len="med"/>
+                    </a:lnL>
+                    <a:lnR w="12700" cap="flat" cmpd="sng" algn="ctr">
+                      <a:solidFill>
+                        <a:schemeClr val="tx1"/>
+                      </a:solidFill>
+                      <a:prstDash val="solid"/>
+                      <a:round/>
+                      <a:headEnd type="none" w="med" len="med"/>
+                      <a:tailEnd type="none" w="med" len="med"/>
+                    </a:lnR>
+                    <a:lnT w="12700" cap="flat" cmpd="sng" algn="ctr">
+                      <a:solidFill>
+                        <a:schemeClr val="tx1"/>
+                      </a:solidFill>
+                      <a:prstDash val="solid"/>
+                      <a:round/>
+                      <a:headEnd type="none" w="med" len="med"/>
+                      <a:tailEnd type="none" w="med" len="med"/>
+                    </a:lnT>
+                    <a:lnB w="12700" cap="flat" cmpd="sng" algn="ctr">
+                      <a:solidFill>
+                        <a:schemeClr val="tx1"/>
+                      </a:solidFill>
+                      <a:prstDash val="solid"/>
+                      <a:round/>
+                      <a:headEnd type="none" w="med" len="med"/>
+                      <a:tailEnd type="none" w="med" len="med"/>
+                    </a:lnB>
+                    <a:lnTlToBr w="12700" cmpd="sng">
+                      <a:noFill/>
+                      <a:prstDash val="solid"/>
+                    </a:lnTlToBr>
+                    <a:lnBlToTr w="12700" cmpd="sng">
+                      <a:noFill/>
+                      <a:prstDash val="solid"/>
+                    </a:lnBlToTr>
+                    <a:solidFill>
+                      <a:schemeClr val="bg1"/>
+                    </a:solidFill>
+                  </a:tcPr>
+                </a:tc>
+                <a:tc>
+                  <a:txBody>
+                    <a:bodyPr/>
+                    <a:lstStyle/>
+                    <a:p>
+                      <a:pPr algn="ctr"/>
+                      <a:r>
+                        <a:rPr kumimoji="1" lang="ja-JP" altLang="en-US" sz="1400" dirty="0"/>
+                        <a:t>●</a:t>
+                      </a:r>
+                      <a:endParaRPr kumimoji="1" lang="en-US" altLang="ja-JP" sz="1400" dirty="0"/>
+                    </a:p>
+                  </a:txBody>
+                  <a:tcPr anchor="ctr">
+                    <a:lnL w="12700" cap="flat" cmpd="sng" algn="ctr">
+                      <a:solidFill>
+                        <a:schemeClr val="tx1"/>
+                      </a:solidFill>
+                      <a:prstDash val="solid"/>
+                      <a:round/>
+                      <a:headEnd type="none" w="med" len="med"/>
+                      <a:tailEnd type="none" w="med" len="med"/>
+                    </a:lnL>
+                    <a:lnR w="12700" cap="flat" cmpd="sng" algn="ctr">
+                      <a:solidFill>
+                        <a:schemeClr val="tx1"/>
+                      </a:solidFill>
+                      <a:prstDash val="solid"/>
+                      <a:round/>
+                      <a:headEnd type="none" w="med" len="med"/>
+                      <a:tailEnd type="none" w="med" len="med"/>
+                    </a:lnR>
+                    <a:lnT w="12700" cap="flat" cmpd="sng" algn="ctr">
+                      <a:solidFill>
+                        <a:schemeClr val="tx1"/>
+                      </a:solidFill>
+                      <a:prstDash val="solid"/>
+                      <a:round/>
+                      <a:headEnd type="none" w="med" len="med"/>
+                      <a:tailEnd type="none" w="med" len="med"/>
+                    </a:lnT>
+                    <a:lnB w="12700" cap="flat" cmpd="sng" algn="ctr">
+                      <a:solidFill>
+                        <a:schemeClr val="tx1"/>
+                      </a:solidFill>
+                      <a:prstDash val="solid"/>
+                      <a:round/>
+                      <a:headEnd type="none" w="med" len="med"/>
+                      <a:tailEnd type="none" w="med" len="med"/>
+                    </a:lnB>
+                    <a:lnTlToBr w="12700" cmpd="sng">
+                      <a:noFill/>
+                      <a:prstDash val="solid"/>
+                    </a:lnTlToBr>
+                    <a:lnBlToTr w="12700" cmpd="sng">
+                      <a:noFill/>
+                      <a:prstDash val="solid"/>
+                    </a:lnBlToTr>
+                    <a:solidFill>
+                      <a:schemeClr val="bg1"/>
+                    </a:solidFill>
+                  </a:tcPr>
+                </a:tc>
+                <a:tc>
+                  <a:txBody>
+                    <a:bodyPr/>
+                    <a:lstStyle/>
+                    <a:p>
+                      <a:r>
+                        <a:rPr kumimoji="1" lang="ja-JP" altLang="en-US" sz="1400" dirty="0"/>
+                        <a:t>製品モデル名と</a:t>
+                      </a:r>
+                      <a:r>
+                        <a:rPr kumimoji="1" lang="en-US" altLang="ja-JP" sz="1400" dirty="0" err="1"/>
+                        <a:t>sys_id</a:t>
+                      </a:r>
+                      <a:r>
+                        <a:rPr kumimoji="1" lang="ja-JP" altLang="en-US" sz="1400" dirty="0"/>
+                        <a:t>を紐付けるメニュー</a:t>
+                      </a:r>
+                    </a:p>
+                  </a:txBody>
+                  <a:tcPr anchor="ctr">
+                    <a:lnL w="12700" cap="flat" cmpd="sng" algn="ctr">
+                      <a:solidFill>
+                        <a:schemeClr val="tx1"/>
+                      </a:solidFill>
+                      <a:prstDash val="solid"/>
+                      <a:round/>
+                      <a:headEnd type="none" w="med" len="med"/>
+                      <a:tailEnd type="none" w="med" len="med"/>
+                    </a:lnL>
+                    <a:lnR w="12700" cap="flat" cmpd="sng" algn="ctr">
+                      <a:solidFill>
+                        <a:schemeClr val="tx1"/>
+                      </a:solidFill>
+                      <a:prstDash val="solid"/>
+                      <a:round/>
+                      <a:headEnd type="none" w="med" len="med"/>
+                      <a:tailEnd type="none" w="med" len="med"/>
+                    </a:lnR>
+                    <a:lnT w="12700" cap="flat" cmpd="sng" algn="ctr">
+                      <a:solidFill>
+                        <a:schemeClr val="tx1"/>
+                      </a:solidFill>
+                      <a:prstDash val="solid"/>
+                      <a:round/>
+                      <a:headEnd type="none" w="med" len="med"/>
+                      <a:tailEnd type="none" w="med" len="med"/>
+                    </a:lnT>
+                    <a:lnB w="12700" cap="flat" cmpd="sng" algn="ctr">
+                      <a:solidFill>
+                        <a:schemeClr val="tx1"/>
+                      </a:solidFill>
+                      <a:prstDash val="solid"/>
+                      <a:round/>
+                      <a:headEnd type="none" w="med" len="med"/>
+                      <a:tailEnd type="none" w="med" len="med"/>
+                    </a:lnB>
+                    <a:lnTlToBr w="12700" cmpd="sng">
+                      <a:noFill/>
+                      <a:prstDash val="solid"/>
+                    </a:lnTlToBr>
+                    <a:lnBlToTr w="12700" cmpd="sng">
+                      <a:noFill/>
+                      <a:prstDash val="solid"/>
+                    </a:lnBlToTr>
+                    <a:solidFill>
+                      <a:schemeClr val="bg1"/>
+                    </a:solidFill>
+                  </a:tcPr>
+                </a:tc>
+                <a:extLst>
+                  <a:ext uri="{0D108BD9-81ED-4DB2-BD59-A6C34878D82A}">
+                    <a16:rowId xmlns:a16="http://schemas.microsoft.com/office/drawing/2014/main" val="741760430"/>
+                  </a:ext>
+                </a:extLst>
+              </a:tr>
+              <a:tr h="266514">
+                <a:tc vMerge="1">
+                  <a:txBody>
+                    <a:bodyPr/>
+                    <a:lstStyle/>
+                    <a:p>
+                      <a:pPr algn="ctr"/>
+                      <a:endParaRPr kumimoji="1" lang="ja-JP" altLang="en-US" sz="1400" dirty="0"/>
+                    </a:p>
+                  </a:txBody>
+                  <a:tcPr>
+                    <a:lnL w="12700" cap="flat" cmpd="sng" algn="ctr">
+                      <a:solidFill>
+                        <a:schemeClr val="tx1"/>
+                      </a:solidFill>
+                      <a:prstDash val="solid"/>
+                      <a:round/>
+                      <a:headEnd type="none" w="med" len="med"/>
+                      <a:tailEnd type="none" w="med" len="med"/>
+                    </a:lnL>
+                    <a:lnR w="12700" cap="flat" cmpd="sng" algn="ctr">
+                      <a:solidFill>
+                        <a:schemeClr val="tx1"/>
+                      </a:solidFill>
+                      <a:prstDash val="solid"/>
+                      <a:round/>
+                      <a:headEnd type="none" w="med" len="med"/>
+                      <a:tailEnd type="none" w="med" len="med"/>
+                    </a:lnR>
+                    <a:lnT w="12700" cap="flat" cmpd="sng" algn="ctr">
+                      <a:solidFill>
+                        <a:schemeClr val="tx1"/>
+                      </a:solidFill>
+                      <a:prstDash val="solid"/>
+                      <a:round/>
+                      <a:headEnd type="none" w="med" len="med"/>
+                      <a:tailEnd type="none" w="med" len="med"/>
+                    </a:lnT>
+                    <a:lnB w="12700" cap="flat" cmpd="sng" algn="ctr">
+                      <a:solidFill>
+                        <a:schemeClr val="tx1"/>
+                      </a:solidFill>
+                      <a:prstDash val="solid"/>
+                      <a:round/>
+                      <a:headEnd type="none" w="med" len="med"/>
+                      <a:tailEnd type="none" w="med" len="med"/>
+                    </a:lnB>
+                    <a:lnTlToBr w="12700" cmpd="sng">
+                      <a:noFill/>
+                      <a:prstDash val="solid"/>
+                    </a:lnTlToBr>
+                    <a:lnBlToTr w="12700" cmpd="sng">
+                      <a:noFill/>
+                      <a:prstDash val="solid"/>
+                    </a:lnBlToTr>
+                    <a:solidFill>
+                      <a:schemeClr val="bg1"/>
+                    </a:solidFill>
+                  </a:tcPr>
+                </a:tc>
+                <a:tc vMerge="1">
+                  <a:txBody>
+                    <a:bodyPr/>
+                    <a:lstStyle/>
+                    <a:p>
+                      <a:endParaRPr kumimoji="1" lang="ja-JP" altLang="en-US" sz="1000" dirty="0"/>
+                    </a:p>
+                  </a:txBody>
+                  <a:tcPr>
+                    <a:lnL w="12700" cap="flat" cmpd="sng" algn="ctr">
+                      <a:solidFill>
+                        <a:schemeClr val="tx1"/>
+                      </a:solidFill>
+                      <a:prstDash val="solid"/>
+                      <a:round/>
+                      <a:headEnd type="none" w="med" len="med"/>
+                      <a:tailEnd type="none" w="med" len="med"/>
+                    </a:lnL>
+                    <a:lnR w="12700" cap="flat" cmpd="sng" algn="ctr">
+                      <a:solidFill>
+                        <a:schemeClr val="tx1"/>
+                      </a:solidFill>
+                      <a:prstDash val="solid"/>
+                      <a:round/>
+                      <a:headEnd type="none" w="med" len="med"/>
+                      <a:tailEnd type="none" w="med" len="med"/>
+                    </a:lnR>
+                    <a:lnT w="12700" cap="flat" cmpd="sng" algn="ctr">
+                      <a:solidFill>
+                        <a:schemeClr val="tx1"/>
+                      </a:solidFill>
+                      <a:prstDash val="solid"/>
+                      <a:round/>
+                      <a:headEnd type="none" w="med" len="med"/>
+                      <a:tailEnd type="none" w="med" len="med"/>
+                    </a:lnT>
+                    <a:lnB w="12700" cap="flat" cmpd="sng" algn="ctr">
+                      <a:solidFill>
+                        <a:schemeClr val="tx1"/>
+                      </a:solidFill>
+                      <a:prstDash val="solid"/>
+                      <a:round/>
+                      <a:headEnd type="none" w="med" len="med"/>
+                      <a:tailEnd type="none" w="med" len="med"/>
+                    </a:lnB>
+                    <a:lnTlToBr w="12700" cmpd="sng">
+                      <a:noFill/>
+                      <a:prstDash val="solid"/>
+                    </a:lnTlToBr>
+                    <a:lnBlToTr w="12700" cmpd="sng">
+                      <a:noFill/>
+                      <a:prstDash val="solid"/>
+                    </a:lnBlToTr>
+                    <a:solidFill>
+                      <a:schemeClr val="bg1"/>
+                    </a:solidFill>
+                  </a:tcPr>
+                </a:tc>
+                <a:tc>
+                  <a:txBody>
+                    <a:bodyPr/>
+                    <a:lstStyle/>
+                    <a:p>
+                      <a:pPr marL="0" marR="0" lvl="0" indent="0" algn="l" defTabSz="914400" rtl="0" eaLnBrk="1" fontAlgn="auto" latinLnBrk="0" hangingPunct="1">
+                        <a:lnSpc>
+                          <a:spcPct val="100000"/>
+                        </a:lnSpc>
+                        <a:spcBef>
+                          <a:spcPts val="0"/>
+                        </a:spcBef>
+                        <a:spcAft>
+                          <a:spcPts val="0"/>
+                        </a:spcAft>
+                        <a:buClrTx/>
+                        <a:buSzTx/>
+                        <a:buFontTx/>
+                        <a:buNone/>
+                        <a:tabLst/>
+                        <a:defRPr/>
+                      </a:pPr>
+                      <a:r>
+                        <a:rPr kumimoji="1" lang="ja-JP" altLang="en-US" sz="1400" dirty="0"/>
+                        <a:t>サーバ名</a:t>
+                      </a:r>
+                      <a:r>
+                        <a:rPr kumimoji="1" lang="en-US" altLang="ja-JP" sz="1400" dirty="0"/>
+                        <a:t>_</a:t>
+                      </a:r>
+                      <a:r>
+                        <a:rPr kumimoji="1" lang="en-US" altLang="ja-JP" sz="1400" dirty="0" err="1"/>
+                        <a:t>sys_id</a:t>
+                      </a:r>
+                      <a:r>
+                        <a:rPr kumimoji="1" lang="ja-JP" altLang="en-US" sz="1400" dirty="0"/>
+                        <a:t>紐づけ表</a:t>
+                      </a:r>
+                      <a:endParaRPr kumimoji="1" lang="en-US" altLang="ja-JP" sz="1400" dirty="0"/>
+                    </a:p>
+                  </a:txBody>
+                  <a:tcPr anchor="ctr">
+                    <a:lnL w="12700" cap="flat" cmpd="sng" algn="ctr">
+                      <a:solidFill>
+                        <a:schemeClr val="tx1"/>
+                      </a:solidFill>
+                      <a:prstDash val="solid"/>
+                      <a:round/>
+                      <a:headEnd type="none" w="med" len="med"/>
+                      <a:tailEnd type="none" w="med" len="med"/>
+                    </a:lnL>
+                    <a:lnR w="12700" cap="flat" cmpd="sng" algn="ctr">
+                      <a:solidFill>
+                        <a:schemeClr val="tx1"/>
+                      </a:solidFill>
+                      <a:prstDash val="solid"/>
+                      <a:round/>
+                      <a:headEnd type="none" w="med" len="med"/>
+                      <a:tailEnd type="none" w="med" len="med"/>
+                    </a:lnR>
+                    <a:lnT w="12700" cap="flat" cmpd="sng" algn="ctr">
+                      <a:solidFill>
+                        <a:schemeClr val="tx1"/>
+                      </a:solidFill>
+                      <a:prstDash val="solid"/>
+                      <a:round/>
+                      <a:headEnd type="none" w="med" len="med"/>
+                      <a:tailEnd type="none" w="med" len="med"/>
+                    </a:lnT>
+                    <a:lnB w="12700" cap="flat" cmpd="sng" algn="ctr">
+                      <a:solidFill>
+                        <a:schemeClr val="tx1"/>
+                      </a:solidFill>
+                      <a:prstDash val="solid"/>
+                      <a:round/>
+                      <a:headEnd type="none" w="med" len="med"/>
+                      <a:tailEnd type="none" w="med" len="med"/>
+                    </a:lnB>
+                    <a:lnTlToBr w="12700" cmpd="sng">
+                      <a:noFill/>
+                      <a:prstDash val="solid"/>
+                    </a:lnTlToBr>
+                    <a:lnBlToTr w="12700" cmpd="sng">
+                      <a:noFill/>
+                      <a:prstDash val="solid"/>
+                    </a:lnBlToTr>
+                    <a:solidFill>
+                      <a:schemeClr val="bg1"/>
+                    </a:solidFill>
+                  </a:tcPr>
+                </a:tc>
+                <a:tc>
+                  <a:txBody>
+                    <a:bodyPr/>
+                    <a:lstStyle/>
+                    <a:p>
+                      <a:pPr algn="ctr"/>
+                      <a:r>
+                        <a:rPr kumimoji="1" lang="ja-JP" altLang="en-US" sz="1400" dirty="0"/>
+                        <a:t>●</a:t>
+                      </a:r>
+                      <a:endParaRPr kumimoji="1" lang="en-US" altLang="ja-JP" sz="1400" dirty="0"/>
+                    </a:p>
+                  </a:txBody>
+                  <a:tcPr anchor="ctr">
+                    <a:lnL w="12700" cap="flat" cmpd="sng" algn="ctr">
+                      <a:solidFill>
+                        <a:schemeClr val="tx1"/>
+                      </a:solidFill>
+                      <a:prstDash val="solid"/>
+                      <a:round/>
+                      <a:headEnd type="none" w="med" len="med"/>
+                      <a:tailEnd type="none" w="med" len="med"/>
+                    </a:lnL>
+                    <a:lnR w="12700" cap="flat" cmpd="sng" algn="ctr">
+                      <a:solidFill>
+                        <a:schemeClr val="tx1"/>
+                      </a:solidFill>
+                      <a:prstDash val="solid"/>
+                      <a:round/>
+                      <a:headEnd type="none" w="med" len="med"/>
+                      <a:tailEnd type="none" w="med" len="med"/>
+                    </a:lnR>
+                    <a:lnT w="12700" cap="flat" cmpd="sng" algn="ctr">
+                      <a:solidFill>
+                        <a:schemeClr val="tx1"/>
+                      </a:solidFill>
+                      <a:prstDash val="solid"/>
+                      <a:round/>
+                      <a:headEnd type="none" w="med" len="med"/>
+                      <a:tailEnd type="none" w="med" len="med"/>
+                    </a:lnT>
+                    <a:lnB w="12700" cap="flat" cmpd="sng" algn="ctr">
+                      <a:solidFill>
+                        <a:schemeClr val="tx1"/>
+                      </a:solidFill>
+                      <a:prstDash val="solid"/>
+                      <a:round/>
+                      <a:headEnd type="none" w="med" len="med"/>
+                      <a:tailEnd type="none" w="med" len="med"/>
+                    </a:lnB>
+                    <a:lnTlToBr w="12700" cmpd="sng">
+                      <a:noFill/>
+                      <a:prstDash val="solid"/>
+                    </a:lnTlToBr>
+                    <a:lnBlToTr w="12700" cmpd="sng">
+                      <a:noFill/>
+                      <a:prstDash val="solid"/>
+                    </a:lnBlToTr>
+                    <a:solidFill>
+                      <a:schemeClr val="bg1"/>
+                    </a:solidFill>
+                  </a:tcPr>
+                </a:tc>
+                <a:tc>
+                  <a:txBody>
+                    <a:bodyPr/>
+                    <a:lstStyle/>
+                    <a:p>
+                      <a:pPr algn="ctr"/>
+                      <a:r>
+                        <a:rPr kumimoji="1" lang="ja-JP" altLang="en-US" sz="1400" dirty="0"/>
+                        <a:t>●</a:t>
+                      </a:r>
+                      <a:endParaRPr kumimoji="1" lang="en-US" altLang="ja-JP" sz="1400" dirty="0"/>
+                    </a:p>
+                  </a:txBody>
+                  <a:tcPr anchor="ctr">
+                    <a:lnL w="12700" cap="flat" cmpd="sng" algn="ctr">
+                      <a:solidFill>
+                        <a:schemeClr val="tx1"/>
+                      </a:solidFill>
+                      <a:prstDash val="solid"/>
+                      <a:round/>
+                      <a:headEnd type="none" w="med" len="med"/>
+                      <a:tailEnd type="none" w="med" len="med"/>
+                    </a:lnL>
+                    <a:lnR w="12700" cap="flat" cmpd="sng" algn="ctr">
+                      <a:solidFill>
+                        <a:schemeClr val="tx1"/>
+                      </a:solidFill>
+                      <a:prstDash val="solid"/>
+                      <a:round/>
+                      <a:headEnd type="none" w="med" len="med"/>
+                      <a:tailEnd type="none" w="med" len="med"/>
+                    </a:lnR>
+                    <a:lnT w="12700" cap="flat" cmpd="sng" algn="ctr">
+                      <a:solidFill>
+                        <a:schemeClr val="tx1"/>
+                      </a:solidFill>
+                      <a:prstDash val="solid"/>
+                      <a:round/>
+                      <a:headEnd type="none" w="med" len="med"/>
+                      <a:tailEnd type="none" w="med" len="med"/>
+                    </a:lnT>
+                    <a:lnB w="12700" cap="flat" cmpd="sng" algn="ctr">
+                      <a:solidFill>
+                        <a:schemeClr val="tx1"/>
+                      </a:solidFill>
+                      <a:prstDash val="solid"/>
+                      <a:round/>
+                      <a:headEnd type="none" w="med" len="med"/>
+                      <a:tailEnd type="none" w="med" len="med"/>
+                    </a:lnB>
+                    <a:lnTlToBr w="12700" cmpd="sng">
+                      <a:noFill/>
+                      <a:prstDash val="solid"/>
+                    </a:lnTlToBr>
+                    <a:lnBlToTr w="12700" cmpd="sng">
+                      <a:noFill/>
+                      <a:prstDash val="solid"/>
+                    </a:lnBlToTr>
+                    <a:solidFill>
+                      <a:schemeClr val="bg1"/>
+                    </a:solidFill>
+                  </a:tcPr>
+                </a:tc>
+                <a:tc>
+                  <a:txBody>
+                    <a:bodyPr/>
+                    <a:lstStyle/>
+                    <a:p>
+                      <a:pPr marL="0" marR="0" lvl="0" indent="0" algn="l" defTabSz="914400" rtl="0" eaLnBrk="1" fontAlgn="auto" latinLnBrk="0" hangingPunct="1">
+                        <a:lnSpc>
+                          <a:spcPct val="100000"/>
+                        </a:lnSpc>
+                        <a:spcBef>
+                          <a:spcPts val="0"/>
+                        </a:spcBef>
+                        <a:spcAft>
+                          <a:spcPts val="0"/>
+                        </a:spcAft>
+                        <a:buClrTx/>
+                        <a:buSzTx/>
+                        <a:buFontTx/>
+                        <a:buNone/>
+                        <a:tabLst/>
+                        <a:defRPr/>
+                      </a:pPr>
+                      <a:r>
+                        <a:rPr kumimoji="1" lang="ja-JP" altLang="en-US" sz="1400" dirty="0"/>
+                        <a:t>仮想マシン名と</a:t>
+                      </a:r>
+                      <a:r>
+                        <a:rPr kumimoji="1" lang="en-US" altLang="ja-JP" sz="1400" dirty="0" err="1"/>
+                        <a:t>sys_id</a:t>
+                      </a:r>
+                      <a:r>
+                        <a:rPr kumimoji="1" lang="ja-JP" altLang="en-US" sz="1400" dirty="0"/>
+                        <a:t>を紐付けるメニュー</a:t>
+                      </a:r>
+                      <a:endParaRPr kumimoji="1" lang="en-US" altLang="ja-JP" sz="1400" dirty="0"/>
+                    </a:p>
+                  </a:txBody>
+                  <a:tcPr anchor="ctr">
+                    <a:lnL w="12700" cap="flat" cmpd="sng" algn="ctr">
+                      <a:solidFill>
+                        <a:schemeClr val="tx1"/>
+                      </a:solidFill>
+                      <a:prstDash val="solid"/>
+                      <a:round/>
+                      <a:headEnd type="none" w="med" len="med"/>
+                      <a:tailEnd type="none" w="med" len="med"/>
+                    </a:lnL>
+                    <a:lnR w="12700" cap="flat" cmpd="sng" algn="ctr">
+                      <a:solidFill>
+                        <a:schemeClr val="tx1"/>
+                      </a:solidFill>
+                      <a:prstDash val="solid"/>
+                      <a:round/>
+                      <a:headEnd type="none" w="med" len="med"/>
+                      <a:tailEnd type="none" w="med" len="med"/>
+                    </a:lnR>
+                    <a:lnT w="12700" cap="flat" cmpd="sng" algn="ctr">
+                      <a:solidFill>
+                        <a:schemeClr val="tx1"/>
+                      </a:solidFill>
+                      <a:prstDash val="solid"/>
+                      <a:round/>
+                      <a:headEnd type="none" w="med" len="med"/>
+                      <a:tailEnd type="none" w="med" len="med"/>
+                    </a:lnT>
+                    <a:lnB w="12700" cap="flat" cmpd="sng" algn="ctr">
+                      <a:solidFill>
+                        <a:schemeClr val="tx1"/>
+                      </a:solidFill>
+                      <a:prstDash val="solid"/>
+                      <a:round/>
+                      <a:headEnd type="none" w="med" len="med"/>
+                      <a:tailEnd type="none" w="med" len="med"/>
+                    </a:lnB>
+                    <a:lnTlToBr w="12700" cmpd="sng">
+                      <a:noFill/>
+                      <a:prstDash val="solid"/>
+                    </a:lnTlToBr>
+                    <a:lnBlToTr w="12700" cmpd="sng">
+                      <a:noFill/>
+                      <a:prstDash val="solid"/>
+                    </a:lnBlToTr>
+                    <a:solidFill>
+                      <a:schemeClr val="bg1"/>
+                    </a:solidFill>
+                  </a:tcPr>
+                </a:tc>
+                <a:extLst>
+                  <a:ext uri="{0D108BD9-81ED-4DB2-BD59-A6C34878D82A}">
+                    <a16:rowId xmlns:a16="http://schemas.microsoft.com/office/drawing/2014/main" val="330292610"/>
+                  </a:ext>
+                </a:extLst>
+              </a:tr>
+              <a:tr h="266514">
+                <a:tc vMerge="1">
+                  <a:txBody>
+                    <a:bodyPr/>
+                    <a:lstStyle/>
+                    <a:p>
+                      <a:pPr algn="ctr"/>
+                      <a:endParaRPr kumimoji="1" lang="ja-JP" altLang="en-US" sz="1400" dirty="0"/>
+                    </a:p>
+                  </a:txBody>
+                  <a:tcPr>
+                    <a:lnL w="12700" cap="flat" cmpd="sng" algn="ctr">
+                      <a:solidFill>
+                        <a:schemeClr val="tx1"/>
+                      </a:solidFill>
+                      <a:prstDash val="solid"/>
+                      <a:round/>
+                      <a:headEnd type="none" w="med" len="med"/>
+                      <a:tailEnd type="none" w="med" len="med"/>
+                    </a:lnL>
+                    <a:lnR w="12700" cap="flat" cmpd="sng" algn="ctr">
+                      <a:solidFill>
+                        <a:schemeClr val="tx1"/>
+                      </a:solidFill>
+                      <a:prstDash val="solid"/>
+                      <a:round/>
+                      <a:headEnd type="none" w="med" len="med"/>
+                      <a:tailEnd type="none" w="med" len="med"/>
+                    </a:lnR>
+                    <a:lnT w="12700" cap="flat" cmpd="sng" algn="ctr">
+                      <a:solidFill>
+                        <a:schemeClr val="tx1"/>
+                      </a:solidFill>
+                      <a:prstDash val="solid"/>
+                      <a:round/>
+                      <a:headEnd type="none" w="med" len="med"/>
+                      <a:tailEnd type="none" w="med" len="med"/>
+                    </a:lnT>
+                    <a:lnB w="12700" cap="flat" cmpd="sng" algn="ctr">
+                      <a:solidFill>
+                        <a:schemeClr val="tx1"/>
+                      </a:solidFill>
+                      <a:prstDash val="solid"/>
+                      <a:round/>
+                      <a:headEnd type="none" w="med" len="med"/>
+                      <a:tailEnd type="none" w="med" len="med"/>
+                    </a:lnB>
+                    <a:lnTlToBr w="12700" cmpd="sng">
+                      <a:noFill/>
+                      <a:prstDash val="solid"/>
+                    </a:lnTlToBr>
+                    <a:lnBlToTr w="12700" cmpd="sng">
+                      <a:noFill/>
+                      <a:prstDash val="solid"/>
+                    </a:lnBlToTr>
+                    <a:solidFill>
+                      <a:schemeClr val="bg1"/>
+                    </a:solidFill>
+                  </a:tcPr>
+                </a:tc>
+                <a:tc vMerge="1">
+                  <a:txBody>
+                    <a:bodyPr/>
+                    <a:lstStyle/>
+                    <a:p>
+                      <a:endParaRPr kumimoji="1" lang="ja-JP" altLang="en-US" sz="1000" dirty="0"/>
+                    </a:p>
+                  </a:txBody>
+                  <a:tcPr>
+                    <a:lnL w="12700" cap="flat" cmpd="sng" algn="ctr">
+                      <a:solidFill>
+                        <a:schemeClr val="tx1"/>
+                      </a:solidFill>
+                      <a:prstDash val="solid"/>
+                      <a:round/>
+                      <a:headEnd type="none" w="med" len="med"/>
+                      <a:tailEnd type="none" w="med" len="med"/>
+                    </a:lnL>
+                    <a:lnR w="12700" cap="flat" cmpd="sng" algn="ctr">
+                      <a:solidFill>
+                        <a:schemeClr val="tx1"/>
+                      </a:solidFill>
+                      <a:prstDash val="solid"/>
+                      <a:round/>
+                      <a:headEnd type="none" w="med" len="med"/>
+                      <a:tailEnd type="none" w="med" len="med"/>
+                    </a:lnR>
+                    <a:lnT w="12700" cap="flat" cmpd="sng" algn="ctr">
+                      <a:solidFill>
+                        <a:schemeClr val="tx1"/>
+                      </a:solidFill>
+                      <a:prstDash val="solid"/>
+                      <a:round/>
+                      <a:headEnd type="none" w="med" len="med"/>
+                      <a:tailEnd type="none" w="med" len="med"/>
+                    </a:lnT>
+                    <a:lnB w="12700" cap="flat" cmpd="sng" algn="ctr">
+                      <a:solidFill>
+                        <a:schemeClr val="tx1"/>
+                      </a:solidFill>
+                      <a:prstDash val="solid"/>
+                      <a:round/>
+                      <a:headEnd type="none" w="med" len="med"/>
+                      <a:tailEnd type="none" w="med" len="med"/>
+                    </a:lnB>
+                    <a:lnTlToBr w="12700" cmpd="sng">
+                      <a:noFill/>
+                      <a:prstDash val="solid"/>
+                    </a:lnTlToBr>
+                    <a:lnBlToTr w="12700" cmpd="sng">
+                      <a:noFill/>
+                      <a:prstDash val="solid"/>
+                    </a:lnBlToTr>
+                    <a:solidFill>
+                      <a:schemeClr val="bg1"/>
+                    </a:solidFill>
+                  </a:tcPr>
+                </a:tc>
+                <a:tc>
+                  <a:txBody>
+                    <a:bodyPr/>
+                    <a:lstStyle/>
+                    <a:p>
+                      <a:r>
+                        <a:rPr kumimoji="1" lang="en-US" altLang="ja-JP" sz="1400" dirty="0"/>
+                        <a:t>CI</a:t>
+                      </a:r>
+                      <a:r>
+                        <a:rPr kumimoji="1" lang="ja-JP" altLang="en-US" sz="1400" dirty="0"/>
+                        <a:t>リレーションシップタイプ</a:t>
+                      </a:r>
+                      <a:endParaRPr kumimoji="1" lang="en-US" altLang="ja-JP" sz="1400" dirty="0"/>
+                    </a:p>
+                  </a:txBody>
+                  <a:tcPr anchor="ctr">
+                    <a:lnL w="12700" cap="flat" cmpd="sng" algn="ctr">
+                      <a:solidFill>
+                        <a:schemeClr val="tx1"/>
+                      </a:solidFill>
+                      <a:prstDash val="solid"/>
+                      <a:round/>
+                      <a:headEnd type="none" w="med" len="med"/>
+                      <a:tailEnd type="none" w="med" len="med"/>
+                    </a:lnL>
+                    <a:lnR w="12700" cap="flat" cmpd="sng" algn="ctr">
+                      <a:solidFill>
+                        <a:schemeClr val="tx1"/>
+                      </a:solidFill>
+                      <a:prstDash val="solid"/>
+                      <a:round/>
+                      <a:headEnd type="none" w="med" len="med"/>
+                      <a:tailEnd type="none" w="med" len="med"/>
+                    </a:lnR>
+                    <a:lnT w="12700" cap="flat" cmpd="sng" algn="ctr">
+                      <a:solidFill>
+                        <a:schemeClr val="tx1"/>
+                      </a:solidFill>
+                      <a:prstDash val="solid"/>
+                      <a:round/>
+                      <a:headEnd type="none" w="med" len="med"/>
+                      <a:tailEnd type="none" w="med" len="med"/>
+                    </a:lnT>
+                    <a:lnB w="12700" cap="flat" cmpd="sng" algn="ctr">
+                      <a:solidFill>
+                        <a:schemeClr val="tx1"/>
+                      </a:solidFill>
+                      <a:prstDash val="solid"/>
+                      <a:round/>
+                      <a:headEnd type="none" w="med" len="med"/>
+                      <a:tailEnd type="none" w="med" len="med"/>
+                    </a:lnB>
+                    <a:lnTlToBr w="12700" cmpd="sng">
+                      <a:noFill/>
+                      <a:prstDash val="solid"/>
+                    </a:lnTlToBr>
+                    <a:lnBlToTr w="12700" cmpd="sng">
+                      <a:noFill/>
+                      <a:prstDash val="solid"/>
+                    </a:lnBlToTr>
+                    <a:solidFill>
+                      <a:schemeClr val="bg1"/>
+                    </a:solidFill>
+                  </a:tcPr>
+                </a:tc>
+                <a:tc>
+                  <a:txBody>
+                    <a:bodyPr/>
+                    <a:lstStyle/>
+                    <a:p>
+                      <a:pPr algn="ctr"/>
+                      <a:r>
+                        <a:rPr kumimoji="1" lang="ja-JP" altLang="en-US" sz="1400" dirty="0"/>
+                        <a:t>●</a:t>
+                      </a:r>
+                      <a:endParaRPr kumimoji="1" lang="en-US" altLang="ja-JP" sz="1400" dirty="0"/>
+                    </a:p>
+                  </a:txBody>
+                  <a:tcPr anchor="ctr">
+                    <a:lnL w="12700" cap="flat" cmpd="sng" algn="ctr">
+                      <a:solidFill>
+                        <a:schemeClr val="tx1"/>
+                      </a:solidFill>
+                      <a:prstDash val="solid"/>
+                      <a:round/>
+                      <a:headEnd type="none" w="med" len="med"/>
+                      <a:tailEnd type="none" w="med" len="med"/>
+                    </a:lnL>
+                    <a:lnR w="12700" cap="flat" cmpd="sng" algn="ctr">
+                      <a:solidFill>
+                        <a:schemeClr val="tx1"/>
+                      </a:solidFill>
+                      <a:prstDash val="solid"/>
+                      <a:round/>
+                      <a:headEnd type="none" w="med" len="med"/>
+                      <a:tailEnd type="none" w="med" len="med"/>
+                    </a:lnR>
+                    <a:lnT w="12700" cap="flat" cmpd="sng" algn="ctr">
+                      <a:solidFill>
+                        <a:schemeClr val="tx1"/>
+                      </a:solidFill>
+                      <a:prstDash val="solid"/>
+                      <a:round/>
+                      <a:headEnd type="none" w="med" len="med"/>
+                      <a:tailEnd type="none" w="med" len="med"/>
+                    </a:lnT>
+                    <a:lnB w="12700" cap="flat" cmpd="sng" algn="ctr">
+                      <a:solidFill>
+                        <a:schemeClr val="tx1"/>
+                      </a:solidFill>
+                      <a:prstDash val="solid"/>
+                      <a:round/>
+                      <a:headEnd type="none" w="med" len="med"/>
+                      <a:tailEnd type="none" w="med" len="med"/>
+                    </a:lnB>
+                    <a:lnTlToBr w="12700" cmpd="sng">
+                      <a:noFill/>
+                      <a:prstDash val="solid"/>
+                    </a:lnTlToBr>
+                    <a:lnBlToTr w="12700" cmpd="sng">
+                      <a:noFill/>
+                      <a:prstDash val="solid"/>
+                    </a:lnBlToTr>
+                    <a:solidFill>
+                      <a:schemeClr val="bg1"/>
+                    </a:solidFill>
+                  </a:tcPr>
+                </a:tc>
+                <a:tc>
+                  <a:txBody>
+                    <a:bodyPr/>
+                    <a:lstStyle/>
+                    <a:p>
+                      <a:pPr algn="ctr"/>
+                      <a:r>
+                        <a:rPr kumimoji="1" lang="ja-JP" altLang="en-US" sz="1400" dirty="0"/>
+                        <a:t>●</a:t>
+                      </a:r>
+                      <a:endParaRPr kumimoji="1" lang="en-US" altLang="ja-JP" sz="1400" dirty="0"/>
+                    </a:p>
+                  </a:txBody>
+                  <a:tcPr anchor="ctr">
+                    <a:lnL w="12700" cap="flat" cmpd="sng" algn="ctr">
+                      <a:solidFill>
+                        <a:schemeClr val="tx1"/>
+                      </a:solidFill>
+                      <a:prstDash val="solid"/>
+                      <a:round/>
+                      <a:headEnd type="none" w="med" len="med"/>
+                      <a:tailEnd type="none" w="med" len="med"/>
+                    </a:lnL>
+                    <a:lnR w="12700" cap="flat" cmpd="sng" algn="ctr">
+                      <a:solidFill>
+                        <a:schemeClr val="tx1"/>
+                      </a:solidFill>
+                      <a:prstDash val="solid"/>
+                      <a:round/>
+                      <a:headEnd type="none" w="med" len="med"/>
+                      <a:tailEnd type="none" w="med" len="med"/>
+                    </a:lnR>
+                    <a:lnT w="12700" cap="flat" cmpd="sng" algn="ctr">
+                      <a:solidFill>
+                        <a:schemeClr val="tx1"/>
+                      </a:solidFill>
+                      <a:prstDash val="solid"/>
+                      <a:round/>
+                      <a:headEnd type="none" w="med" len="med"/>
+                      <a:tailEnd type="none" w="med" len="med"/>
+                    </a:lnT>
+                    <a:lnB w="12700" cap="flat" cmpd="sng" algn="ctr">
+                      <a:solidFill>
+                        <a:schemeClr val="tx1"/>
+                      </a:solidFill>
+                      <a:prstDash val="solid"/>
+                      <a:round/>
+                      <a:headEnd type="none" w="med" len="med"/>
+                      <a:tailEnd type="none" w="med" len="med"/>
+                    </a:lnB>
+                    <a:lnTlToBr w="12700" cmpd="sng">
+                      <a:noFill/>
+                      <a:prstDash val="solid"/>
+                    </a:lnTlToBr>
+                    <a:lnBlToTr w="12700" cmpd="sng">
+                      <a:noFill/>
+                      <a:prstDash val="solid"/>
+                    </a:lnBlToTr>
+                    <a:solidFill>
+                      <a:schemeClr val="bg1"/>
+                    </a:solidFill>
+                  </a:tcPr>
+                </a:tc>
+                <a:tc>
+                  <a:txBody>
+                    <a:bodyPr/>
+                    <a:lstStyle/>
+                    <a:p>
+                      <a:r>
+                        <a:rPr kumimoji="1" lang="en-US" altLang="ja-JP" sz="1400" dirty="0"/>
+                        <a:t>CI</a:t>
+                      </a:r>
+                      <a:r>
+                        <a:rPr kumimoji="1" lang="ja-JP" altLang="en-US" sz="1400" dirty="0"/>
+                        <a:t>リレーションシップタイプを定義するメニュー</a:t>
+                      </a:r>
+                    </a:p>
+                  </a:txBody>
+                  <a:tcPr anchor="ctr">
+                    <a:lnL w="12700" cap="flat" cmpd="sng" algn="ctr">
+                      <a:solidFill>
+                        <a:schemeClr val="tx1"/>
+                      </a:solidFill>
+                      <a:prstDash val="solid"/>
+                      <a:round/>
+                      <a:headEnd type="none" w="med" len="med"/>
+                      <a:tailEnd type="none" w="med" len="med"/>
+                    </a:lnL>
+                    <a:lnR w="12700" cap="flat" cmpd="sng" algn="ctr">
+                      <a:solidFill>
+                        <a:schemeClr val="tx1"/>
+                      </a:solidFill>
+                      <a:prstDash val="solid"/>
+                      <a:round/>
+                      <a:headEnd type="none" w="med" len="med"/>
+                      <a:tailEnd type="none" w="med" len="med"/>
+                    </a:lnR>
+                    <a:lnT w="12700" cap="flat" cmpd="sng" algn="ctr">
+                      <a:solidFill>
+                        <a:schemeClr val="tx1"/>
+                      </a:solidFill>
+                      <a:prstDash val="solid"/>
+                      <a:round/>
+                      <a:headEnd type="none" w="med" len="med"/>
+                      <a:tailEnd type="none" w="med" len="med"/>
+                    </a:lnT>
+                    <a:lnB w="12700" cap="flat" cmpd="sng" algn="ctr">
+                      <a:solidFill>
+                        <a:schemeClr val="tx1"/>
+                      </a:solidFill>
+                      <a:prstDash val="solid"/>
+                      <a:round/>
+                      <a:headEnd type="none" w="med" len="med"/>
+                      <a:tailEnd type="none" w="med" len="med"/>
+                    </a:lnB>
+                    <a:lnTlToBr w="12700" cmpd="sng">
+                      <a:noFill/>
+                      <a:prstDash val="solid"/>
+                    </a:lnTlToBr>
+                    <a:lnBlToTr w="12700" cmpd="sng">
+                      <a:noFill/>
+                      <a:prstDash val="solid"/>
+                    </a:lnBlToTr>
+                    <a:solidFill>
+                      <a:schemeClr val="bg1"/>
+                    </a:solidFill>
+                  </a:tcPr>
+                </a:tc>
+                <a:extLst>
+                  <a:ext uri="{0D108BD9-81ED-4DB2-BD59-A6C34878D82A}">
+                    <a16:rowId xmlns:a16="http://schemas.microsoft.com/office/drawing/2014/main" val="3742160287"/>
+                  </a:ext>
+                </a:extLst>
+              </a:tr>
+            </a:tbl>
+          </a:graphicData>
+        </a:graphic>
+      </p:graphicFrame>
+      <p:sp>
+        <p:nvSpPr>
+          <p:cNvPr id="4" name="テキスト ボックス 3">
+            <a:extLst>
+              <a:ext uri="{FF2B5EF4-FFF2-40B4-BE49-F238E27FC236}">
+                <a16:creationId xmlns:a16="http://schemas.microsoft.com/office/drawing/2014/main" id="{281D5E8A-0785-4B31-9A5B-2D9729BB512E}"/>
+              </a:ext>
+            </a:extLst>
+          </p:cNvPr>
+          <p:cNvSpPr txBox="1"/>
+          <p:nvPr/>
+        </p:nvSpPr>
+        <p:spPr>
+          <a:xfrm>
+            <a:off x="8429780" y="777330"/>
+            <a:ext cx="3361730" cy="461665"/>
+          </a:xfrm>
+          <a:prstGeom prst="rect">
+            <a:avLst/>
+          </a:prstGeom>
+          <a:solidFill>
+            <a:schemeClr val="bg1"/>
+          </a:solidFill>
+        </p:spPr>
+        <p:txBody>
+          <a:bodyPr wrap="square" rtlCol="0">
+            <a:spAutoFit/>
+          </a:bodyPr>
+          <a:lstStyle/>
+          <a:p>
+            <a:r>
+              <a:rPr lang="en-US" altLang="ja-JP" sz="1200" dirty="0"/>
+              <a:t>※</a:t>
+            </a:r>
+            <a:r>
+              <a:rPr lang="ja-JP" altLang="en-US" sz="1200" dirty="0"/>
+              <a:t>管理者</a:t>
+            </a:r>
+            <a:r>
+              <a:rPr lang="en-US" altLang="ja-JP" sz="1200" dirty="0"/>
+              <a:t>: </a:t>
+            </a:r>
+            <a:r>
+              <a:rPr lang="ja-JP" altLang="en-US" sz="1200" dirty="0"/>
+              <a:t>システム管理者</a:t>
+            </a:r>
+          </a:p>
+          <a:p>
+            <a:r>
+              <a:rPr lang="ja-JP" altLang="en-US" sz="1200" dirty="0"/>
+              <a:t>　</a:t>
+            </a:r>
+            <a:r>
+              <a:rPr lang="en-US" altLang="ja-JP" sz="1200" dirty="0"/>
+              <a:t>SN</a:t>
+            </a:r>
+            <a:r>
+              <a:rPr lang="ja-JP" altLang="en-US" sz="1200" dirty="0"/>
+              <a:t>連携</a:t>
+            </a:r>
+            <a:r>
+              <a:rPr lang="en-US" altLang="ja-JP" sz="1200" dirty="0"/>
+              <a:t>: </a:t>
+            </a:r>
+            <a:r>
+              <a:rPr lang="en-US" altLang="ja-JP" sz="1200" dirty="0" err="1">
+                <a:solidFill>
+                  <a:schemeClr val="dk1"/>
+                </a:solidFill>
+              </a:rPr>
+              <a:t>ServiceNow</a:t>
+            </a:r>
+            <a:r>
+              <a:rPr lang="ja-JP" altLang="en-US" sz="1200" dirty="0">
+                <a:solidFill>
+                  <a:schemeClr val="dk1"/>
+                </a:solidFill>
+              </a:rPr>
+              <a:t>モデル管理者ロール</a:t>
+            </a:r>
+            <a:endParaRPr lang="en-US" altLang="ja-JP" sz="1200" dirty="0"/>
+          </a:p>
+        </p:txBody>
+      </p:sp>
+    </p:spTree>
+    <p:extLst>
+      <p:ext uri="{BB962C8B-B14F-4D97-AF65-F5344CB8AC3E}">
+        <p14:creationId xmlns:p14="http://schemas.microsoft.com/office/powerpoint/2010/main" val="3620095651"/>
+      </p:ext>
+    </p:extLst>
+  </p:cSld>
+  <p:clrMapOvr>
+    <a:masterClrMapping/>
+  </p:clrMapOvr>
+</p:sld>
+</file>
+
+<file path=ppt/slides/slide15.xml><?xml version="1.0" encoding="utf-8"?>
+<p:sld xmlns:a="http://schemas.openxmlformats.org/drawingml/2006/main" xmlns:r="http://schemas.openxmlformats.org/officeDocument/2006/relationships" xmlns:p="http://schemas.openxmlformats.org/presentationml/2006/main">
+  <p:cSld>
+    <p:spTree>
+      <p:nvGrpSpPr>
+        <p:cNvPr id="1" name=""/>
+        <p:cNvGrpSpPr/>
+        <p:nvPr/>
+      </p:nvGrpSpPr>
+      <p:grpSpPr>
+        <a:xfrm>
+          <a:off x="0" y="0"/>
+          <a:ext cx="0" cy="0"/>
+          <a:chOff x="0" y="0"/>
+          <a:chExt cx="0" cy="0"/>
+        </a:xfrm>
+      </p:grpSpPr>
+      <p:sp>
+        <p:nvSpPr>
+          <p:cNvPr id="2" name="タイトル 1">
+            <a:extLst>
+              <a:ext uri="{FF2B5EF4-FFF2-40B4-BE49-F238E27FC236}">
+                <a16:creationId xmlns:a16="http://schemas.microsoft.com/office/drawing/2014/main" id="{F60E748C-1AC3-4DCA-AE11-2267F80609D3}"/>
+              </a:ext>
+            </a:extLst>
+          </p:cNvPr>
+          <p:cNvSpPr>
+            <a:spLocks noGrp="1"/>
+          </p:cNvSpPr>
+          <p:nvPr>
+            <p:ph type="title"/>
+          </p:nvPr>
+        </p:nvSpPr>
+        <p:spPr/>
+        <p:txBody>
+          <a:bodyPr/>
+          <a:lstStyle/>
+          <a:p>
+            <a:r>
+              <a:rPr lang="ja-JP" altLang="en-US" dirty="0"/>
+              <a:t>メニュー一覧</a:t>
+            </a:r>
+            <a:endParaRPr kumimoji="1" lang="ja-JP" altLang="en-US" dirty="0"/>
+          </a:p>
+        </p:txBody>
+      </p:sp>
+      <p:graphicFrame>
+        <p:nvGraphicFramePr>
+          <p:cNvPr id="3" name="表 4">
+            <a:extLst>
+              <a:ext uri="{FF2B5EF4-FFF2-40B4-BE49-F238E27FC236}">
+                <a16:creationId xmlns:a16="http://schemas.microsoft.com/office/drawing/2014/main" id="{A68D3E62-D7B8-4CF8-AC7D-AC1E49967F86}"/>
+              </a:ext>
+            </a:extLst>
+          </p:cNvPr>
+          <p:cNvGraphicFramePr>
+            <a:graphicFrameLocks noGrp="1"/>
+          </p:cNvGraphicFramePr>
+          <p:nvPr>
+            <p:extLst>
+              <p:ext uri="{D42A27DB-BD31-4B8C-83A1-F6EECF244321}">
+                <p14:modId xmlns:p14="http://schemas.microsoft.com/office/powerpoint/2010/main" val="937472099"/>
+              </p:ext>
+            </p:extLst>
+          </p:nvPr>
+        </p:nvGraphicFramePr>
+        <p:xfrm>
+          <a:off x="42407" y="714913"/>
+          <a:ext cx="12102433" cy="4904603"/>
+        </p:xfrm>
+        <a:graphic>
+          <a:graphicData uri="http://schemas.openxmlformats.org/drawingml/2006/table">
+            <a:tbl>
+              <a:tblPr firstRow="1" bandRow="1">
+                <a:tableStyleId>{93296810-A885-4BE3-A3E7-6D5BEEA58F35}</a:tableStyleId>
+              </a:tblPr>
+              <a:tblGrid>
+                <a:gridCol w="562292">
+                  <a:extLst>
+                    <a:ext uri="{9D8B030D-6E8A-4147-A177-3AD203B41FA5}">
+                      <a16:colId xmlns:a16="http://schemas.microsoft.com/office/drawing/2014/main" val="3480426937"/>
+                    </a:ext>
+                  </a:extLst>
+                </a:gridCol>
+                <a:gridCol w="1800000">
+                  <a:extLst>
+                    <a:ext uri="{9D8B030D-6E8A-4147-A177-3AD203B41FA5}">
+                      <a16:colId xmlns:a16="http://schemas.microsoft.com/office/drawing/2014/main" val="587946354"/>
+                    </a:ext>
+                  </a:extLst>
+                </a:gridCol>
+                <a:gridCol w="1800250">
+                  <a:extLst>
+                    <a:ext uri="{9D8B030D-6E8A-4147-A177-3AD203B41FA5}">
+                      <a16:colId xmlns:a16="http://schemas.microsoft.com/office/drawing/2014/main" val="3862540105"/>
+                    </a:ext>
+                  </a:extLst>
+                </a:gridCol>
+                <a:gridCol w="864120">
+                  <a:extLst>
+                    <a:ext uri="{9D8B030D-6E8A-4147-A177-3AD203B41FA5}">
+                      <a16:colId xmlns:a16="http://schemas.microsoft.com/office/drawing/2014/main" val="170812509"/>
+                    </a:ext>
+                  </a:extLst>
+                </a:gridCol>
+                <a:gridCol w="1080150">
+                  <a:extLst>
+                    <a:ext uri="{9D8B030D-6E8A-4147-A177-3AD203B41FA5}">
+                      <a16:colId xmlns:a16="http://schemas.microsoft.com/office/drawing/2014/main" val="3379345546"/>
+                    </a:ext>
+                  </a:extLst>
+                </a:gridCol>
+                <a:gridCol w="5995621">
+                  <a:extLst>
+                    <a:ext uri="{9D8B030D-6E8A-4147-A177-3AD203B41FA5}">
+                      <a16:colId xmlns:a16="http://schemas.microsoft.com/office/drawing/2014/main" val="380541178"/>
+                    </a:ext>
+                  </a:extLst>
+                </a:gridCol>
+              </a:tblGrid>
+              <a:tr h="266514">
+                <a:tc rowSpan="2">
+                  <a:txBody>
+                    <a:bodyPr/>
+                    <a:lstStyle/>
+                    <a:p>
+                      <a:pPr algn="ctr"/>
+                      <a:r>
+                        <a:rPr kumimoji="1" lang="en-US" altLang="ja-JP" sz="1400" dirty="0"/>
+                        <a:t>No.</a:t>
+                      </a:r>
+                      <a:endParaRPr kumimoji="1" lang="ja-JP" altLang="en-US" sz="1400" dirty="0"/>
+                    </a:p>
+                  </a:txBody>
+                  <a:tcPr anchor="ctr">
+                    <a:lnL w="12700" cap="flat" cmpd="sng" algn="ctr">
+                      <a:solidFill>
+                        <a:schemeClr val="tx1"/>
+                      </a:solidFill>
+                      <a:prstDash val="solid"/>
+                      <a:round/>
+                      <a:headEnd type="none" w="med" len="med"/>
+                      <a:tailEnd type="none" w="med" len="med"/>
+                    </a:lnL>
+                    <a:lnR w="12700" cap="flat" cmpd="sng" algn="ctr">
+                      <a:solidFill>
+                        <a:schemeClr val="bg1"/>
+                      </a:solidFill>
+                      <a:prstDash val="solid"/>
+                      <a:round/>
+                      <a:headEnd type="none" w="med" len="med"/>
+                      <a:tailEnd type="none" w="med" len="med"/>
+                    </a:lnR>
+                    <a:lnT w="12700" cap="flat" cmpd="sng" algn="ctr">
+                      <a:solidFill>
+                        <a:schemeClr val="tx1"/>
+                      </a:solidFill>
+                      <a:prstDash val="solid"/>
+                      <a:round/>
+                      <a:headEnd type="none" w="med" len="med"/>
+                      <a:tailEnd type="none" w="med" len="med"/>
+                    </a:lnT>
+                    <a:lnB w="12700" cap="flat" cmpd="sng" algn="ctr">
+                      <a:solidFill>
+                        <a:schemeClr val="tx1"/>
+                      </a:solidFill>
+                      <a:prstDash val="solid"/>
+                      <a:round/>
+                      <a:headEnd type="none" w="med" len="med"/>
+                      <a:tailEnd type="none" w="med" len="med"/>
+                    </a:lnB>
+                    <a:lnTlToBr w="12700" cmpd="sng">
+                      <a:noFill/>
+                      <a:prstDash val="solid"/>
+                    </a:lnTlToBr>
+                    <a:lnBlToTr w="12700" cmpd="sng">
+                      <a:noFill/>
+                      <a:prstDash val="solid"/>
+                    </a:lnBlToTr>
+                  </a:tcPr>
+                </a:tc>
+                <a:tc rowSpan="2">
+                  <a:txBody>
+                    <a:bodyPr/>
+                    <a:lstStyle/>
+                    <a:p>
+                      <a:r>
+                        <a:rPr kumimoji="1" lang="ja-JP" altLang="en-US" sz="1400" dirty="0"/>
+                        <a:t>メニューグループ名</a:t>
+                      </a:r>
+                    </a:p>
+                  </a:txBody>
+                  <a:tcPr anchor="ctr">
+                    <a:lnL w="12700" cap="flat" cmpd="sng" algn="ctr">
+                      <a:solidFill>
+                        <a:schemeClr val="bg1"/>
+                      </a:solidFill>
+                      <a:prstDash val="solid"/>
+                      <a:round/>
+                      <a:headEnd type="none" w="med" len="med"/>
+                      <a:tailEnd type="none" w="med" len="med"/>
+                    </a:lnL>
+                    <a:lnR w="12700" cap="flat" cmpd="sng" algn="ctr">
+                      <a:solidFill>
+                        <a:schemeClr val="bg1"/>
+                      </a:solidFill>
+                      <a:prstDash val="solid"/>
+                      <a:round/>
+                      <a:headEnd type="none" w="med" len="med"/>
+                      <a:tailEnd type="none" w="med" len="med"/>
+                    </a:lnR>
+                    <a:lnT w="12700" cap="flat" cmpd="sng" algn="ctr">
+                      <a:solidFill>
+                        <a:schemeClr val="tx1"/>
+                      </a:solidFill>
+                      <a:prstDash val="solid"/>
+                      <a:round/>
+                      <a:headEnd type="none" w="med" len="med"/>
+                      <a:tailEnd type="none" w="med" len="med"/>
+                    </a:lnT>
+                    <a:lnB w="12700" cap="flat" cmpd="sng" algn="ctr">
+                      <a:solidFill>
+                        <a:schemeClr val="tx1"/>
+                      </a:solidFill>
+                      <a:prstDash val="solid"/>
+                      <a:round/>
+                      <a:headEnd type="none" w="med" len="med"/>
+                      <a:tailEnd type="none" w="med" len="med"/>
+                    </a:lnB>
+                    <a:lnTlToBr w="12700" cmpd="sng">
+                      <a:noFill/>
+                      <a:prstDash val="solid"/>
+                    </a:lnTlToBr>
+                    <a:lnBlToTr w="12700" cmpd="sng">
+                      <a:noFill/>
+                      <a:prstDash val="solid"/>
+                    </a:lnBlToTr>
+                  </a:tcPr>
+                </a:tc>
+                <a:tc rowSpan="2">
+                  <a:txBody>
+                    <a:bodyPr/>
+                    <a:lstStyle/>
+                    <a:p>
+                      <a:r>
+                        <a:rPr kumimoji="1" lang="ja-JP" altLang="en-US" sz="1400" dirty="0"/>
+                        <a:t>メニュー名</a:t>
+                      </a:r>
+                    </a:p>
+                  </a:txBody>
+                  <a:tcPr anchor="ctr">
+                    <a:lnL w="12700" cap="flat" cmpd="sng" algn="ctr">
+                      <a:solidFill>
+                        <a:schemeClr val="bg1"/>
+                      </a:solidFill>
+                      <a:prstDash val="solid"/>
+                      <a:round/>
+                      <a:headEnd type="none" w="med" len="med"/>
+                      <a:tailEnd type="none" w="med" len="med"/>
+                    </a:lnL>
+                    <a:lnR w="12700" cap="flat" cmpd="sng" algn="ctr">
+                      <a:solidFill>
+                        <a:schemeClr val="bg1"/>
+                      </a:solidFill>
+                      <a:prstDash val="solid"/>
+                      <a:round/>
+                      <a:headEnd type="none" w="med" len="med"/>
+                      <a:tailEnd type="none" w="med" len="med"/>
+                    </a:lnR>
+                    <a:lnT w="12700" cap="flat" cmpd="sng" algn="ctr">
+                      <a:solidFill>
+                        <a:schemeClr val="tx1"/>
+                      </a:solidFill>
+                      <a:prstDash val="solid"/>
+                      <a:round/>
+                      <a:headEnd type="none" w="med" len="med"/>
+                      <a:tailEnd type="none" w="med" len="med"/>
+                    </a:lnT>
+                    <a:lnB w="12700" cap="flat" cmpd="sng" algn="ctr">
+                      <a:solidFill>
+                        <a:schemeClr val="tx1"/>
+                      </a:solidFill>
+                      <a:prstDash val="solid"/>
+                      <a:round/>
+                      <a:headEnd type="none" w="med" len="med"/>
+                      <a:tailEnd type="none" w="med" len="med"/>
+                    </a:lnB>
+                    <a:lnTlToBr w="12700" cmpd="sng">
+                      <a:noFill/>
+                      <a:prstDash val="solid"/>
+                    </a:lnTlToBr>
+                    <a:lnBlToTr w="12700" cmpd="sng">
+                      <a:noFill/>
+                      <a:prstDash val="solid"/>
+                    </a:lnBlToTr>
+                  </a:tcPr>
+                </a:tc>
+                <a:tc gridSpan="2">
+                  <a:txBody>
+                    <a:bodyPr/>
+                    <a:lstStyle/>
+                    <a:p>
+                      <a:pPr algn="ctr"/>
+                      <a:r>
+                        <a:rPr kumimoji="1" lang="ja-JP" altLang="en-US" sz="1400" dirty="0"/>
+                        <a:t>アクセス許可ロール</a:t>
+                      </a:r>
+                      <a:r>
+                        <a:rPr kumimoji="1" lang="en-US" altLang="ja-JP" sz="1400" baseline="30000" dirty="0"/>
+                        <a:t>※</a:t>
+                      </a:r>
+                      <a:endParaRPr kumimoji="1" lang="ja-JP" altLang="en-US" sz="1400" baseline="30000" dirty="0"/>
+                    </a:p>
+                  </a:txBody>
+                  <a:tcPr anchor="ctr">
+                    <a:lnL w="12700" cap="flat" cmpd="sng" algn="ctr">
+                      <a:solidFill>
+                        <a:schemeClr val="bg1"/>
+                      </a:solidFill>
+                      <a:prstDash val="solid"/>
+                      <a:round/>
+                      <a:headEnd type="none" w="med" len="med"/>
+                      <a:tailEnd type="none" w="med" len="med"/>
+                    </a:lnL>
+                    <a:lnR w="12700" cap="flat" cmpd="sng" algn="ctr">
+                      <a:solidFill>
+                        <a:schemeClr val="bg1"/>
+                      </a:solidFill>
+                      <a:prstDash val="solid"/>
+                      <a:round/>
+                      <a:headEnd type="none" w="med" len="med"/>
+                      <a:tailEnd type="none" w="med" len="med"/>
+                    </a:lnR>
+                    <a:lnT w="12700" cap="flat" cmpd="sng" algn="ctr">
+                      <a:solidFill>
+                        <a:schemeClr val="tx1"/>
+                      </a:solidFill>
+                      <a:prstDash val="solid"/>
+                      <a:round/>
+                      <a:headEnd type="none" w="med" len="med"/>
+                      <a:tailEnd type="none" w="med" len="med"/>
+                    </a:lnT>
+                    <a:lnB w="12700" cap="flat" cmpd="sng" algn="ctr">
+                      <a:solidFill>
+                        <a:schemeClr val="bg1"/>
+                      </a:solidFill>
+                      <a:prstDash val="solid"/>
+                      <a:round/>
+                      <a:headEnd type="none" w="med" len="med"/>
+                      <a:tailEnd type="none" w="med" len="med"/>
+                    </a:lnB>
+                    <a:lnTlToBr w="12700" cmpd="sng">
+                      <a:noFill/>
+                      <a:prstDash val="solid"/>
+                    </a:lnTlToBr>
+                    <a:lnBlToTr w="12700" cmpd="sng">
+                      <a:noFill/>
+                      <a:prstDash val="solid"/>
+                    </a:lnBlToTr>
+                  </a:tcPr>
+                </a:tc>
+                <a:tc hMerge="1">
+                  <a:txBody>
+                    <a:bodyPr/>
+                    <a:lstStyle/>
+                    <a:p>
+                      <a:endParaRPr kumimoji="1" lang="ja-JP" altLang="en-US" sz="1600" dirty="0"/>
+                    </a:p>
+                  </a:txBody>
+                  <a:tcPr>
+                    <a:lnL w="12700" cap="flat" cmpd="sng" algn="ctr">
+                      <a:solidFill>
+                        <a:schemeClr val="bg1"/>
+                      </a:solidFill>
+                      <a:prstDash val="solid"/>
+                      <a:round/>
+                      <a:headEnd type="none" w="med" len="med"/>
+                      <a:tailEnd type="none" w="med" len="med"/>
+                    </a:lnL>
+                    <a:lnR w="12700" cap="flat" cmpd="sng" algn="ctr">
+                      <a:solidFill>
+                        <a:schemeClr val="bg1"/>
+                      </a:solidFill>
+                      <a:prstDash val="solid"/>
+                      <a:round/>
+                      <a:headEnd type="none" w="med" len="med"/>
+                      <a:tailEnd type="none" w="med" len="med"/>
+                    </a:lnR>
+                    <a:lnT w="12700" cap="flat" cmpd="sng" algn="ctr">
+                      <a:solidFill>
+                        <a:schemeClr val="tx1"/>
+                      </a:solidFill>
+                      <a:prstDash val="solid"/>
+                      <a:round/>
+                      <a:headEnd type="none" w="med" len="med"/>
+                      <a:tailEnd type="none" w="med" len="med"/>
+                    </a:lnT>
+                    <a:lnB w="12700" cap="flat" cmpd="sng" algn="ctr">
+                      <a:solidFill>
+                        <a:schemeClr val="bg1"/>
+                      </a:solidFill>
+                      <a:prstDash val="solid"/>
+                      <a:round/>
+                      <a:headEnd type="none" w="med" len="med"/>
+                      <a:tailEnd type="none" w="med" len="med"/>
+                    </a:lnB>
+                    <a:lnTlToBr w="12700" cmpd="sng">
+                      <a:noFill/>
+                      <a:prstDash val="solid"/>
+                    </a:lnTlToBr>
+                    <a:lnBlToTr w="12700" cmpd="sng">
+                      <a:noFill/>
+                      <a:prstDash val="solid"/>
+                    </a:lnBlToTr>
+                  </a:tcPr>
+                </a:tc>
+                <a:tc rowSpan="2">
+                  <a:txBody>
+                    <a:bodyPr/>
+                    <a:lstStyle/>
+                    <a:p>
+                      <a:r>
+                        <a:rPr kumimoji="1" lang="ja-JP" altLang="en-US" sz="1400" dirty="0"/>
+                        <a:t>説明</a:t>
+                      </a:r>
+                    </a:p>
+                  </a:txBody>
+                  <a:tcPr anchor="ctr">
+                    <a:lnL w="12700" cap="flat" cmpd="sng" algn="ctr">
+                      <a:solidFill>
+                        <a:schemeClr val="bg1"/>
+                      </a:solidFill>
+                      <a:prstDash val="solid"/>
+                      <a:round/>
+                      <a:headEnd type="none" w="med" len="med"/>
+                      <a:tailEnd type="none" w="med" len="med"/>
+                    </a:lnL>
+                    <a:lnR w="12700" cap="flat" cmpd="sng" algn="ctr">
+                      <a:solidFill>
+                        <a:schemeClr val="tx1"/>
+                      </a:solidFill>
+                      <a:prstDash val="solid"/>
+                      <a:round/>
+                      <a:headEnd type="none" w="med" len="med"/>
+                      <a:tailEnd type="none" w="med" len="med"/>
+                    </a:lnR>
+                    <a:lnT w="12700" cap="flat" cmpd="sng" algn="ctr">
+                      <a:solidFill>
+                        <a:schemeClr val="tx1"/>
+                      </a:solidFill>
+                      <a:prstDash val="solid"/>
+                      <a:round/>
+                      <a:headEnd type="none" w="med" len="med"/>
+                      <a:tailEnd type="none" w="med" len="med"/>
+                    </a:lnT>
+                    <a:lnB w="12700" cap="flat" cmpd="sng" algn="ctr">
+                      <a:solidFill>
+                        <a:schemeClr val="tx1"/>
+                      </a:solidFill>
+                      <a:prstDash val="solid"/>
+                      <a:round/>
+                      <a:headEnd type="none" w="med" len="med"/>
+                      <a:tailEnd type="none" w="med" len="med"/>
+                    </a:lnB>
+                    <a:lnTlToBr w="12700" cmpd="sng">
+                      <a:noFill/>
+                      <a:prstDash val="solid"/>
+                    </a:lnTlToBr>
+                    <a:lnBlToTr w="12700" cmpd="sng">
+                      <a:noFill/>
+                      <a:prstDash val="solid"/>
+                    </a:lnBlToTr>
+                  </a:tcPr>
+                </a:tc>
+                <a:extLst>
+                  <a:ext uri="{0D108BD9-81ED-4DB2-BD59-A6C34878D82A}">
+                    <a16:rowId xmlns:a16="http://schemas.microsoft.com/office/drawing/2014/main" val="4062201538"/>
+                  </a:ext>
+                </a:extLst>
+              </a:tr>
+              <a:tr h="266514">
+                <a:tc vMerge="1">
+                  <a:txBody>
+                    <a:bodyPr/>
+                    <a:lstStyle/>
+                    <a:p>
+                      <a:endParaRPr kumimoji="1" lang="ja-JP" altLang="en-US"/>
+                    </a:p>
+                  </a:txBody>
+                  <a:tcPr/>
+                </a:tc>
+                <a:tc vMerge="1">
+                  <a:txBody>
+                    <a:bodyPr/>
+                    <a:lstStyle/>
+                    <a:p>
+                      <a:endParaRPr kumimoji="1" lang="ja-JP" altLang="en-US"/>
+                    </a:p>
+                  </a:txBody>
+                  <a:tcPr/>
+                </a:tc>
+                <a:tc vMerge="1">
+                  <a:txBody>
+                    <a:bodyPr/>
+                    <a:lstStyle/>
+                    <a:p>
+                      <a:endParaRPr kumimoji="1" lang="ja-JP" altLang="en-US"/>
+                    </a:p>
+                  </a:txBody>
+                  <a:tcPr/>
+                </a:tc>
+                <a:tc>
+                  <a:txBody>
+                    <a:bodyPr/>
+                    <a:lstStyle/>
+                    <a:p>
+                      <a:pPr algn="ctr"/>
+                      <a:r>
+                        <a:rPr kumimoji="1" lang="ja-JP" altLang="en-US" sz="1400" b="1" dirty="0">
+                          <a:solidFill>
+                            <a:schemeClr val="bg1"/>
+                          </a:solidFill>
+                        </a:rPr>
+                        <a:t>管理者</a:t>
+                      </a:r>
+                    </a:p>
+                  </a:txBody>
+                  <a:tcPr anchor="ctr">
+                    <a:lnL w="12700" cap="flat" cmpd="sng" algn="ctr">
+                      <a:solidFill>
+                        <a:schemeClr val="bg1"/>
+                      </a:solidFill>
+                      <a:prstDash val="solid"/>
+                      <a:round/>
+                      <a:headEnd type="none" w="med" len="med"/>
+                      <a:tailEnd type="none" w="med" len="med"/>
+                    </a:lnL>
+                    <a:lnR w="12700" cap="flat" cmpd="sng" algn="ctr">
+                      <a:solidFill>
+                        <a:schemeClr val="bg1"/>
+                      </a:solidFill>
+                      <a:prstDash val="solid"/>
+                      <a:round/>
+                      <a:headEnd type="none" w="med" len="med"/>
+                      <a:tailEnd type="none" w="med" len="med"/>
+                    </a:lnR>
+                    <a:lnT w="12700" cap="flat" cmpd="sng" algn="ctr">
+                      <a:solidFill>
+                        <a:schemeClr val="bg1"/>
+                      </a:solidFill>
+                      <a:prstDash val="solid"/>
+                      <a:round/>
+                      <a:headEnd type="none" w="med" len="med"/>
+                      <a:tailEnd type="none" w="med" len="med"/>
+                    </a:lnT>
+                    <a:lnB w="12700" cap="flat" cmpd="sng" algn="ctr">
+                      <a:solidFill>
+                        <a:schemeClr val="tx1"/>
+                      </a:solidFill>
+                      <a:prstDash val="solid"/>
+                      <a:round/>
+                      <a:headEnd type="none" w="med" len="med"/>
+                      <a:tailEnd type="none" w="med" len="med"/>
+                    </a:lnB>
+                    <a:lnTlToBr w="12700" cmpd="sng">
+                      <a:noFill/>
+                      <a:prstDash val="solid"/>
+                    </a:lnTlToBr>
+                    <a:lnBlToTr w="12700" cmpd="sng">
+                      <a:noFill/>
+                      <a:prstDash val="solid"/>
+                    </a:lnBlToTr>
+                    <a:solidFill>
+                      <a:srgbClr val="002060"/>
+                    </a:solidFill>
+                  </a:tcPr>
+                </a:tc>
+                <a:tc>
+                  <a:txBody>
+                    <a:bodyPr/>
+                    <a:lstStyle/>
+                    <a:p>
+                      <a:pPr algn="ctr"/>
+                      <a:r>
+                        <a:rPr kumimoji="1" lang="en-US" altLang="ja-JP" sz="1400" b="1" dirty="0">
+                          <a:solidFill>
+                            <a:schemeClr val="bg1"/>
+                          </a:solidFill>
+                        </a:rPr>
+                        <a:t>SN</a:t>
+                      </a:r>
+                      <a:r>
+                        <a:rPr kumimoji="1" lang="ja-JP" altLang="en-US" sz="1400" b="1" dirty="0">
+                          <a:solidFill>
+                            <a:schemeClr val="bg1"/>
+                          </a:solidFill>
+                        </a:rPr>
+                        <a:t>連携</a:t>
+                      </a:r>
+                    </a:p>
+                  </a:txBody>
+                  <a:tcPr anchor="ctr">
+                    <a:lnL w="12700" cap="flat" cmpd="sng" algn="ctr">
+                      <a:solidFill>
+                        <a:schemeClr val="bg1"/>
+                      </a:solidFill>
+                      <a:prstDash val="solid"/>
+                      <a:round/>
+                      <a:headEnd type="none" w="med" len="med"/>
+                      <a:tailEnd type="none" w="med" len="med"/>
+                    </a:lnL>
+                    <a:lnR w="12700" cap="flat" cmpd="sng" algn="ctr">
+                      <a:solidFill>
+                        <a:schemeClr val="bg1"/>
+                      </a:solidFill>
+                      <a:prstDash val="solid"/>
+                      <a:round/>
+                      <a:headEnd type="none" w="med" len="med"/>
+                      <a:tailEnd type="none" w="med" len="med"/>
+                    </a:lnR>
+                    <a:lnT w="12700" cap="flat" cmpd="sng" algn="ctr">
+                      <a:solidFill>
+                        <a:schemeClr val="bg1"/>
+                      </a:solidFill>
+                      <a:prstDash val="solid"/>
+                      <a:round/>
+                      <a:headEnd type="none" w="med" len="med"/>
+                      <a:tailEnd type="none" w="med" len="med"/>
+                    </a:lnT>
+                    <a:lnB w="12700" cap="flat" cmpd="sng" algn="ctr">
+                      <a:solidFill>
+                        <a:schemeClr val="tx1"/>
+                      </a:solidFill>
+                      <a:prstDash val="solid"/>
+                      <a:round/>
+                      <a:headEnd type="none" w="med" len="med"/>
+                      <a:tailEnd type="none" w="med" len="med"/>
+                    </a:lnB>
+                    <a:lnTlToBr w="12700" cmpd="sng">
+                      <a:noFill/>
+                      <a:prstDash val="solid"/>
+                    </a:lnTlToBr>
+                    <a:lnBlToTr w="12700" cmpd="sng">
+                      <a:noFill/>
+                      <a:prstDash val="solid"/>
+                    </a:lnBlToTr>
+                    <a:solidFill>
+                      <a:srgbClr val="002060"/>
+                    </a:solidFill>
+                  </a:tcPr>
+                </a:tc>
+                <a:tc vMerge="1">
+                  <a:txBody>
+                    <a:bodyPr/>
+                    <a:lstStyle/>
+                    <a:p>
+                      <a:endParaRPr kumimoji="1" lang="ja-JP" altLang="en-US"/>
+                    </a:p>
+                  </a:txBody>
+                  <a:tcPr/>
+                </a:tc>
+                <a:extLst>
+                  <a:ext uri="{0D108BD9-81ED-4DB2-BD59-A6C34878D82A}">
+                    <a16:rowId xmlns:a16="http://schemas.microsoft.com/office/drawing/2014/main" val="565380769"/>
                   </a:ext>
                 </a:extLst>
               </a:tr>
@@ -11359,8 +13820,441 @@
                   </a:ext>
                 </a:extLst>
               </a:tr>
-              <a:tr h="453074">
-                <a:tc rowSpan="3">
+              <a:tr h="586331">
+                <a:tc>
+                  <a:txBody>
+                    <a:bodyPr/>
+                    <a:lstStyle/>
+                    <a:p>
+                      <a:pPr algn="ctr"/>
+                      <a:r>
+                        <a:rPr kumimoji="1" lang="ja-JP" altLang="en-US" sz="1400" dirty="0"/>
+                        <a:t>５</a:t>
+                      </a:r>
+                    </a:p>
+                  </a:txBody>
+                  <a:tcPr>
+                    <a:lnL w="12700" cap="flat" cmpd="sng" algn="ctr">
+                      <a:solidFill>
+                        <a:schemeClr val="tx1"/>
+                      </a:solidFill>
+                      <a:prstDash val="solid"/>
+                      <a:round/>
+                      <a:headEnd type="none" w="med" len="med"/>
+                      <a:tailEnd type="none" w="med" len="med"/>
+                    </a:lnL>
+                    <a:lnR w="12700" cap="flat" cmpd="sng" algn="ctr">
+                      <a:solidFill>
+                        <a:schemeClr val="tx1"/>
+                      </a:solidFill>
+                      <a:prstDash val="solid"/>
+                      <a:round/>
+                      <a:headEnd type="none" w="med" len="med"/>
+                      <a:tailEnd type="none" w="med" len="med"/>
+                    </a:lnR>
+                    <a:lnT w="12700" cap="flat" cmpd="sng" algn="ctr">
+                      <a:solidFill>
+                        <a:schemeClr val="tx1"/>
+                      </a:solidFill>
+                      <a:prstDash val="solid"/>
+                      <a:round/>
+                      <a:headEnd type="none" w="med" len="med"/>
+                      <a:tailEnd type="none" w="med" len="med"/>
+                    </a:lnT>
+                    <a:lnB w="12700" cap="flat" cmpd="sng" algn="ctr">
+                      <a:solidFill>
+                        <a:schemeClr val="tx1"/>
+                      </a:solidFill>
+                      <a:prstDash val="solid"/>
+                      <a:round/>
+                      <a:headEnd type="none" w="med" len="med"/>
+                      <a:tailEnd type="none" w="med" len="med"/>
+                    </a:lnB>
+                    <a:lnTlToBr w="12700" cmpd="sng">
+                      <a:noFill/>
+                      <a:prstDash val="solid"/>
+                    </a:lnTlToBr>
+                    <a:lnBlToTr w="12700" cmpd="sng">
+                      <a:noFill/>
+                      <a:prstDash val="solid"/>
+                    </a:lnBlToTr>
+                    <a:solidFill>
+                      <a:schemeClr val="bg1"/>
+                    </a:solidFill>
+                  </a:tcPr>
+                </a:tc>
+                <a:tc>
+                  <a:txBody>
+                    <a:bodyPr/>
+                    <a:lstStyle/>
+                    <a:p>
+                      <a:pPr marL="0" marR="0" lvl="0" indent="0" algn="l" defTabSz="914400" rtl="0" eaLnBrk="1" fontAlgn="auto" latinLnBrk="0" hangingPunct="1">
+                        <a:lnSpc>
+                          <a:spcPct val="100000"/>
+                        </a:lnSpc>
+                        <a:spcBef>
+                          <a:spcPts val="0"/>
+                        </a:spcBef>
+                        <a:spcAft>
+                          <a:spcPts val="0"/>
+                        </a:spcAft>
+                        <a:buClrTx/>
+                        <a:buSzTx/>
+                        <a:buFontTx/>
+                        <a:buNone/>
+                        <a:tabLst/>
+                        <a:defRPr/>
+                      </a:pPr>
+                      <a:r>
+                        <a:rPr kumimoji="1" lang="ja-JP" altLang="en-US" sz="1400" dirty="0"/>
+                        <a:t>組織</a:t>
+                      </a:r>
+                      <a:r>
+                        <a:rPr kumimoji="1" lang="en-US" altLang="ja-JP" sz="1000" dirty="0"/>
+                        <a:t>_</a:t>
+                      </a:r>
+                      <a:r>
+                        <a:rPr kumimoji="1" lang="en-US" altLang="ja-JP" sz="1000" dirty="0" err="1"/>
+                        <a:t>Servicenow</a:t>
+                      </a:r>
+                      <a:r>
+                        <a:rPr kumimoji="1" lang="ja-JP" altLang="en-US" sz="1000" dirty="0"/>
+                        <a:t>連携モデル</a:t>
+                      </a:r>
+                    </a:p>
+                  </a:txBody>
+                  <a:tcPr>
+                    <a:lnL w="12700" cap="flat" cmpd="sng" algn="ctr">
+                      <a:solidFill>
+                        <a:schemeClr val="tx1"/>
+                      </a:solidFill>
+                      <a:prstDash val="solid"/>
+                      <a:round/>
+                      <a:headEnd type="none" w="med" len="med"/>
+                      <a:tailEnd type="none" w="med" len="med"/>
+                    </a:lnL>
+                    <a:lnR w="12700" cap="flat" cmpd="sng" algn="ctr">
+                      <a:solidFill>
+                        <a:schemeClr val="tx1"/>
+                      </a:solidFill>
+                      <a:prstDash val="solid"/>
+                      <a:round/>
+                      <a:headEnd type="none" w="med" len="med"/>
+                      <a:tailEnd type="none" w="med" len="med"/>
+                    </a:lnR>
+                    <a:lnT w="12700" cap="flat" cmpd="sng" algn="ctr">
+                      <a:solidFill>
+                        <a:schemeClr val="tx1"/>
+                      </a:solidFill>
+                      <a:prstDash val="solid"/>
+                      <a:round/>
+                      <a:headEnd type="none" w="med" len="med"/>
+                      <a:tailEnd type="none" w="med" len="med"/>
+                    </a:lnT>
+                    <a:lnB w="12700" cap="flat" cmpd="sng" algn="ctr">
+                      <a:solidFill>
+                        <a:schemeClr val="tx1"/>
+                      </a:solidFill>
+                      <a:prstDash val="solid"/>
+                      <a:round/>
+                      <a:headEnd type="none" w="med" len="med"/>
+                      <a:tailEnd type="none" w="med" len="med"/>
+                    </a:lnB>
+                    <a:lnTlToBr w="12700" cmpd="sng">
+                      <a:noFill/>
+                      <a:prstDash val="solid"/>
+                    </a:lnTlToBr>
+                    <a:lnBlToTr w="12700" cmpd="sng">
+                      <a:noFill/>
+                      <a:prstDash val="solid"/>
+                    </a:lnBlToTr>
+                    <a:solidFill>
+                      <a:schemeClr val="bg1"/>
+                    </a:solidFill>
+                  </a:tcPr>
+                </a:tc>
+                <a:tc>
+                  <a:txBody>
+                    <a:bodyPr/>
+                    <a:lstStyle/>
+                    <a:p>
+                      <a:r>
+                        <a:rPr kumimoji="1" lang="ja-JP" altLang="en-US" sz="1400" dirty="0"/>
+                        <a:t>会社</a:t>
+                      </a:r>
+                      <a:endParaRPr kumimoji="1" lang="en-US" altLang="ja-JP" sz="1400" dirty="0"/>
+                    </a:p>
+                  </a:txBody>
+                  <a:tcPr anchor="ctr">
+                    <a:lnL w="12700" cap="flat" cmpd="sng" algn="ctr">
+                      <a:solidFill>
+                        <a:schemeClr val="tx1"/>
+                      </a:solidFill>
+                      <a:prstDash val="solid"/>
+                      <a:round/>
+                      <a:headEnd type="none" w="med" len="med"/>
+                      <a:tailEnd type="none" w="med" len="med"/>
+                    </a:lnL>
+                    <a:lnR w="12700" cap="flat" cmpd="sng" algn="ctr">
+                      <a:solidFill>
+                        <a:schemeClr val="tx1"/>
+                      </a:solidFill>
+                      <a:prstDash val="solid"/>
+                      <a:round/>
+                      <a:headEnd type="none" w="med" len="med"/>
+                      <a:tailEnd type="none" w="med" len="med"/>
+                    </a:lnR>
+                    <a:lnT w="12700" cap="flat" cmpd="sng" algn="ctr">
+                      <a:solidFill>
+                        <a:schemeClr val="tx1"/>
+                      </a:solidFill>
+                      <a:prstDash val="solid"/>
+                      <a:round/>
+                      <a:headEnd type="none" w="med" len="med"/>
+                      <a:tailEnd type="none" w="med" len="med"/>
+                    </a:lnT>
+                    <a:lnB w="12700" cap="flat" cmpd="sng" algn="ctr">
+                      <a:solidFill>
+                        <a:schemeClr val="tx1"/>
+                      </a:solidFill>
+                      <a:prstDash val="solid"/>
+                      <a:round/>
+                      <a:headEnd type="none" w="med" len="med"/>
+                      <a:tailEnd type="none" w="med" len="med"/>
+                    </a:lnB>
+                    <a:lnTlToBr w="12700" cmpd="sng">
+                      <a:noFill/>
+                      <a:prstDash val="solid"/>
+                    </a:lnTlToBr>
+                    <a:lnBlToTr w="12700" cmpd="sng">
+                      <a:noFill/>
+                      <a:prstDash val="solid"/>
+                    </a:lnBlToTr>
+                    <a:solidFill>
+                      <a:schemeClr val="bg1"/>
+                    </a:solidFill>
+                  </a:tcPr>
+                </a:tc>
+                <a:tc>
+                  <a:txBody>
+                    <a:bodyPr/>
+                    <a:lstStyle/>
+                    <a:p>
+                      <a:pPr algn="ctr"/>
+                      <a:r>
+                        <a:rPr kumimoji="1" lang="ja-JP" altLang="en-US" sz="1400" dirty="0"/>
+                        <a:t>●</a:t>
+                      </a:r>
+                      <a:endParaRPr kumimoji="1" lang="en-US" altLang="ja-JP" sz="1400" dirty="0"/>
+                    </a:p>
+                  </a:txBody>
+                  <a:tcPr anchor="ctr">
+                    <a:lnL w="12700" cap="flat" cmpd="sng" algn="ctr">
+                      <a:solidFill>
+                        <a:schemeClr val="tx1"/>
+                      </a:solidFill>
+                      <a:prstDash val="solid"/>
+                      <a:round/>
+                      <a:headEnd type="none" w="med" len="med"/>
+                      <a:tailEnd type="none" w="med" len="med"/>
+                    </a:lnL>
+                    <a:lnR w="12700" cap="flat" cmpd="sng" algn="ctr">
+                      <a:solidFill>
+                        <a:schemeClr val="tx1"/>
+                      </a:solidFill>
+                      <a:prstDash val="solid"/>
+                      <a:round/>
+                      <a:headEnd type="none" w="med" len="med"/>
+                      <a:tailEnd type="none" w="med" len="med"/>
+                    </a:lnR>
+                    <a:lnT w="12700" cap="flat" cmpd="sng" algn="ctr">
+                      <a:solidFill>
+                        <a:schemeClr val="tx1"/>
+                      </a:solidFill>
+                      <a:prstDash val="solid"/>
+                      <a:round/>
+                      <a:headEnd type="none" w="med" len="med"/>
+                      <a:tailEnd type="none" w="med" len="med"/>
+                    </a:lnT>
+                    <a:lnB w="12700" cap="flat" cmpd="sng" algn="ctr">
+                      <a:solidFill>
+                        <a:schemeClr val="tx1"/>
+                      </a:solidFill>
+                      <a:prstDash val="solid"/>
+                      <a:round/>
+                      <a:headEnd type="none" w="med" len="med"/>
+                      <a:tailEnd type="none" w="med" len="med"/>
+                    </a:lnB>
+                    <a:lnTlToBr w="12700" cmpd="sng">
+                      <a:noFill/>
+                      <a:prstDash val="solid"/>
+                    </a:lnTlToBr>
+                    <a:lnBlToTr w="12700" cmpd="sng">
+                      <a:noFill/>
+                      <a:prstDash val="solid"/>
+                    </a:lnBlToTr>
+                    <a:solidFill>
+                      <a:schemeClr val="bg1"/>
+                    </a:solidFill>
+                  </a:tcPr>
+                </a:tc>
+                <a:tc>
+                  <a:txBody>
+                    <a:bodyPr/>
+                    <a:lstStyle/>
+                    <a:p>
+                      <a:pPr algn="ctr"/>
+                      <a:r>
+                        <a:rPr kumimoji="1" lang="ja-JP" altLang="en-US" sz="1400" b="0" i="0" u="none" strike="noStrike" kern="1200" cap="none" spc="0" normalizeH="0" baseline="0" noProof="0" dirty="0">
+                          <a:ln>
+                            <a:noFill/>
+                          </a:ln>
+                          <a:solidFill>
+                            <a:srgbClr val="000000"/>
+                          </a:solidFill>
+                          <a:effectLst/>
+                          <a:uLnTx/>
+                          <a:uFillTx/>
+                          <a:latin typeface="メイリオ"/>
+                          <a:ea typeface="メイリオ"/>
+                          <a:cs typeface="+mn-cs"/>
+                        </a:rPr>
+                        <a:t>●</a:t>
+                      </a:r>
+                      <a:endParaRPr kumimoji="1" lang="en-US" altLang="ja-JP" sz="1400" dirty="0"/>
+                    </a:p>
+                  </a:txBody>
+                  <a:tcPr anchor="ctr">
+                    <a:lnL w="12700" cap="flat" cmpd="sng" algn="ctr">
+                      <a:solidFill>
+                        <a:schemeClr val="tx1"/>
+                      </a:solidFill>
+                      <a:prstDash val="solid"/>
+                      <a:round/>
+                      <a:headEnd type="none" w="med" len="med"/>
+                      <a:tailEnd type="none" w="med" len="med"/>
+                    </a:lnL>
+                    <a:lnR w="12700" cap="flat" cmpd="sng" algn="ctr">
+                      <a:solidFill>
+                        <a:schemeClr val="tx1"/>
+                      </a:solidFill>
+                      <a:prstDash val="solid"/>
+                      <a:round/>
+                      <a:headEnd type="none" w="med" len="med"/>
+                      <a:tailEnd type="none" w="med" len="med"/>
+                    </a:lnR>
+                    <a:lnT w="12700" cap="flat" cmpd="sng" algn="ctr">
+                      <a:solidFill>
+                        <a:schemeClr val="tx1"/>
+                      </a:solidFill>
+                      <a:prstDash val="solid"/>
+                      <a:round/>
+                      <a:headEnd type="none" w="med" len="med"/>
+                      <a:tailEnd type="none" w="med" len="med"/>
+                    </a:lnT>
+                    <a:lnB w="12700" cap="flat" cmpd="sng" algn="ctr">
+                      <a:solidFill>
+                        <a:schemeClr val="tx1"/>
+                      </a:solidFill>
+                      <a:prstDash val="solid"/>
+                      <a:round/>
+                      <a:headEnd type="none" w="med" len="med"/>
+                      <a:tailEnd type="none" w="med" len="med"/>
+                    </a:lnB>
+                    <a:lnTlToBr w="12700" cmpd="sng">
+                      <a:noFill/>
+                      <a:prstDash val="solid"/>
+                    </a:lnTlToBr>
+                    <a:lnBlToTr w="12700" cmpd="sng">
+                      <a:noFill/>
+                      <a:prstDash val="solid"/>
+                    </a:lnBlToTr>
+                    <a:solidFill>
+                      <a:schemeClr val="bg1"/>
+                    </a:solidFill>
+                  </a:tcPr>
+                </a:tc>
+                <a:tc>
+                  <a:txBody>
+                    <a:bodyPr/>
+                    <a:lstStyle/>
+                    <a:p>
+                      <a:r>
+                        <a:rPr kumimoji="1" lang="en-US" altLang="ja-JP" sz="1400" dirty="0"/>
+                        <a:t>ServiceNow</a:t>
+                      </a:r>
+                      <a:r>
+                        <a:rPr kumimoji="1" lang="ja-JP" altLang="en-US" sz="1400" dirty="0"/>
+                        <a:t>の組織</a:t>
+                      </a:r>
+                      <a:r>
+                        <a:rPr kumimoji="1" lang="en-US" altLang="ja-JP" sz="1400" dirty="0"/>
+                        <a:t>/</a:t>
+                      </a:r>
+                      <a:r>
+                        <a:rPr kumimoji="1" lang="ja-JP" altLang="en-US" sz="1400" dirty="0"/>
+                        <a:t>会社と連携するためのメニュー</a:t>
+                      </a:r>
+                    </a:p>
+                  </a:txBody>
+                  <a:tcPr anchor="ctr">
+                    <a:lnL w="12700" cap="flat" cmpd="sng" algn="ctr">
+                      <a:solidFill>
+                        <a:schemeClr val="tx1"/>
+                      </a:solidFill>
+                      <a:prstDash val="solid"/>
+                      <a:round/>
+                      <a:headEnd type="none" w="med" len="med"/>
+                      <a:tailEnd type="none" w="med" len="med"/>
+                    </a:lnL>
+                    <a:lnR w="12700" cap="flat" cmpd="sng" algn="ctr">
+                      <a:solidFill>
+                        <a:schemeClr val="tx1"/>
+                      </a:solidFill>
+                      <a:prstDash val="solid"/>
+                      <a:round/>
+                      <a:headEnd type="none" w="med" len="med"/>
+                      <a:tailEnd type="none" w="med" len="med"/>
+                    </a:lnR>
+                    <a:lnT w="12700" cap="flat" cmpd="sng" algn="ctr">
+                      <a:solidFill>
+                        <a:schemeClr val="tx1"/>
+                      </a:solidFill>
+                      <a:prstDash val="solid"/>
+                      <a:round/>
+                      <a:headEnd type="none" w="med" len="med"/>
+                      <a:tailEnd type="none" w="med" len="med"/>
+                    </a:lnT>
+                    <a:lnB w="12700" cap="flat" cmpd="sng" algn="ctr">
+                      <a:solidFill>
+                        <a:schemeClr val="tx1"/>
+                      </a:solidFill>
+                      <a:prstDash val="solid"/>
+                      <a:round/>
+                      <a:headEnd type="none" w="med" len="med"/>
+                      <a:tailEnd type="none" w="med" len="med"/>
+                    </a:lnB>
+                    <a:lnTlToBr w="12700" cmpd="sng">
+                      <a:noFill/>
+                      <a:prstDash val="solid"/>
+                    </a:lnTlToBr>
+                    <a:lnBlToTr w="12700" cmpd="sng">
+                      <a:noFill/>
+                      <a:prstDash val="solid"/>
+                    </a:lnBlToTr>
+                    <a:solidFill>
+                      <a:schemeClr val="bg1"/>
+                    </a:solidFill>
+                  </a:tcPr>
+                </a:tc>
+                <a:extLst>
+                  <a:ext uri="{0D108BD9-81ED-4DB2-BD59-A6C34878D82A}">
+                    <a16:rowId xmlns:a16="http://schemas.microsoft.com/office/drawing/2014/main" val="540460855"/>
+                  </a:ext>
+                </a:extLst>
+              </a:tr>
+              <a:tr h="586331">
+                <a:tc>
                   <a:txBody>
                     <a:bodyPr/>
                     <a:lstStyle/>
@@ -11368,7 +14262,7 @@
                       <a:pPr algn="ctr"/>
                       <a:r>
                         <a:rPr kumimoji="1" lang="en-US" altLang="ja-JP" sz="1400" dirty="0"/>
-                        <a:t>5</a:t>
+                        <a:t>6</a:t>
                       </a:r>
                       <a:endParaRPr kumimoji="1" lang="ja-JP" altLang="en-US" sz="1400" dirty="0"/>
                     </a:p>
@@ -11423,7 +14317,441 @@
                     </a:solidFill>
                   </a:tcPr>
                 </a:tc>
-                <a:tc rowSpan="3">
+                <a:tc>
+                  <a:txBody>
+                    <a:bodyPr/>
+                    <a:lstStyle/>
+                    <a:p>
+                      <a:pPr marL="0" marR="0" lvl="0" indent="0" algn="l" defTabSz="914400" rtl="0" eaLnBrk="1" fontAlgn="auto" latinLnBrk="0" hangingPunct="1">
+                        <a:lnSpc>
+                          <a:spcPct val="100000"/>
+                        </a:lnSpc>
+                        <a:spcBef>
+                          <a:spcPts val="0"/>
+                        </a:spcBef>
+                        <a:spcAft>
+                          <a:spcPts val="0"/>
+                        </a:spcAft>
+                        <a:buClrTx/>
+                        <a:buSzTx/>
+                        <a:buFontTx/>
+                        <a:buNone/>
+                        <a:tabLst/>
+                        <a:defRPr/>
+                      </a:pPr>
+                      <a:r>
+                        <a:rPr kumimoji="1" lang="ja-JP" altLang="en-US" sz="1400" dirty="0"/>
+                        <a:t>製品モデル</a:t>
+                      </a:r>
+                      <a:r>
+                        <a:rPr kumimoji="1" lang="en-US" altLang="ja-JP" sz="1000" dirty="0"/>
+                        <a:t>_</a:t>
+                      </a:r>
+                      <a:r>
+                        <a:rPr kumimoji="1" lang="en-US" altLang="ja-JP" sz="1000" dirty="0" err="1"/>
+                        <a:t>Servicenow</a:t>
+                      </a:r>
+                      <a:r>
+                        <a:rPr kumimoji="1" lang="ja-JP" altLang="en-US" sz="1000" dirty="0"/>
+                        <a:t>連携モデル</a:t>
+                      </a:r>
+                    </a:p>
+                  </a:txBody>
+                  <a:tcPr>
+                    <a:lnL w="12700" cap="flat" cmpd="sng" algn="ctr">
+                      <a:solidFill>
+                        <a:schemeClr val="tx1"/>
+                      </a:solidFill>
+                      <a:prstDash val="solid"/>
+                      <a:round/>
+                      <a:headEnd type="none" w="med" len="med"/>
+                      <a:tailEnd type="none" w="med" len="med"/>
+                    </a:lnL>
+                    <a:lnR w="12700" cap="flat" cmpd="sng" algn="ctr">
+                      <a:solidFill>
+                        <a:schemeClr val="tx1"/>
+                      </a:solidFill>
+                      <a:prstDash val="solid"/>
+                      <a:round/>
+                      <a:headEnd type="none" w="med" len="med"/>
+                      <a:tailEnd type="none" w="med" len="med"/>
+                    </a:lnR>
+                    <a:lnT w="12700" cap="flat" cmpd="sng" algn="ctr">
+                      <a:solidFill>
+                        <a:schemeClr val="tx1"/>
+                      </a:solidFill>
+                      <a:prstDash val="solid"/>
+                      <a:round/>
+                      <a:headEnd type="none" w="med" len="med"/>
+                      <a:tailEnd type="none" w="med" len="med"/>
+                    </a:lnT>
+                    <a:lnB w="12700" cap="flat" cmpd="sng" algn="ctr">
+                      <a:solidFill>
+                        <a:schemeClr val="tx1"/>
+                      </a:solidFill>
+                      <a:prstDash val="solid"/>
+                      <a:round/>
+                      <a:headEnd type="none" w="med" len="med"/>
+                      <a:tailEnd type="none" w="med" len="med"/>
+                    </a:lnB>
+                    <a:lnTlToBr w="12700" cmpd="sng">
+                      <a:noFill/>
+                      <a:prstDash val="solid"/>
+                    </a:lnTlToBr>
+                    <a:lnBlToTr w="12700" cmpd="sng">
+                      <a:noFill/>
+                      <a:prstDash val="solid"/>
+                    </a:lnBlToTr>
+                    <a:solidFill>
+                      <a:schemeClr val="bg1"/>
+                    </a:solidFill>
+                  </a:tcPr>
+                </a:tc>
+                <a:tc>
+                  <a:txBody>
+                    <a:bodyPr/>
+                    <a:lstStyle/>
+                    <a:p>
+                      <a:r>
+                        <a:rPr kumimoji="1" lang="ja-JP" altLang="en-US" sz="1400" dirty="0"/>
+                        <a:t>ハードウェアモデル</a:t>
+                      </a:r>
+                      <a:endParaRPr kumimoji="1" lang="en-US" altLang="ja-JP" sz="1400" dirty="0"/>
+                    </a:p>
+                  </a:txBody>
+                  <a:tcPr anchor="ctr">
+                    <a:lnL w="12700" cap="flat" cmpd="sng" algn="ctr">
+                      <a:solidFill>
+                        <a:schemeClr val="tx1"/>
+                      </a:solidFill>
+                      <a:prstDash val="solid"/>
+                      <a:round/>
+                      <a:headEnd type="none" w="med" len="med"/>
+                      <a:tailEnd type="none" w="med" len="med"/>
+                    </a:lnL>
+                    <a:lnR w="12700" cap="flat" cmpd="sng" algn="ctr">
+                      <a:solidFill>
+                        <a:schemeClr val="tx1"/>
+                      </a:solidFill>
+                      <a:prstDash val="solid"/>
+                      <a:round/>
+                      <a:headEnd type="none" w="med" len="med"/>
+                      <a:tailEnd type="none" w="med" len="med"/>
+                    </a:lnR>
+                    <a:lnT w="12700" cap="flat" cmpd="sng" algn="ctr">
+                      <a:solidFill>
+                        <a:schemeClr val="tx1"/>
+                      </a:solidFill>
+                      <a:prstDash val="solid"/>
+                      <a:round/>
+                      <a:headEnd type="none" w="med" len="med"/>
+                      <a:tailEnd type="none" w="med" len="med"/>
+                    </a:lnT>
+                    <a:lnB w="12700" cap="flat" cmpd="sng" algn="ctr">
+                      <a:solidFill>
+                        <a:schemeClr val="tx1"/>
+                      </a:solidFill>
+                      <a:prstDash val="solid"/>
+                      <a:round/>
+                      <a:headEnd type="none" w="med" len="med"/>
+                      <a:tailEnd type="none" w="med" len="med"/>
+                    </a:lnB>
+                    <a:lnTlToBr w="12700" cmpd="sng">
+                      <a:noFill/>
+                      <a:prstDash val="solid"/>
+                    </a:lnTlToBr>
+                    <a:lnBlToTr w="12700" cmpd="sng">
+                      <a:noFill/>
+                      <a:prstDash val="solid"/>
+                    </a:lnBlToTr>
+                    <a:solidFill>
+                      <a:schemeClr val="bg1"/>
+                    </a:solidFill>
+                  </a:tcPr>
+                </a:tc>
+                <a:tc>
+                  <a:txBody>
+                    <a:bodyPr/>
+                    <a:lstStyle/>
+                    <a:p>
+                      <a:pPr algn="ctr"/>
+                      <a:r>
+                        <a:rPr kumimoji="1" lang="ja-JP" altLang="en-US" sz="1400" dirty="0"/>
+                        <a:t>●</a:t>
+                      </a:r>
+                      <a:endParaRPr kumimoji="1" lang="en-US" altLang="ja-JP" sz="1400" dirty="0"/>
+                    </a:p>
+                  </a:txBody>
+                  <a:tcPr anchor="ctr">
+                    <a:lnL w="12700" cap="flat" cmpd="sng" algn="ctr">
+                      <a:solidFill>
+                        <a:schemeClr val="tx1"/>
+                      </a:solidFill>
+                      <a:prstDash val="solid"/>
+                      <a:round/>
+                      <a:headEnd type="none" w="med" len="med"/>
+                      <a:tailEnd type="none" w="med" len="med"/>
+                    </a:lnL>
+                    <a:lnR w="12700" cap="flat" cmpd="sng" algn="ctr">
+                      <a:solidFill>
+                        <a:schemeClr val="tx1"/>
+                      </a:solidFill>
+                      <a:prstDash val="solid"/>
+                      <a:round/>
+                      <a:headEnd type="none" w="med" len="med"/>
+                      <a:tailEnd type="none" w="med" len="med"/>
+                    </a:lnR>
+                    <a:lnT w="12700" cap="flat" cmpd="sng" algn="ctr">
+                      <a:solidFill>
+                        <a:schemeClr val="tx1"/>
+                      </a:solidFill>
+                      <a:prstDash val="solid"/>
+                      <a:round/>
+                      <a:headEnd type="none" w="med" len="med"/>
+                      <a:tailEnd type="none" w="med" len="med"/>
+                    </a:lnT>
+                    <a:lnB w="12700" cap="flat" cmpd="sng" algn="ctr">
+                      <a:solidFill>
+                        <a:schemeClr val="tx1"/>
+                      </a:solidFill>
+                      <a:prstDash val="solid"/>
+                      <a:round/>
+                      <a:headEnd type="none" w="med" len="med"/>
+                      <a:tailEnd type="none" w="med" len="med"/>
+                    </a:lnB>
+                    <a:lnTlToBr w="12700" cmpd="sng">
+                      <a:noFill/>
+                      <a:prstDash val="solid"/>
+                    </a:lnTlToBr>
+                    <a:lnBlToTr w="12700" cmpd="sng">
+                      <a:noFill/>
+                      <a:prstDash val="solid"/>
+                    </a:lnBlToTr>
+                    <a:solidFill>
+                      <a:schemeClr val="bg1"/>
+                    </a:solidFill>
+                  </a:tcPr>
+                </a:tc>
+                <a:tc>
+                  <a:txBody>
+                    <a:bodyPr/>
+                    <a:lstStyle/>
+                    <a:p>
+                      <a:pPr algn="ctr"/>
+                      <a:r>
+                        <a:rPr kumimoji="1" lang="ja-JP" altLang="en-US" sz="1400" b="0" i="0" u="none" strike="noStrike" kern="1200" cap="none" spc="0" normalizeH="0" baseline="0" noProof="0" dirty="0">
+                          <a:ln>
+                            <a:noFill/>
+                          </a:ln>
+                          <a:solidFill>
+                            <a:srgbClr val="000000"/>
+                          </a:solidFill>
+                          <a:effectLst/>
+                          <a:uLnTx/>
+                          <a:uFillTx/>
+                          <a:latin typeface="メイリオ"/>
+                          <a:ea typeface="メイリオ"/>
+                          <a:cs typeface="+mn-cs"/>
+                        </a:rPr>
+                        <a:t>●</a:t>
+                      </a:r>
+                      <a:endParaRPr kumimoji="1" lang="en-US" altLang="ja-JP" sz="1400" dirty="0"/>
+                    </a:p>
+                  </a:txBody>
+                  <a:tcPr anchor="ctr">
+                    <a:lnL w="12700" cap="flat" cmpd="sng" algn="ctr">
+                      <a:solidFill>
+                        <a:schemeClr val="tx1"/>
+                      </a:solidFill>
+                      <a:prstDash val="solid"/>
+                      <a:round/>
+                      <a:headEnd type="none" w="med" len="med"/>
+                      <a:tailEnd type="none" w="med" len="med"/>
+                    </a:lnL>
+                    <a:lnR w="12700" cap="flat" cmpd="sng" algn="ctr">
+                      <a:solidFill>
+                        <a:schemeClr val="tx1"/>
+                      </a:solidFill>
+                      <a:prstDash val="solid"/>
+                      <a:round/>
+                      <a:headEnd type="none" w="med" len="med"/>
+                      <a:tailEnd type="none" w="med" len="med"/>
+                    </a:lnR>
+                    <a:lnT w="12700" cap="flat" cmpd="sng" algn="ctr">
+                      <a:solidFill>
+                        <a:schemeClr val="tx1"/>
+                      </a:solidFill>
+                      <a:prstDash val="solid"/>
+                      <a:round/>
+                      <a:headEnd type="none" w="med" len="med"/>
+                      <a:tailEnd type="none" w="med" len="med"/>
+                    </a:lnT>
+                    <a:lnB w="12700" cap="flat" cmpd="sng" algn="ctr">
+                      <a:solidFill>
+                        <a:schemeClr val="tx1"/>
+                      </a:solidFill>
+                      <a:prstDash val="solid"/>
+                      <a:round/>
+                      <a:headEnd type="none" w="med" len="med"/>
+                      <a:tailEnd type="none" w="med" len="med"/>
+                    </a:lnB>
+                    <a:lnTlToBr w="12700" cmpd="sng">
+                      <a:noFill/>
+                      <a:prstDash val="solid"/>
+                    </a:lnTlToBr>
+                    <a:lnBlToTr w="12700" cmpd="sng">
+                      <a:noFill/>
+                      <a:prstDash val="solid"/>
+                    </a:lnBlToTr>
+                    <a:solidFill>
+                      <a:schemeClr val="bg1"/>
+                    </a:solidFill>
+                  </a:tcPr>
+                </a:tc>
+                <a:tc>
+                  <a:txBody>
+                    <a:bodyPr/>
+                    <a:lstStyle/>
+                    <a:p>
+                      <a:r>
+                        <a:rPr kumimoji="1" lang="en-US" altLang="ja-JP" sz="1400" dirty="0"/>
+                        <a:t>ServiceNow</a:t>
+                      </a:r>
+                      <a:r>
+                        <a:rPr kumimoji="1" lang="ja-JP" altLang="en-US" sz="1400" dirty="0"/>
+                        <a:t>の製品モデル</a:t>
+                      </a:r>
+                      <a:r>
+                        <a:rPr kumimoji="1" lang="en-US" altLang="ja-JP" sz="1400" dirty="0"/>
+                        <a:t>/</a:t>
+                      </a:r>
+                      <a:r>
+                        <a:rPr kumimoji="1" lang="ja-JP" altLang="en-US" sz="1400" dirty="0"/>
+                        <a:t>ハードウェアモデルと連携するためのメニュー</a:t>
+                      </a:r>
+                    </a:p>
+                  </a:txBody>
+                  <a:tcPr anchor="ctr">
+                    <a:lnL w="12700" cap="flat" cmpd="sng" algn="ctr">
+                      <a:solidFill>
+                        <a:schemeClr val="tx1"/>
+                      </a:solidFill>
+                      <a:prstDash val="solid"/>
+                      <a:round/>
+                      <a:headEnd type="none" w="med" len="med"/>
+                      <a:tailEnd type="none" w="med" len="med"/>
+                    </a:lnL>
+                    <a:lnR w="12700" cap="flat" cmpd="sng" algn="ctr">
+                      <a:solidFill>
+                        <a:schemeClr val="tx1"/>
+                      </a:solidFill>
+                      <a:prstDash val="solid"/>
+                      <a:round/>
+                      <a:headEnd type="none" w="med" len="med"/>
+                      <a:tailEnd type="none" w="med" len="med"/>
+                    </a:lnR>
+                    <a:lnT w="12700" cap="flat" cmpd="sng" algn="ctr">
+                      <a:solidFill>
+                        <a:schemeClr val="tx1"/>
+                      </a:solidFill>
+                      <a:prstDash val="solid"/>
+                      <a:round/>
+                      <a:headEnd type="none" w="med" len="med"/>
+                      <a:tailEnd type="none" w="med" len="med"/>
+                    </a:lnT>
+                    <a:lnB w="12700" cap="flat" cmpd="sng" algn="ctr">
+                      <a:solidFill>
+                        <a:schemeClr val="tx1"/>
+                      </a:solidFill>
+                      <a:prstDash val="solid"/>
+                      <a:round/>
+                      <a:headEnd type="none" w="med" len="med"/>
+                      <a:tailEnd type="none" w="med" len="med"/>
+                    </a:lnB>
+                    <a:lnTlToBr w="12700" cmpd="sng">
+                      <a:noFill/>
+                      <a:prstDash val="solid"/>
+                    </a:lnTlToBr>
+                    <a:lnBlToTr w="12700" cmpd="sng">
+                      <a:noFill/>
+                      <a:prstDash val="solid"/>
+                    </a:lnBlToTr>
+                    <a:solidFill>
+                      <a:schemeClr val="bg1"/>
+                    </a:solidFill>
+                  </a:tcPr>
+                </a:tc>
+                <a:extLst>
+                  <a:ext uri="{0D108BD9-81ED-4DB2-BD59-A6C34878D82A}">
+                    <a16:rowId xmlns:a16="http://schemas.microsoft.com/office/drawing/2014/main" val="1426101598"/>
+                  </a:ext>
+                </a:extLst>
+              </a:tr>
+              <a:tr h="586331">
+                <a:tc rowSpan="4">
+                  <a:txBody>
+                    <a:bodyPr/>
+                    <a:lstStyle/>
+                    <a:p>
+                      <a:pPr algn="ctr"/>
+                      <a:r>
+                        <a:rPr kumimoji="1" lang="en-US" altLang="ja-JP" sz="1400" dirty="0"/>
+                        <a:t>7</a:t>
+                      </a:r>
+                      <a:endParaRPr kumimoji="1" lang="ja-JP" altLang="en-US" sz="1400" dirty="0"/>
+                    </a:p>
+                  </a:txBody>
+                  <a:tcPr>
+                    <a:lnL w="12700" cap="flat" cmpd="sng" algn="ctr">
+                      <a:solidFill>
+                        <a:schemeClr val="tx1"/>
+                      </a:solidFill>
+                      <a:prstDash val="solid"/>
+                      <a:round/>
+                      <a:headEnd type="none" w="med" len="med"/>
+                      <a:tailEnd type="none" w="med" len="med"/>
+                    </a:lnL>
+                    <a:lnR w="12700" cap="flat" cmpd="sng" algn="ctr">
+                      <a:solidFill>
+                        <a:schemeClr val="tx1"/>
+                      </a:solidFill>
+                      <a:prstDash val="solid"/>
+                      <a:round/>
+                      <a:headEnd type="none" w="med" len="med"/>
+                      <a:tailEnd type="none" w="med" len="med"/>
+                    </a:lnR>
+                    <a:lnT w="12700" cap="flat" cmpd="sng" algn="ctr">
+                      <a:solidFill>
+                        <a:schemeClr val="tx1"/>
+                      </a:solidFill>
+                      <a:prstDash val="solid"/>
+                      <a:round/>
+                      <a:headEnd type="none" w="med" len="med"/>
+                      <a:tailEnd type="none" w="med" len="med"/>
+                    </a:lnT>
+                    <a:lnB w="12700" cap="flat" cmpd="sng" algn="ctr">
+                      <a:solidFill>
+                        <a:schemeClr val="tx1"/>
+                      </a:solidFill>
+                      <a:prstDash val="solid"/>
+                      <a:round/>
+                      <a:headEnd type="none" w="med" len="med"/>
+                      <a:tailEnd type="none" w="med" len="med"/>
+                    </a:lnB>
+                    <a:lnTlToBr w="12700" cmpd="sng">
+                      <a:noFill/>
+                      <a:prstDash val="solid"/>
+                    </a:lnTlToBr>
+                    <a:lnBlToTr w="12700" cmpd="sng">
+                      <a:noFill/>
+                      <a:prstDash val="solid"/>
+                    </a:lnBlToTr>
+                    <a:solidFill>
+                      <a:schemeClr val="bg1"/>
+                    </a:solidFill>
+                  </a:tcPr>
+                </a:tc>
+                <a:tc rowSpan="4">
                   <a:txBody>
                     <a:bodyPr/>
                     <a:lstStyle/>
@@ -11810,11 +15138,11 @@
                 </a:tc>
                 <a:extLst>
                   <a:ext uri="{0D108BD9-81ED-4DB2-BD59-A6C34878D82A}">
-                    <a16:rowId xmlns:a16="http://schemas.microsoft.com/office/drawing/2014/main" val="1882375638"/>
+                    <a16:rowId xmlns:a16="http://schemas.microsoft.com/office/drawing/2014/main" val="3901597957"/>
                   </a:ext>
                 </a:extLst>
               </a:tr>
-              <a:tr h="453074">
+              <a:tr h="586331">
                 <a:tc vMerge="1">
                   <a:txBody>
                     <a:bodyPr/>
@@ -11823,7 +15151,55 @@
                       <a:endParaRPr kumimoji="1" lang="ja-JP" altLang="en-US"/>
                     </a:p>
                   </a:txBody>
-                  <a:tcPr/>
+                  <a:tcPr>
+                    <a:lnL w="12700" cap="flat" cmpd="sng" algn="ctr">
+                      <a:solidFill>
+                        <a:schemeClr val="tx1"/>
+                      </a:solidFill>
+                      <a:prstDash val="solid"/>
+                      <a:round/>
+                      <a:headEnd type="none" w="med" len="med"/>
+                      <a:tailEnd type="none" w="med" len="med"/>
+                    </a:lnL>
+                    <a:lnR w="12700" cap="flat" cmpd="sng" algn="ctr">
+                      <a:solidFill>
+                        <a:schemeClr val="tx1"/>
+                      </a:solidFill>
+                      <a:prstDash val="solid"/>
+                      <a:round/>
+                      <a:headEnd type="none" w="med" len="med"/>
+                      <a:tailEnd type="none" w="med" len="med"/>
+                    </a:lnR>
+                    <a:lnT w="12700" cap="flat" cmpd="sng" algn="ctr">
+                      <a:solidFill>
+                        <a:schemeClr val="tx1"/>
+                      </a:solidFill>
+                      <a:prstDash val="solid"/>
+                      <a:round/>
+                      <a:headEnd type="none" w="med" len="med"/>
+                      <a:tailEnd type="none" w="med" len="med"/>
+                    </a:lnT>
+                    <a:lnB w="12700" cap="flat" cmpd="sng" algn="ctr">
+                      <a:solidFill>
+                        <a:schemeClr val="tx1"/>
+                      </a:solidFill>
+                      <a:prstDash val="solid"/>
+                      <a:round/>
+                      <a:headEnd type="none" w="med" len="med"/>
+                      <a:tailEnd type="none" w="med" len="med"/>
+                    </a:lnB>
+                    <a:lnTlToBr w="12700" cmpd="sng">
+                      <a:noFill/>
+                      <a:prstDash val="solid"/>
+                    </a:lnTlToBr>
+                    <a:lnBlToTr w="12700" cmpd="sng">
+                      <a:noFill/>
+                      <a:prstDash val="solid"/>
+                    </a:lnBlToTr>
+                    <a:solidFill>
+                      <a:schemeClr val="bg1"/>
+                    </a:solidFill>
+                  </a:tcPr>
                 </a:tc>
                 <a:tc vMerge="1">
                   <a:txBody>
@@ -12180,7 +15556,7 @@
                 </a:tc>
                 <a:extLst>
                   <a:ext uri="{0D108BD9-81ED-4DB2-BD59-A6C34878D82A}">
-                    <a16:rowId xmlns:a16="http://schemas.microsoft.com/office/drawing/2014/main" val="140306375"/>
+                    <a16:rowId xmlns:a16="http://schemas.microsoft.com/office/drawing/2014/main" val="1736030103"/>
                   </a:ext>
                 </a:extLst>
               </a:tr>
@@ -12599,7 +15975,830 @@
                 </a:tc>
                 <a:extLst>
                   <a:ext uri="{0D108BD9-81ED-4DB2-BD59-A6C34878D82A}">
-                    <a16:rowId xmlns:a16="http://schemas.microsoft.com/office/drawing/2014/main" val="1076357286"/>
+                    <a16:rowId xmlns:a16="http://schemas.microsoft.com/office/drawing/2014/main" val="1882375638"/>
+                  </a:ext>
+                </a:extLst>
+              </a:tr>
+              <a:tr h="453074">
+                <a:tc vMerge="1">
+                  <a:txBody>
+                    <a:bodyPr/>
+                    <a:lstStyle/>
+                    <a:p>
+                      <a:endParaRPr kumimoji="1" lang="ja-JP" altLang="en-US" dirty="0"/>
+                    </a:p>
+                  </a:txBody>
+                  <a:tcPr>
+                    <a:lnT w="12700" cap="flat" cmpd="sng" algn="ctr">
+                      <a:solidFill>
+                        <a:schemeClr val="tx1"/>
+                      </a:solidFill>
+                      <a:prstDash val="solid"/>
+                      <a:round/>
+                      <a:headEnd type="none" w="med" len="med"/>
+                      <a:tailEnd type="none" w="med" len="med"/>
+                    </a:lnT>
+                  </a:tcPr>
+                </a:tc>
+                <a:tc vMerge="1">
+                  <a:txBody>
+                    <a:bodyPr/>
+                    <a:lstStyle/>
+                    <a:p>
+                      <a:endParaRPr kumimoji="1" lang="ja-JP" altLang="en-US" sz="1400" dirty="0"/>
+                    </a:p>
+                  </a:txBody>
+                  <a:tcPr>
+                    <a:lnL w="12700" cap="flat" cmpd="sng" algn="ctr">
+                      <a:solidFill>
+                        <a:schemeClr val="tx1"/>
+                      </a:solidFill>
+                      <a:prstDash val="solid"/>
+                      <a:round/>
+                      <a:headEnd type="none" w="med" len="med"/>
+                      <a:tailEnd type="none" w="med" len="med"/>
+                    </a:lnL>
+                    <a:lnR w="12700" cap="flat" cmpd="sng" algn="ctr">
+                      <a:solidFill>
+                        <a:schemeClr val="tx1"/>
+                      </a:solidFill>
+                      <a:prstDash val="solid"/>
+                      <a:round/>
+                      <a:headEnd type="none" w="med" len="med"/>
+                      <a:tailEnd type="none" w="med" len="med"/>
+                    </a:lnR>
+                    <a:lnT w="12700" cap="flat" cmpd="sng" algn="ctr">
+                      <a:solidFill>
+                        <a:schemeClr val="tx1"/>
+                      </a:solidFill>
+                      <a:prstDash val="solid"/>
+                      <a:round/>
+                      <a:headEnd type="none" w="med" len="med"/>
+                      <a:tailEnd type="none" w="med" len="med"/>
+                    </a:lnT>
+                    <a:lnB w="12700" cap="flat" cmpd="sng" algn="ctr">
+                      <a:solidFill>
+                        <a:schemeClr val="tx1"/>
+                      </a:solidFill>
+                      <a:prstDash val="solid"/>
+                      <a:round/>
+                      <a:headEnd type="none" w="med" len="med"/>
+                      <a:tailEnd type="none" w="med" len="med"/>
+                    </a:lnB>
+                    <a:lnTlToBr w="12700" cmpd="sng">
+                      <a:noFill/>
+                      <a:prstDash val="solid"/>
+                    </a:lnTlToBr>
+                    <a:lnBlToTr w="12700" cmpd="sng">
+                      <a:noFill/>
+                      <a:prstDash val="solid"/>
+                    </a:lnBlToTr>
+                    <a:solidFill>
+                      <a:schemeClr val="bg1"/>
+                    </a:solidFill>
+                  </a:tcPr>
+                </a:tc>
+                <a:tc>
+                  <a:txBody>
+                    <a:bodyPr/>
+                    <a:lstStyle/>
+                    <a:p>
+                      <a:r>
+                        <a:rPr kumimoji="1" lang="en-US" altLang="ja-JP" sz="1400" dirty="0"/>
+                        <a:t>ESX</a:t>
+                      </a:r>
+                    </a:p>
+                  </a:txBody>
+                  <a:tcPr anchor="ctr">
+                    <a:lnL w="12700" cap="flat" cmpd="sng" algn="ctr">
+                      <a:solidFill>
+                        <a:schemeClr val="tx1"/>
+                      </a:solidFill>
+                      <a:prstDash val="solid"/>
+                      <a:round/>
+                      <a:headEnd type="none" w="med" len="med"/>
+                      <a:tailEnd type="none" w="med" len="med"/>
+                    </a:lnL>
+                    <a:lnR w="12700" cap="flat" cmpd="sng" algn="ctr">
+                      <a:solidFill>
+                        <a:schemeClr val="tx1"/>
+                      </a:solidFill>
+                      <a:prstDash val="solid"/>
+                      <a:round/>
+                      <a:headEnd type="none" w="med" len="med"/>
+                      <a:tailEnd type="none" w="med" len="med"/>
+                    </a:lnR>
+                    <a:lnT w="12700" cap="flat" cmpd="sng" algn="ctr">
+                      <a:solidFill>
+                        <a:schemeClr val="tx1"/>
+                      </a:solidFill>
+                      <a:prstDash val="solid"/>
+                      <a:round/>
+                      <a:headEnd type="none" w="med" len="med"/>
+                      <a:tailEnd type="none" w="med" len="med"/>
+                    </a:lnT>
+                    <a:lnB w="12700" cap="flat" cmpd="sng" algn="ctr">
+                      <a:solidFill>
+                        <a:schemeClr val="tx1"/>
+                      </a:solidFill>
+                      <a:prstDash val="solid"/>
+                      <a:round/>
+                      <a:headEnd type="none" w="med" len="med"/>
+                      <a:tailEnd type="none" w="med" len="med"/>
+                    </a:lnB>
+                    <a:lnTlToBr w="12700" cmpd="sng">
+                      <a:noFill/>
+                      <a:prstDash val="solid"/>
+                    </a:lnTlToBr>
+                    <a:lnBlToTr w="12700" cmpd="sng">
+                      <a:noFill/>
+                      <a:prstDash val="solid"/>
+                    </a:lnBlToTr>
+                    <a:solidFill>
+                      <a:schemeClr val="bg1"/>
+                    </a:solidFill>
+                  </a:tcPr>
+                </a:tc>
+                <a:tc>
+                  <a:txBody>
+                    <a:bodyPr/>
+                    <a:lstStyle/>
+                    <a:p>
+                      <a:pPr algn="ctr"/>
+                      <a:r>
+                        <a:rPr kumimoji="1" lang="ja-JP" altLang="en-US" sz="1400" b="0" i="0" u="none" strike="noStrike" kern="1200" cap="none" spc="0" normalizeH="0" baseline="0" noProof="0" dirty="0">
+                          <a:ln>
+                            <a:noFill/>
+                          </a:ln>
+                          <a:solidFill>
+                            <a:srgbClr val="000000"/>
+                          </a:solidFill>
+                          <a:effectLst/>
+                          <a:uLnTx/>
+                          <a:uFillTx/>
+                          <a:latin typeface="メイリオ"/>
+                          <a:ea typeface="メイリオ"/>
+                          <a:cs typeface="+mn-cs"/>
+                        </a:rPr>
+                        <a:t>●</a:t>
+                      </a:r>
+                      <a:endParaRPr kumimoji="1" lang="en-US" altLang="ja-JP" sz="1400" dirty="0"/>
+                    </a:p>
+                  </a:txBody>
+                  <a:tcPr anchor="ctr">
+                    <a:lnL w="12700" cap="flat" cmpd="sng" algn="ctr">
+                      <a:solidFill>
+                        <a:schemeClr val="tx1"/>
+                      </a:solidFill>
+                      <a:prstDash val="solid"/>
+                      <a:round/>
+                      <a:headEnd type="none" w="med" len="med"/>
+                      <a:tailEnd type="none" w="med" len="med"/>
+                    </a:lnL>
+                    <a:lnR w="12700" cap="flat" cmpd="sng" algn="ctr">
+                      <a:solidFill>
+                        <a:schemeClr val="tx1"/>
+                      </a:solidFill>
+                      <a:prstDash val="solid"/>
+                      <a:round/>
+                      <a:headEnd type="none" w="med" len="med"/>
+                      <a:tailEnd type="none" w="med" len="med"/>
+                    </a:lnR>
+                    <a:lnT w="12700" cap="flat" cmpd="sng" algn="ctr">
+                      <a:solidFill>
+                        <a:schemeClr val="tx1"/>
+                      </a:solidFill>
+                      <a:prstDash val="solid"/>
+                      <a:round/>
+                      <a:headEnd type="none" w="med" len="med"/>
+                      <a:tailEnd type="none" w="med" len="med"/>
+                    </a:lnT>
+                    <a:lnB w="12700" cap="flat" cmpd="sng" algn="ctr">
+                      <a:solidFill>
+                        <a:schemeClr val="tx1"/>
+                      </a:solidFill>
+                      <a:prstDash val="solid"/>
+                      <a:round/>
+                      <a:headEnd type="none" w="med" len="med"/>
+                      <a:tailEnd type="none" w="med" len="med"/>
+                    </a:lnB>
+                    <a:lnTlToBr w="12700" cmpd="sng">
+                      <a:noFill/>
+                      <a:prstDash val="solid"/>
+                    </a:lnTlToBr>
+                    <a:lnBlToTr w="12700" cmpd="sng">
+                      <a:noFill/>
+                      <a:prstDash val="solid"/>
+                    </a:lnBlToTr>
+                    <a:solidFill>
+                      <a:schemeClr val="bg1"/>
+                    </a:solidFill>
+                  </a:tcPr>
+                </a:tc>
+                <a:tc>
+                  <a:txBody>
+                    <a:bodyPr/>
+                    <a:lstStyle/>
+                    <a:p>
+                      <a:pPr algn="ctr"/>
+                      <a:r>
+                        <a:rPr kumimoji="1" lang="ja-JP" altLang="en-US" sz="1400" b="0" i="0" u="none" strike="noStrike" kern="1200" cap="none" spc="0" normalizeH="0" baseline="0" noProof="0" dirty="0">
+                          <a:ln>
+                            <a:noFill/>
+                          </a:ln>
+                          <a:solidFill>
+                            <a:srgbClr val="000000"/>
+                          </a:solidFill>
+                          <a:effectLst/>
+                          <a:uLnTx/>
+                          <a:uFillTx/>
+                          <a:latin typeface="メイリオ"/>
+                          <a:ea typeface="メイリオ"/>
+                          <a:cs typeface="+mn-cs"/>
+                        </a:rPr>
+                        <a:t>●</a:t>
+                      </a:r>
+                      <a:endParaRPr kumimoji="1" lang="en-US" altLang="ja-JP" sz="1400" dirty="0"/>
+                    </a:p>
+                  </a:txBody>
+                  <a:tcPr anchor="ctr">
+                    <a:lnL w="12700" cap="flat" cmpd="sng" algn="ctr">
+                      <a:solidFill>
+                        <a:schemeClr val="tx1"/>
+                      </a:solidFill>
+                      <a:prstDash val="solid"/>
+                      <a:round/>
+                      <a:headEnd type="none" w="med" len="med"/>
+                      <a:tailEnd type="none" w="med" len="med"/>
+                    </a:lnL>
+                    <a:lnR w="12700" cap="flat" cmpd="sng" algn="ctr">
+                      <a:solidFill>
+                        <a:schemeClr val="tx1"/>
+                      </a:solidFill>
+                      <a:prstDash val="solid"/>
+                      <a:round/>
+                      <a:headEnd type="none" w="med" len="med"/>
+                      <a:tailEnd type="none" w="med" len="med"/>
+                    </a:lnR>
+                    <a:lnT w="12700" cap="flat" cmpd="sng" algn="ctr">
+                      <a:solidFill>
+                        <a:schemeClr val="tx1"/>
+                      </a:solidFill>
+                      <a:prstDash val="solid"/>
+                      <a:round/>
+                      <a:headEnd type="none" w="med" len="med"/>
+                      <a:tailEnd type="none" w="med" len="med"/>
+                    </a:lnT>
+                    <a:lnB w="12700" cap="flat" cmpd="sng" algn="ctr">
+                      <a:solidFill>
+                        <a:schemeClr val="tx1"/>
+                      </a:solidFill>
+                      <a:prstDash val="solid"/>
+                      <a:round/>
+                      <a:headEnd type="none" w="med" len="med"/>
+                      <a:tailEnd type="none" w="med" len="med"/>
+                    </a:lnB>
+                    <a:lnTlToBr w="12700" cmpd="sng">
+                      <a:noFill/>
+                      <a:prstDash val="solid"/>
+                    </a:lnTlToBr>
+                    <a:lnBlToTr w="12700" cmpd="sng">
+                      <a:noFill/>
+                      <a:prstDash val="solid"/>
+                    </a:lnBlToTr>
+                    <a:solidFill>
+                      <a:schemeClr val="bg1"/>
+                    </a:solidFill>
+                  </a:tcPr>
+                </a:tc>
+                <a:tc>
+                  <a:txBody>
+                    <a:bodyPr/>
+                    <a:lstStyle/>
+                    <a:p>
+                      <a:r>
+                        <a:rPr kumimoji="1" lang="en-US" altLang="ja-JP" sz="1400" dirty="0" err="1"/>
+                        <a:t>ServiceNow</a:t>
+                      </a:r>
+                      <a:r>
+                        <a:rPr kumimoji="1" lang="ja-JP" altLang="en-US" sz="1400" dirty="0"/>
+                        <a:t>の構成管理</a:t>
+                      </a:r>
+                      <a:r>
+                        <a:rPr kumimoji="1" lang="en-US" altLang="ja-JP" sz="1400" dirty="0"/>
+                        <a:t>(CMDB)/</a:t>
+                      </a:r>
+                      <a:r>
+                        <a:rPr kumimoji="1" lang="ja-JP" altLang="en-US" sz="1400" dirty="0"/>
+                        <a:t>サーバ</a:t>
+                      </a:r>
+                      <a:r>
+                        <a:rPr kumimoji="1" lang="en-US" altLang="ja-JP" sz="1400" dirty="0"/>
+                        <a:t>/ESX</a:t>
+                      </a:r>
+                      <a:r>
+                        <a:rPr kumimoji="1" lang="ja-JP" altLang="en-US" sz="1400" dirty="0"/>
+                        <a:t>と連携するメニューです。</a:t>
+                      </a:r>
+                      <a:endParaRPr kumimoji="1" lang="en-US" altLang="ja-JP" sz="1400" dirty="0"/>
+                    </a:p>
+                  </a:txBody>
+                  <a:tcPr anchor="ctr">
+                    <a:lnL w="12700" cap="flat" cmpd="sng" algn="ctr">
+                      <a:solidFill>
+                        <a:schemeClr val="tx1"/>
+                      </a:solidFill>
+                      <a:prstDash val="solid"/>
+                      <a:round/>
+                      <a:headEnd type="none" w="med" len="med"/>
+                      <a:tailEnd type="none" w="med" len="med"/>
+                    </a:lnL>
+                    <a:lnR w="12700" cap="flat" cmpd="sng" algn="ctr">
+                      <a:solidFill>
+                        <a:schemeClr val="tx1"/>
+                      </a:solidFill>
+                      <a:prstDash val="solid"/>
+                      <a:round/>
+                      <a:headEnd type="none" w="med" len="med"/>
+                      <a:tailEnd type="none" w="med" len="med"/>
+                    </a:lnR>
+                    <a:lnT w="12700" cap="flat" cmpd="sng" algn="ctr">
+                      <a:solidFill>
+                        <a:schemeClr val="tx1"/>
+                      </a:solidFill>
+                      <a:prstDash val="solid"/>
+                      <a:round/>
+                      <a:headEnd type="none" w="med" len="med"/>
+                      <a:tailEnd type="none" w="med" len="med"/>
+                    </a:lnT>
+                    <a:lnB w="12700" cap="flat" cmpd="sng" algn="ctr">
+                      <a:solidFill>
+                        <a:schemeClr val="tx1"/>
+                      </a:solidFill>
+                      <a:prstDash val="solid"/>
+                      <a:round/>
+                      <a:headEnd type="none" w="med" len="med"/>
+                      <a:tailEnd type="none" w="med" len="med"/>
+                    </a:lnB>
+                    <a:lnTlToBr w="12700" cmpd="sng">
+                      <a:noFill/>
+                      <a:prstDash val="solid"/>
+                    </a:lnTlToBr>
+                    <a:lnBlToTr w="12700" cmpd="sng">
+                      <a:noFill/>
+                      <a:prstDash val="solid"/>
+                    </a:lnBlToTr>
+                    <a:solidFill>
+                      <a:schemeClr val="bg1"/>
+                    </a:solidFill>
+                  </a:tcPr>
+                </a:tc>
+                <a:extLst>
+                  <a:ext uri="{0D108BD9-81ED-4DB2-BD59-A6C34878D82A}">
+                    <a16:rowId xmlns:a16="http://schemas.microsoft.com/office/drawing/2014/main" val="140306375"/>
+                  </a:ext>
+                </a:extLst>
+              </a:tr>
+              <a:tr h="453074">
+                <a:tc>
+                  <a:txBody>
+                    <a:bodyPr/>
+                    <a:lstStyle/>
+                    <a:p>
+                      <a:pPr algn="ctr"/>
+                      <a:r>
+                        <a:rPr kumimoji="1" lang="en-US" altLang="ja-JP" sz="1400" dirty="0"/>
+                        <a:t>8</a:t>
+                      </a:r>
+                      <a:endParaRPr kumimoji="1" lang="ja-JP" altLang="en-US" sz="1400" dirty="0"/>
+                    </a:p>
+                  </a:txBody>
+                  <a:tcPr>
+                    <a:lnL w="12700" cap="flat" cmpd="sng" algn="ctr">
+                      <a:solidFill>
+                        <a:schemeClr val="tx1"/>
+                      </a:solidFill>
+                      <a:prstDash val="solid"/>
+                      <a:round/>
+                      <a:headEnd type="none" w="med" len="med"/>
+                      <a:tailEnd type="none" w="med" len="med"/>
+                    </a:lnL>
+                    <a:lnR w="12700" cap="flat" cmpd="sng" algn="ctr">
+                      <a:solidFill>
+                        <a:schemeClr val="tx1"/>
+                      </a:solidFill>
+                      <a:prstDash val="solid"/>
+                      <a:round/>
+                      <a:headEnd type="none" w="med" len="med"/>
+                      <a:tailEnd type="none" w="med" len="med"/>
+                    </a:lnR>
+                    <a:lnT w="12700" cap="flat" cmpd="sng" algn="ctr">
+                      <a:solidFill>
+                        <a:schemeClr val="tx1"/>
+                      </a:solidFill>
+                      <a:prstDash val="solid"/>
+                      <a:round/>
+                      <a:headEnd type="none" w="med" len="med"/>
+                      <a:tailEnd type="none" w="med" len="med"/>
+                    </a:lnT>
+                    <a:lnTlToBr w="12700" cmpd="sng">
+                      <a:noFill/>
+                      <a:prstDash val="solid"/>
+                    </a:lnTlToBr>
+                    <a:lnBlToTr w="12700" cmpd="sng">
+                      <a:noFill/>
+                      <a:prstDash val="solid"/>
+                    </a:lnBlToTr>
+                    <a:solidFill>
+                      <a:schemeClr val="bg1"/>
+                    </a:solidFill>
+                  </a:tcPr>
+                </a:tc>
+                <a:tc>
+                  <a:txBody>
+                    <a:bodyPr/>
+                    <a:lstStyle/>
+                    <a:p>
+                      <a:pPr marL="0" marR="0" lvl="0" indent="0" algn="l" defTabSz="914400" rtl="0" eaLnBrk="1" fontAlgn="auto" latinLnBrk="0" hangingPunct="1">
+                        <a:lnSpc>
+                          <a:spcPct val="100000"/>
+                        </a:lnSpc>
+                        <a:spcBef>
+                          <a:spcPts val="0"/>
+                        </a:spcBef>
+                        <a:spcAft>
+                          <a:spcPts val="0"/>
+                        </a:spcAft>
+                        <a:buClrTx/>
+                        <a:buSzTx/>
+                        <a:buFontTx/>
+                        <a:buNone/>
+                        <a:tabLst/>
+                        <a:defRPr/>
+                      </a:pPr>
+                      <a:r>
+                        <a:rPr kumimoji="1" lang="ja-JP" altLang="en-US" sz="1400" dirty="0"/>
+                        <a:t>関係性</a:t>
+                      </a:r>
+                      <a:r>
+                        <a:rPr kumimoji="1" lang="en-US" altLang="ja-JP" sz="1000" dirty="0"/>
+                        <a:t>_</a:t>
+                      </a:r>
+                      <a:r>
+                        <a:rPr kumimoji="1" lang="en-US" altLang="ja-JP" sz="1000" dirty="0" err="1"/>
+                        <a:t>Servicenow</a:t>
+                      </a:r>
+                      <a:r>
+                        <a:rPr kumimoji="1" lang="ja-JP" altLang="en-US" sz="1000" dirty="0"/>
+                        <a:t>連携モデル</a:t>
+                      </a:r>
+                    </a:p>
+                  </a:txBody>
+                  <a:tcPr>
+                    <a:lnL w="12700" cap="flat" cmpd="sng" algn="ctr">
+                      <a:solidFill>
+                        <a:schemeClr val="tx1"/>
+                      </a:solidFill>
+                      <a:prstDash val="solid"/>
+                      <a:round/>
+                      <a:headEnd type="none" w="med" len="med"/>
+                      <a:tailEnd type="none" w="med" len="med"/>
+                    </a:lnL>
+                    <a:lnR w="12700" cap="flat" cmpd="sng" algn="ctr">
+                      <a:solidFill>
+                        <a:schemeClr val="tx1"/>
+                      </a:solidFill>
+                      <a:prstDash val="solid"/>
+                      <a:round/>
+                      <a:headEnd type="none" w="med" len="med"/>
+                      <a:tailEnd type="none" w="med" len="med"/>
+                    </a:lnR>
+                    <a:lnT w="12700" cap="flat" cmpd="sng" algn="ctr">
+                      <a:solidFill>
+                        <a:schemeClr val="tx1"/>
+                      </a:solidFill>
+                      <a:prstDash val="solid"/>
+                      <a:round/>
+                      <a:headEnd type="none" w="med" len="med"/>
+                      <a:tailEnd type="none" w="med" len="med"/>
+                    </a:lnT>
+                    <a:lnB w="12700" cap="flat" cmpd="sng" algn="ctr">
+                      <a:solidFill>
+                        <a:schemeClr val="tx1"/>
+                      </a:solidFill>
+                      <a:prstDash val="solid"/>
+                      <a:round/>
+                      <a:headEnd type="none" w="med" len="med"/>
+                      <a:tailEnd type="none" w="med" len="med"/>
+                    </a:lnB>
+                    <a:lnTlToBr w="12700" cmpd="sng">
+                      <a:noFill/>
+                      <a:prstDash val="solid"/>
+                    </a:lnTlToBr>
+                    <a:lnBlToTr w="12700" cmpd="sng">
+                      <a:noFill/>
+                      <a:prstDash val="solid"/>
+                    </a:lnBlToTr>
+                    <a:solidFill>
+                      <a:schemeClr val="bg1"/>
+                    </a:solidFill>
+                  </a:tcPr>
+                </a:tc>
+                <a:tc>
+                  <a:txBody>
+                    <a:bodyPr/>
+                    <a:lstStyle/>
+                    <a:p>
+                      <a:r>
+                        <a:rPr kumimoji="1" lang="en-US" altLang="ja-JP" sz="1400" dirty="0"/>
+                        <a:t>CI</a:t>
+                      </a:r>
+                      <a:r>
+                        <a:rPr kumimoji="1" lang="ja-JP" altLang="en-US" sz="1400" dirty="0"/>
+                        <a:t>関係性</a:t>
+                      </a:r>
+                      <a:endParaRPr kumimoji="1" lang="en-US" altLang="ja-JP" sz="1400" dirty="0"/>
+                    </a:p>
+                  </a:txBody>
+                  <a:tcPr anchor="ctr">
+                    <a:lnL w="12700" cap="flat" cmpd="sng" algn="ctr">
+                      <a:solidFill>
+                        <a:schemeClr val="tx1"/>
+                      </a:solidFill>
+                      <a:prstDash val="solid"/>
+                      <a:round/>
+                      <a:headEnd type="none" w="med" len="med"/>
+                      <a:tailEnd type="none" w="med" len="med"/>
+                    </a:lnL>
+                    <a:lnR w="12700" cap="flat" cmpd="sng" algn="ctr">
+                      <a:solidFill>
+                        <a:schemeClr val="tx1"/>
+                      </a:solidFill>
+                      <a:prstDash val="solid"/>
+                      <a:round/>
+                      <a:headEnd type="none" w="med" len="med"/>
+                      <a:tailEnd type="none" w="med" len="med"/>
+                    </a:lnR>
+                    <a:lnT w="12700" cap="flat" cmpd="sng" algn="ctr">
+                      <a:solidFill>
+                        <a:schemeClr val="tx1"/>
+                      </a:solidFill>
+                      <a:prstDash val="solid"/>
+                      <a:round/>
+                      <a:headEnd type="none" w="med" len="med"/>
+                      <a:tailEnd type="none" w="med" len="med"/>
+                    </a:lnT>
+                    <a:lnB w="12700" cap="flat" cmpd="sng" algn="ctr">
+                      <a:solidFill>
+                        <a:schemeClr val="tx1"/>
+                      </a:solidFill>
+                      <a:prstDash val="solid"/>
+                      <a:round/>
+                      <a:headEnd type="none" w="med" len="med"/>
+                      <a:tailEnd type="none" w="med" len="med"/>
+                    </a:lnB>
+                    <a:lnTlToBr w="12700" cmpd="sng">
+                      <a:noFill/>
+                      <a:prstDash val="solid"/>
+                    </a:lnTlToBr>
+                    <a:lnBlToTr w="12700" cmpd="sng">
+                      <a:noFill/>
+                      <a:prstDash val="solid"/>
+                    </a:lnBlToTr>
+                    <a:solidFill>
+                      <a:schemeClr val="bg1"/>
+                    </a:solidFill>
+                  </a:tcPr>
+                </a:tc>
+                <a:tc>
+                  <a:txBody>
+                    <a:bodyPr/>
+                    <a:lstStyle/>
+                    <a:p>
+                      <a:pPr algn="ctr"/>
+                      <a:r>
+                        <a:rPr kumimoji="1" lang="ja-JP" altLang="en-US" sz="1400" b="0" i="0" u="none" strike="noStrike" kern="1200" cap="none" spc="0" normalizeH="0" baseline="0" noProof="0" dirty="0">
+                          <a:ln>
+                            <a:noFill/>
+                          </a:ln>
+                          <a:solidFill>
+                            <a:srgbClr val="000000"/>
+                          </a:solidFill>
+                          <a:effectLst/>
+                          <a:uLnTx/>
+                          <a:uFillTx/>
+                          <a:latin typeface="メイリオ"/>
+                          <a:ea typeface="メイリオ"/>
+                          <a:cs typeface="+mn-cs"/>
+                        </a:rPr>
+                        <a:t>●</a:t>
+                      </a:r>
+                      <a:endParaRPr kumimoji="1" lang="en-US" altLang="ja-JP" sz="1400" dirty="0"/>
+                    </a:p>
+                  </a:txBody>
+                  <a:tcPr anchor="ctr">
+                    <a:lnL w="12700" cap="flat" cmpd="sng" algn="ctr">
+                      <a:solidFill>
+                        <a:schemeClr val="tx1"/>
+                      </a:solidFill>
+                      <a:prstDash val="solid"/>
+                      <a:round/>
+                      <a:headEnd type="none" w="med" len="med"/>
+                      <a:tailEnd type="none" w="med" len="med"/>
+                    </a:lnL>
+                    <a:lnR w="12700" cap="flat" cmpd="sng" algn="ctr">
+                      <a:solidFill>
+                        <a:schemeClr val="tx1"/>
+                      </a:solidFill>
+                      <a:prstDash val="solid"/>
+                      <a:round/>
+                      <a:headEnd type="none" w="med" len="med"/>
+                      <a:tailEnd type="none" w="med" len="med"/>
+                    </a:lnR>
+                    <a:lnT w="12700" cap="flat" cmpd="sng" algn="ctr">
+                      <a:solidFill>
+                        <a:schemeClr val="tx1"/>
+                      </a:solidFill>
+                      <a:prstDash val="solid"/>
+                      <a:round/>
+                      <a:headEnd type="none" w="med" len="med"/>
+                      <a:tailEnd type="none" w="med" len="med"/>
+                    </a:lnT>
+                    <a:lnB w="12700" cap="flat" cmpd="sng" algn="ctr">
+                      <a:solidFill>
+                        <a:schemeClr val="tx1"/>
+                      </a:solidFill>
+                      <a:prstDash val="solid"/>
+                      <a:round/>
+                      <a:headEnd type="none" w="med" len="med"/>
+                      <a:tailEnd type="none" w="med" len="med"/>
+                    </a:lnB>
+                    <a:lnTlToBr w="12700" cmpd="sng">
+                      <a:noFill/>
+                      <a:prstDash val="solid"/>
+                    </a:lnTlToBr>
+                    <a:lnBlToTr w="12700" cmpd="sng">
+                      <a:noFill/>
+                      <a:prstDash val="solid"/>
+                    </a:lnBlToTr>
+                    <a:solidFill>
+                      <a:schemeClr val="bg1"/>
+                    </a:solidFill>
+                  </a:tcPr>
+                </a:tc>
+                <a:tc>
+                  <a:txBody>
+                    <a:bodyPr/>
+                    <a:lstStyle/>
+                    <a:p>
+                      <a:pPr algn="ctr"/>
+                      <a:r>
+                        <a:rPr kumimoji="1" lang="ja-JP" altLang="en-US" sz="1400" b="0" i="0" u="none" strike="noStrike" kern="1200" cap="none" spc="0" normalizeH="0" baseline="0" noProof="0" dirty="0">
+                          <a:ln>
+                            <a:noFill/>
+                          </a:ln>
+                          <a:solidFill>
+                            <a:srgbClr val="000000"/>
+                          </a:solidFill>
+                          <a:effectLst/>
+                          <a:uLnTx/>
+                          <a:uFillTx/>
+                          <a:latin typeface="メイリオ"/>
+                          <a:ea typeface="メイリオ"/>
+                          <a:cs typeface="+mn-cs"/>
+                        </a:rPr>
+                        <a:t>●</a:t>
+                      </a:r>
+                      <a:endParaRPr kumimoji="1" lang="en-US" altLang="ja-JP" sz="1400" dirty="0"/>
+                    </a:p>
+                  </a:txBody>
+                  <a:tcPr anchor="ctr">
+                    <a:lnL w="12700" cap="flat" cmpd="sng" algn="ctr">
+                      <a:solidFill>
+                        <a:schemeClr val="tx1"/>
+                      </a:solidFill>
+                      <a:prstDash val="solid"/>
+                      <a:round/>
+                      <a:headEnd type="none" w="med" len="med"/>
+                      <a:tailEnd type="none" w="med" len="med"/>
+                    </a:lnL>
+                    <a:lnR w="12700" cap="flat" cmpd="sng" algn="ctr">
+                      <a:solidFill>
+                        <a:schemeClr val="tx1"/>
+                      </a:solidFill>
+                      <a:prstDash val="solid"/>
+                      <a:round/>
+                      <a:headEnd type="none" w="med" len="med"/>
+                      <a:tailEnd type="none" w="med" len="med"/>
+                    </a:lnR>
+                    <a:lnT w="12700" cap="flat" cmpd="sng" algn="ctr">
+                      <a:solidFill>
+                        <a:schemeClr val="tx1"/>
+                      </a:solidFill>
+                      <a:prstDash val="solid"/>
+                      <a:round/>
+                      <a:headEnd type="none" w="med" len="med"/>
+                      <a:tailEnd type="none" w="med" len="med"/>
+                    </a:lnT>
+                    <a:lnB w="12700" cap="flat" cmpd="sng" algn="ctr">
+                      <a:solidFill>
+                        <a:schemeClr val="tx1"/>
+                      </a:solidFill>
+                      <a:prstDash val="solid"/>
+                      <a:round/>
+                      <a:headEnd type="none" w="med" len="med"/>
+                      <a:tailEnd type="none" w="med" len="med"/>
+                    </a:lnB>
+                    <a:lnTlToBr w="12700" cmpd="sng">
+                      <a:noFill/>
+                      <a:prstDash val="solid"/>
+                    </a:lnTlToBr>
+                    <a:lnBlToTr w="12700" cmpd="sng">
+                      <a:noFill/>
+                      <a:prstDash val="solid"/>
+                    </a:lnBlToTr>
+                    <a:solidFill>
+                      <a:schemeClr val="bg1"/>
+                    </a:solidFill>
+                  </a:tcPr>
+                </a:tc>
+                <a:tc>
+                  <a:txBody>
+                    <a:bodyPr/>
+                    <a:lstStyle/>
+                    <a:p>
+                      <a:r>
+                        <a:rPr kumimoji="1" lang="en-US" altLang="ja-JP" sz="1400" dirty="0"/>
+                        <a:t>ServiceNow</a:t>
+                      </a:r>
+                      <a:r>
+                        <a:rPr kumimoji="1" lang="ja-JP" altLang="en-US" sz="1400" dirty="0"/>
+                        <a:t>の</a:t>
+                      </a:r>
+                      <a:r>
+                        <a:rPr kumimoji="1" lang="en-US" altLang="ja-JP" sz="1400" dirty="0"/>
+                        <a:t>CI</a:t>
+                      </a:r>
+                      <a:r>
+                        <a:rPr kumimoji="1" lang="ja-JP" altLang="en-US" sz="1400" dirty="0"/>
+                        <a:t>関係性と連携するためのメニュー</a:t>
+                      </a:r>
+                      <a:endParaRPr kumimoji="1" lang="en-US" altLang="ja-JP" sz="1400" dirty="0"/>
+                    </a:p>
+                  </a:txBody>
+                  <a:tcPr anchor="ctr">
+                    <a:lnL w="12700" cap="flat" cmpd="sng" algn="ctr">
+                      <a:solidFill>
+                        <a:schemeClr val="tx1"/>
+                      </a:solidFill>
+                      <a:prstDash val="solid"/>
+                      <a:round/>
+                      <a:headEnd type="none" w="med" len="med"/>
+                      <a:tailEnd type="none" w="med" len="med"/>
+                    </a:lnL>
+                    <a:lnR w="12700" cap="flat" cmpd="sng" algn="ctr">
+                      <a:solidFill>
+                        <a:schemeClr val="tx1"/>
+                      </a:solidFill>
+                      <a:prstDash val="solid"/>
+                      <a:round/>
+                      <a:headEnd type="none" w="med" len="med"/>
+                      <a:tailEnd type="none" w="med" len="med"/>
+                    </a:lnR>
+                    <a:lnT w="12700" cap="flat" cmpd="sng" algn="ctr">
+                      <a:solidFill>
+                        <a:schemeClr val="tx1"/>
+                      </a:solidFill>
+                      <a:prstDash val="solid"/>
+                      <a:round/>
+                      <a:headEnd type="none" w="med" len="med"/>
+                      <a:tailEnd type="none" w="med" len="med"/>
+                    </a:lnT>
+                    <a:lnB w="12700" cap="flat" cmpd="sng" algn="ctr">
+                      <a:solidFill>
+                        <a:schemeClr val="tx1"/>
+                      </a:solidFill>
+                      <a:prstDash val="solid"/>
+                      <a:round/>
+                      <a:headEnd type="none" w="med" len="med"/>
+                      <a:tailEnd type="none" w="med" len="med"/>
+                    </a:lnB>
+                    <a:lnTlToBr w="12700" cmpd="sng">
+                      <a:noFill/>
+                      <a:prstDash val="solid"/>
+                    </a:lnTlToBr>
+                    <a:lnBlToTr w="12700" cmpd="sng">
+                      <a:noFill/>
+                      <a:prstDash val="solid"/>
+                    </a:lnBlToTr>
+                    <a:solidFill>
+                      <a:schemeClr val="bg1"/>
+                    </a:solidFill>
+                  </a:tcPr>
+                </a:tc>
+                <a:extLst>
+                  <a:ext uri="{0D108BD9-81ED-4DB2-BD59-A6C34878D82A}">
+                    <a16:rowId xmlns:a16="http://schemas.microsoft.com/office/drawing/2014/main" val="1929172423"/>
                   </a:ext>
                 </a:extLst>
               </a:tr>
@@ -12704,7 +16903,7 @@
 </p:sld>
 </file>
 
-<file path=ppt/slides/slide15.xml><?xml version="1.0" encoding="utf-8"?>
+<file path=ppt/slides/slide16.xml><?xml version="1.0" encoding="utf-8"?>
 <p:sld xmlns:a="http://schemas.openxmlformats.org/drawingml/2006/main" xmlns:r="http://schemas.openxmlformats.org/officeDocument/2006/relationships" xmlns:p="http://schemas.openxmlformats.org/presentationml/2006/main">
   <p:cSld>
     <p:spTree>
@@ -22908,10 +27107,6 @@
               <a:rPr lang="ja-JP" altLang="en-US" dirty="0"/>
               <a:t>されたカートリッジです。</a:t>
             </a:r>
-            <a:r>
-              <a:rPr lang="en-US" altLang="ja-JP" dirty="0"/>
-              <a:t/>
-            </a:r>
             <a:br>
               <a:rPr lang="en-US" altLang="ja-JP" dirty="0"/>
             </a:br>
@@ -22982,9 +27177,9 @@
               <a:rPr lang="ja-JP" altLang="en-US" dirty="0"/>
               <a:t>へ反映させることが可能です。</a:t>
             </a:r>
-            <a:endParaRPr lang="en-US" altLang="ja-JP" dirty="0"/>
-          </a:p>
-          <a:p>
+            <a:br>
+              <a:rPr lang="en-US" altLang="ja-JP" dirty="0"/>
+            </a:br>
             <a:r>
               <a:rPr lang="ja-JP" altLang="en-US" dirty="0"/>
               <a:t>つまり、収集機能</a:t>
@@ -23765,15 +27960,7 @@
             </a:pPr>
             <a:r>
               <a:rPr lang="ja-JP" altLang="en-US" dirty="0"/>
-              <a:t>パラメータ設定ミスによる誤操作で、</a:t>
-            </a:r>
-            <a:r>
-              <a:rPr lang="en-US" altLang="ja-JP" dirty="0"/>
-              <a:t>Hyper-V</a:t>
-            </a:r>
-            <a:r>
-              <a:rPr lang="ja-JP" altLang="en-US" dirty="0"/>
-              <a:t>全体に影響が出ることを防ぐことが出来ます。</a:t>
+              <a:t>パラメータ設定ミスによる誤操作で、全体に影響が出ることを防ぐことが出来ます。</a:t>
             </a:r>
             <a:endParaRPr lang="en-US" altLang="ja-JP" dirty="0"/>
           </a:p>

--- a/docs/setting-samples-servicenow-overview_ja.pptx
+++ b/docs/setting-samples-servicenow-overview_ja.pptx
@@ -311,7 +311,7 @@
               <a:rPr kumimoji="1" lang="ja-JP" altLang="en-US" smtClean="0">
                 <a:ea typeface="メイリオ" panose="020B0604030504040204" pitchFamily="50" charset="-128"/>
               </a:rPr>
-              <a:t>2022/7/22</a:t>
+              <a:t>2022/12/6</a:t>
             </a:fld>
             <a:endParaRPr kumimoji="1" lang="ja-JP" altLang="en-US" dirty="0">
               <a:ea typeface="メイリオ" panose="020B0604030504040204" pitchFamily="50" charset="-128"/>
@@ -457,7 +457,7 @@
             <a:fld id="{4B26993D-C081-44EB-B0F5-A9F467792B62}" type="datetimeFigureOut">
               <a:rPr lang="ja-JP" altLang="en-US" smtClean="0"/>
               <a:pPr/>
-              <a:t>2022/7/22</a:t>
+              <a:t>2022/12/6</a:t>
             </a:fld>
             <a:endParaRPr lang="ja-JP" altLang="en-US" dirty="0"/>
           </a:p>
@@ -3592,7 +3592,7 @@
             </a:r>
             <a:r>
               <a:rPr lang="en-US" altLang="ja-JP" dirty="0"/>
-              <a:t>1.1</a:t>
+              <a:t>1.2</a:t>
             </a:r>
             <a:r>
               <a:rPr lang="ja-JP" altLang="en-US" dirty="0"/>
@@ -3616,7 +3616,7 @@
             </a:r>
             <a:r>
               <a:rPr lang="en-US" altLang="ja-JP" dirty="0"/>
-              <a:t>1.9.1</a:t>
+              <a:t>1.10.1</a:t>
             </a:r>
             <a:r>
               <a:rPr lang="ja-JP" altLang="en-US" dirty="0"/>
@@ -32341,24 +32341,6 @@
 </file>
 
 <file path=customXml/item1.xml><?xml version="1.0" encoding="utf-8"?>
-<p:properties xmlns:p="http://schemas.microsoft.com/office/2006/metadata/properties" xmlns:xsi="http://www.w3.org/2001/XMLSchema-instance" xmlns:pc="http://schemas.microsoft.com/office/infopath/2007/PartnerControls">
-  <documentManagement>
-    <_x6587__x66f8__x540d_ xmlns="e3c7534c-8447-4121-a676-7eb0e8edc712" xsi:nil="true"/>
-    <_x30e2__x30c7__x30eb__x540d_ xmlns="e3c7534c-8447-4121-a676-7eb0e8edc712" xsi:nil="true"/>
-  </documentManagement>
-</p:properties>
-</file>
-
-<file path=customXml/item2.xml><?xml version="1.0" encoding="utf-8"?>
-<?mso-contentType ?>
-<FormTemplates xmlns="http://schemas.microsoft.com/sharepoint/v3/contenttype/forms">
-  <Display>DocumentLibraryForm</Display>
-  <Edit>DocumentLibraryForm</Edit>
-  <New>DocumentLibraryForm</New>
-</FormTemplates>
-</file>
-
-<file path=customXml/item3.xml><?xml version="1.0" encoding="utf-8"?>
 <ct:contentTypeSchema xmlns:ct="http://schemas.microsoft.com/office/2006/metadata/contentType" xmlns:ma="http://schemas.microsoft.com/office/2006/metadata/properties/metaAttributes" ct:_="" ma:_="" ma:contentTypeName="ドキュメント" ma:contentTypeID="0x01010084FABC01750754469A9A21C30F936C75" ma:contentTypeVersion="8" ma:contentTypeDescription="新しいドキュメントを作成します。" ma:contentTypeScope="" ma:versionID="5c029b96a4a2abc881fe42800b88df28">
   <xsd:schema xmlns:xsd="http://www.w3.org/2001/XMLSchema" xmlns:xs="http://www.w3.org/2001/XMLSchema" xmlns:p="http://schemas.microsoft.com/office/2006/metadata/properties" xmlns:ns2="e3c7534c-8447-4121-a676-7eb0e8edc712" targetNamespace="http://schemas.microsoft.com/office/2006/metadata/properties" ma:root="true" ma:fieldsID="650c1592c370a88edabd179bdb060466" ns2:_="">
     <xsd:import namespace="e3c7534c-8447-4121-a676-7eb0e8edc712"/>
@@ -32532,31 +32514,25 @@
 </ct:contentTypeSchema>
 </file>
 
-<file path=customXml/itemProps1.xml><?xml version="1.0" encoding="utf-8"?>
-<ds:datastoreItem xmlns:ds="http://schemas.openxmlformats.org/officeDocument/2006/customXml" ds:itemID="{267CCBA7-24DD-4DF4-BC77-D8CB616DAC34}">
-  <ds:schemaRefs>
-    <ds:schemaRef ds:uri="http://schemas.openxmlformats.org/package/2006/metadata/core-properties"/>
-    <ds:schemaRef ds:uri="e3c7534c-8447-4121-a676-7eb0e8edc712"/>
-    <ds:schemaRef ds:uri="http://purl.org/dc/dcmitype/"/>
-    <ds:schemaRef ds:uri="http://schemas.microsoft.com/office/infopath/2007/PartnerControls"/>
-    <ds:schemaRef ds:uri="http://schemas.microsoft.com/office/2006/documentManagement/types"/>
-    <ds:schemaRef ds:uri="http://schemas.microsoft.com/office/2006/metadata/properties"/>
-    <ds:schemaRef ds:uri="http://purl.org/dc/terms/"/>
-    <ds:schemaRef ds:uri="http://www.w3.org/XML/1998/namespace"/>
-    <ds:schemaRef ds:uri="http://purl.org/dc/elements/1.1/"/>
-  </ds:schemaRefs>
-</ds:datastoreItem>
+<file path=customXml/item2.xml><?xml version="1.0" encoding="utf-8"?>
+<?mso-contentType ?>
+<FormTemplates xmlns="http://schemas.microsoft.com/sharepoint/v3/contenttype/forms">
+  <Display>DocumentLibraryForm</Display>
+  <Edit>DocumentLibraryForm</Edit>
+  <New>DocumentLibraryForm</New>
+</FormTemplates>
 </file>
 
-<file path=customXml/itemProps2.xml><?xml version="1.0" encoding="utf-8"?>
-<ds:datastoreItem xmlns:ds="http://schemas.openxmlformats.org/officeDocument/2006/customXml" ds:itemID="{84836F8F-27B3-4E46-9347-CF8E562ED846}">
-  <ds:schemaRefs>
-    <ds:schemaRef ds:uri="http://schemas.microsoft.com/sharepoint/v3/contenttype/forms"/>
-  </ds:schemaRefs>
-</ds:datastoreItem>
+<file path=customXml/item3.xml><?xml version="1.0" encoding="utf-8"?>
+<p:properties xmlns:p="http://schemas.microsoft.com/office/2006/metadata/properties" xmlns:xsi="http://www.w3.org/2001/XMLSchema-instance" xmlns:pc="http://schemas.microsoft.com/office/infopath/2007/PartnerControls">
+  <documentManagement>
+    <_x6587__x66f8__x540d_ xmlns="e3c7534c-8447-4121-a676-7eb0e8edc712" xsi:nil="true"/>
+    <_x30e2__x30c7__x30eb__x540d_ xmlns="e3c7534c-8447-4121-a676-7eb0e8edc712" xsi:nil="true"/>
+  </documentManagement>
+</p:properties>
 </file>
 
-<file path=customXml/itemProps3.xml><?xml version="1.0" encoding="utf-8"?>
+<file path=customXml/itemProps1.xml><?xml version="1.0" encoding="utf-8"?>
 <ds:datastoreItem xmlns:ds="http://schemas.openxmlformats.org/officeDocument/2006/customXml" ds:itemID="{32BC9141-53D3-4A04-9B97-7A675527C2FC}">
   <ds:schemaRefs>
     <ds:schemaRef ds:uri="http://schemas.microsoft.com/office/2006/metadata/contentType"/>
@@ -32572,4 +32548,28 @@
     <ds:schemaRef ds:uri="http://schemas.microsoft.com/internal/obd"/>
   </ds:schemaRefs>
 </ds:datastoreItem>
+</file>
+
+<file path=customXml/itemProps2.xml><?xml version="1.0" encoding="utf-8"?>
+<ds:datastoreItem xmlns:ds="http://schemas.openxmlformats.org/officeDocument/2006/customXml" ds:itemID="{84836F8F-27B3-4E46-9347-CF8E562ED846}">
+  <ds:schemaRefs>
+    <ds:schemaRef ds:uri="http://schemas.microsoft.com/sharepoint/v3/contenttype/forms"/>
+  </ds:schemaRefs>
+</ds:datastoreItem>
+</file>
+
+<file path=customXml/itemProps3.xml><?xml version="1.0" encoding="utf-8"?>
+<ds:datastoreItem xmlns:ds="http://schemas.openxmlformats.org/officeDocument/2006/customXml" ds:itemID="{267CCBA7-24DD-4DF4-BC77-D8CB616DAC34}">
+  <ds:schemaRefs>
+    <ds:schemaRef ds:uri="http://schemas.openxmlformats.org/package/2006/metadata/core-properties"/>
+    <ds:schemaRef ds:uri="e3c7534c-8447-4121-a676-7eb0e8edc712"/>
+    <ds:schemaRef ds:uri="http://purl.org/dc/dcmitype/"/>
+    <ds:schemaRef ds:uri="http://schemas.microsoft.com/office/infopath/2007/PartnerControls"/>
+    <ds:schemaRef ds:uri="http://schemas.microsoft.com/office/2006/documentManagement/types"/>
+    <ds:schemaRef ds:uri="http://schemas.microsoft.com/office/2006/metadata/properties"/>
+    <ds:schemaRef ds:uri="http://purl.org/dc/terms/"/>
+    <ds:schemaRef ds:uri="http://www.w3.org/XML/1998/namespace"/>
+    <ds:schemaRef ds:uri="http://purl.org/dc/elements/1.1/"/>
+  </ds:schemaRefs>
+</ds:datastoreItem>
 </file>
--- a/docs/setting-samples-servicenow-overview_ja.pptx
+++ b/docs/setting-samples-servicenow-overview_ja.pptx
@@ -311,7 +311,7 @@
               <a:rPr kumimoji="1" lang="ja-JP" altLang="en-US" smtClean="0">
                 <a:ea typeface="メイリオ" panose="020B0604030504040204" pitchFamily="50" charset="-128"/>
               </a:rPr>
-              <a:t>2022/12/6</a:t>
+              <a:t>2023/1/10</a:t>
             </a:fld>
             <a:endParaRPr kumimoji="1" lang="ja-JP" altLang="en-US" dirty="0">
               <a:ea typeface="メイリオ" panose="020B0604030504040204" pitchFamily="50" charset="-128"/>
@@ -457,7 +457,7 @@
             <a:fld id="{4B26993D-C081-44EB-B0F5-A9F467792B62}" type="datetimeFigureOut">
               <a:rPr lang="ja-JP" altLang="en-US" smtClean="0"/>
               <a:pPr/>
-              <a:t>2022/12/6</a:t>
+              <a:t>2023/1/10</a:t>
             </a:fld>
             <a:endParaRPr lang="ja-JP" altLang="en-US" dirty="0"/>
           </a:p>
@@ -3591,11 +3591,11 @@
               <a:t>第</a:t>
             </a:r>
             <a:r>
-              <a:rPr lang="en-US" altLang="ja-JP" dirty="0"/>
-              <a:t>1.2</a:t>
-            </a:r>
-            <a:r>
-              <a:rPr lang="ja-JP" altLang="en-US" dirty="0"/>
+              <a:rPr lang="en-US" altLang="ja-JP"/>
+              <a:t>1.3</a:t>
+            </a:r>
+            <a:r>
+              <a:rPr lang="ja-JP" altLang="en-US"/>
               <a:t>版</a:t>
             </a:r>
             <a:r>
@@ -3616,7 +3616,7 @@
             </a:r>
             <a:r>
               <a:rPr lang="en-US" altLang="ja-JP" dirty="0"/>
-              <a:t>1.10.1</a:t>
+              <a:t>1.10.2</a:t>
             </a:r>
             <a:r>
               <a:rPr lang="ja-JP" altLang="en-US" dirty="0"/>
@@ -32341,6 +32341,24 @@
 </file>
 
 <file path=customXml/item1.xml><?xml version="1.0" encoding="utf-8"?>
+<p:properties xmlns:p="http://schemas.microsoft.com/office/2006/metadata/properties" xmlns:xsi="http://www.w3.org/2001/XMLSchema-instance" xmlns:pc="http://schemas.microsoft.com/office/infopath/2007/PartnerControls">
+  <documentManagement>
+    <_x6587__x66f8__x540d_ xmlns="e3c7534c-8447-4121-a676-7eb0e8edc712" xsi:nil="true"/>
+    <_x30e2__x30c7__x30eb__x540d_ xmlns="e3c7534c-8447-4121-a676-7eb0e8edc712" xsi:nil="true"/>
+  </documentManagement>
+</p:properties>
+</file>
+
+<file path=customXml/item2.xml><?xml version="1.0" encoding="utf-8"?>
+<?mso-contentType ?>
+<FormTemplates xmlns="http://schemas.microsoft.com/sharepoint/v3/contenttype/forms">
+  <Display>DocumentLibraryForm</Display>
+  <Edit>DocumentLibraryForm</Edit>
+  <New>DocumentLibraryForm</New>
+</FormTemplates>
+</file>
+
+<file path=customXml/item3.xml><?xml version="1.0" encoding="utf-8"?>
 <ct:contentTypeSchema xmlns:ct="http://schemas.microsoft.com/office/2006/metadata/contentType" xmlns:ma="http://schemas.microsoft.com/office/2006/metadata/properties/metaAttributes" ct:_="" ma:_="" ma:contentTypeName="ドキュメント" ma:contentTypeID="0x01010084FABC01750754469A9A21C30F936C75" ma:contentTypeVersion="8" ma:contentTypeDescription="新しいドキュメントを作成します。" ma:contentTypeScope="" ma:versionID="5c029b96a4a2abc881fe42800b88df28">
   <xsd:schema xmlns:xsd="http://www.w3.org/2001/XMLSchema" xmlns:xs="http://www.w3.org/2001/XMLSchema" xmlns:p="http://schemas.microsoft.com/office/2006/metadata/properties" xmlns:ns2="e3c7534c-8447-4121-a676-7eb0e8edc712" targetNamespace="http://schemas.microsoft.com/office/2006/metadata/properties" ma:root="true" ma:fieldsID="650c1592c370a88edabd179bdb060466" ns2:_="">
     <xsd:import namespace="e3c7534c-8447-4121-a676-7eb0e8edc712"/>
@@ -32514,25 +32532,31 @@
 </ct:contentTypeSchema>
 </file>
 
-<file path=customXml/item2.xml><?xml version="1.0" encoding="utf-8"?>
-<?mso-contentType ?>
-<FormTemplates xmlns="http://schemas.microsoft.com/sharepoint/v3/contenttype/forms">
-  <Display>DocumentLibraryForm</Display>
-  <Edit>DocumentLibraryForm</Edit>
-  <New>DocumentLibraryForm</New>
-</FormTemplates>
+<file path=customXml/itemProps1.xml><?xml version="1.0" encoding="utf-8"?>
+<ds:datastoreItem xmlns:ds="http://schemas.openxmlformats.org/officeDocument/2006/customXml" ds:itemID="{267CCBA7-24DD-4DF4-BC77-D8CB616DAC34}">
+  <ds:schemaRefs>
+    <ds:schemaRef ds:uri="http://schemas.openxmlformats.org/package/2006/metadata/core-properties"/>
+    <ds:schemaRef ds:uri="e3c7534c-8447-4121-a676-7eb0e8edc712"/>
+    <ds:schemaRef ds:uri="http://purl.org/dc/dcmitype/"/>
+    <ds:schemaRef ds:uri="http://schemas.microsoft.com/office/infopath/2007/PartnerControls"/>
+    <ds:schemaRef ds:uri="http://schemas.microsoft.com/office/2006/documentManagement/types"/>
+    <ds:schemaRef ds:uri="http://schemas.microsoft.com/office/2006/metadata/properties"/>
+    <ds:schemaRef ds:uri="http://purl.org/dc/terms/"/>
+    <ds:schemaRef ds:uri="http://www.w3.org/XML/1998/namespace"/>
+    <ds:schemaRef ds:uri="http://purl.org/dc/elements/1.1/"/>
+  </ds:schemaRefs>
+</ds:datastoreItem>
 </file>
 
-<file path=customXml/item3.xml><?xml version="1.0" encoding="utf-8"?>
-<p:properties xmlns:p="http://schemas.microsoft.com/office/2006/metadata/properties" xmlns:xsi="http://www.w3.org/2001/XMLSchema-instance" xmlns:pc="http://schemas.microsoft.com/office/infopath/2007/PartnerControls">
-  <documentManagement>
-    <_x6587__x66f8__x540d_ xmlns="e3c7534c-8447-4121-a676-7eb0e8edc712" xsi:nil="true"/>
-    <_x30e2__x30c7__x30eb__x540d_ xmlns="e3c7534c-8447-4121-a676-7eb0e8edc712" xsi:nil="true"/>
-  </documentManagement>
-</p:properties>
+<file path=customXml/itemProps2.xml><?xml version="1.0" encoding="utf-8"?>
+<ds:datastoreItem xmlns:ds="http://schemas.openxmlformats.org/officeDocument/2006/customXml" ds:itemID="{84836F8F-27B3-4E46-9347-CF8E562ED846}">
+  <ds:schemaRefs>
+    <ds:schemaRef ds:uri="http://schemas.microsoft.com/sharepoint/v3/contenttype/forms"/>
+  </ds:schemaRefs>
+</ds:datastoreItem>
 </file>
 
-<file path=customXml/itemProps1.xml><?xml version="1.0" encoding="utf-8"?>
+<file path=customXml/itemProps3.xml><?xml version="1.0" encoding="utf-8"?>
 <ds:datastoreItem xmlns:ds="http://schemas.openxmlformats.org/officeDocument/2006/customXml" ds:itemID="{32BC9141-53D3-4A04-9B97-7A675527C2FC}">
   <ds:schemaRefs>
     <ds:schemaRef ds:uri="http://schemas.microsoft.com/office/2006/metadata/contentType"/>
@@ -32548,28 +32572,4 @@
     <ds:schemaRef ds:uri="http://schemas.microsoft.com/internal/obd"/>
   </ds:schemaRefs>
 </ds:datastoreItem>
-</file>
-
-<file path=customXml/itemProps2.xml><?xml version="1.0" encoding="utf-8"?>
-<ds:datastoreItem xmlns:ds="http://schemas.openxmlformats.org/officeDocument/2006/customXml" ds:itemID="{84836F8F-27B3-4E46-9347-CF8E562ED846}">
-  <ds:schemaRefs>
-    <ds:schemaRef ds:uri="http://schemas.microsoft.com/sharepoint/v3/contenttype/forms"/>
-  </ds:schemaRefs>
-</ds:datastoreItem>
-</file>
-
-<file path=customXml/itemProps3.xml><?xml version="1.0" encoding="utf-8"?>
-<ds:datastoreItem xmlns:ds="http://schemas.openxmlformats.org/officeDocument/2006/customXml" ds:itemID="{267CCBA7-24DD-4DF4-BC77-D8CB616DAC34}">
-  <ds:schemaRefs>
-    <ds:schemaRef ds:uri="http://schemas.openxmlformats.org/package/2006/metadata/core-properties"/>
-    <ds:schemaRef ds:uri="e3c7534c-8447-4121-a676-7eb0e8edc712"/>
-    <ds:schemaRef ds:uri="http://purl.org/dc/dcmitype/"/>
-    <ds:schemaRef ds:uri="http://schemas.microsoft.com/office/infopath/2007/PartnerControls"/>
-    <ds:schemaRef ds:uri="http://schemas.microsoft.com/office/2006/documentManagement/types"/>
-    <ds:schemaRef ds:uri="http://schemas.microsoft.com/office/2006/metadata/properties"/>
-    <ds:schemaRef ds:uri="http://purl.org/dc/terms/"/>
-    <ds:schemaRef ds:uri="http://www.w3.org/XML/1998/namespace"/>
-    <ds:schemaRef ds:uri="http://purl.org/dc/elements/1.1/"/>
-  </ds:schemaRefs>
-</ds:datastoreItem>
 </file>
--- a/docs/setting-samples-servicenow-overview_ja.pptx
+++ b/docs/setting-samples-servicenow-overview_ja.pptx
@@ -311,7 +311,7 @@
               <a:rPr kumimoji="1" lang="ja-JP" altLang="en-US" smtClean="0">
                 <a:ea typeface="メイリオ" panose="020B0604030504040204" pitchFamily="50" charset="-128"/>
               </a:rPr>
-              <a:t>2023/1/10</a:t>
+              <a:t>2022/12/6</a:t>
             </a:fld>
             <a:endParaRPr kumimoji="1" lang="ja-JP" altLang="en-US" dirty="0">
               <a:ea typeface="メイリオ" panose="020B0604030504040204" pitchFamily="50" charset="-128"/>
@@ -457,7 +457,7 @@
             <a:fld id="{4B26993D-C081-44EB-B0F5-A9F467792B62}" type="datetimeFigureOut">
               <a:rPr lang="ja-JP" altLang="en-US" smtClean="0"/>
               <a:pPr/>
-              <a:t>2023/1/10</a:t>
+              <a:t>2022/12/6</a:t>
             </a:fld>
             <a:endParaRPr lang="ja-JP" altLang="en-US" dirty="0"/>
           </a:p>
@@ -3591,11 +3591,11 @@
               <a:t>第</a:t>
             </a:r>
             <a:r>
-              <a:rPr lang="en-US" altLang="ja-JP"/>
-              <a:t>1.3</a:t>
-            </a:r>
-            <a:r>
-              <a:rPr lang="ja-JP" altLang="en-US"/>
+              <a:rPr lang="en-US" altLang="ja-JP" dirty="0"/>
+              <a:t>1.2</a:t>
+            </a:r>
+            <a:r>
+              <a:rPr lang="ja-JP" altLang="en-US" dirty="0"/>
               <a:t>版</a:t>
             </a:r>
             <a:r>
@@ -3616,7 +3616,7 @@
             </a:r>
             <a:r>
               <a:rPr lang="en-US" altLang="ja-JP" dirty="0"/>
-              <a:t>1.10.2</a:t>
+              <a:t>1.10.1</a:t>
             </a:r>
             <a:r>
               <a:rPr lang="ja-JP" altLang="en-US" dirty="0"/>
@@ -32341,24 +32341,6 @@
 </file>
 
 <file path=customXml/item1.xml><?xml version="1.0" encoding="utf-8"?>
-<p:properties xmlns:p="http://schemas.microsoft.com/office/2006/metadata/properties" xmlns:xsi="http://www.w3.org/2001/XMLSchema-instance" xmlns:pc="http://schemas.microsoft.com/office/infopath/2007/PartnerControls">
-  <documentManagement>
-    <_x6587__x66f8__x540d_ xmlns="e3c7534c-8447-4121-a676-7eb0e8edc712" xsi:nil="true"/>
-    <_x30e2__x30c7__x30eb__x540d_ xmlns="e3c7534c-8447-4121-a676-7eb0e8edc712" xsi:nil="true"/>
-  </documentManagement>
-</p:properties>
-</file>
-
-<file path=customXml/item2.xml><?xml version="1.0" encoding="utf-8"?>
-<?mso-contentType ?>
-<FormTemplates xmlns="http://schemas.microsoft.com/sharepoint/v3/contenttype/forms">
-  <Display>DocumentLibraryForm</Display>
-  <Edit>DocumentLibraryForm</Edit>
-  <New>DocumentLibraryForm</New>
-</FormTemplates>
-</file>
-
-<file path=customXml/item3.xml><?xml version="1.0" encoding="utf-8"?>
 <ct:contentTypeSchema xmlns:ct="http://schemas.microsoft.com/office/2006/metadata/contentType" xmlns:ma="http://schemas.microsoft.com/office/2006/metadata/properties/metaAttributes" ct:_="" ma:_="" ma:contentTypeName="ドキュメント" ma:contentTypeID="0x01010084FABC01750754469A9A21C30F936C75" ma:contentTypeVersion="8" ma:contentTypeDescription="新しいドキュメントを作成します。" ma:contentTypeScope="" ma:versionID="5c029b96a4a2abc881fe42800b88df28">
   <xsd:schema xmlns:xsd="http://www.w3.org/2001/XMLSchema" xmlns:xs="http://www.w3.org/2001/XMLSchema" xmlns:p="http://schemas.microsoft.com/office/2006/metadata/properties" xmlns:ns2="e3c7534c-8447-4121-a676-7eb0e8edc712" targetNamespace="http://schemas.microsoft.com/office/2006/metadata/properties" ma:root="true" ma:fieldsID="650c1592c370a88edabd179bdb060466" ns2:_="">
     <xsd:import namespace="e3c7534c-8447-4121-a676-7eb0e8edc712"/>
@@ -32532,31 +32514,25 @@
 </ct:contentTypeSchema>
 </file>
 
-<file path=customXml/itemProps1.xml><?xml version="1.0" encoding="utf-8"?>
-<ds:datastoreItem xmlns:ds="http://schemas.openxmlformats.org/officeDocument/2006/customXml" ds:itemID="{267CCBA7-24DD-4DF4-BC77-D8CB616DAC34}">
-  <ds:schemaRefs>
-    <ds:schemaRef ds:uri="http://schemas.openxmlformats.org/package/2006/metadata/core-properties"/>
-    <ds:schemaRef ds:uri="e3c7534c-8447-4121-a676-7eb0e8edc712"/>
-    <ds:schemaRef ds:uri="http://purl.org/dc/dcmitype/"/>
-    <ds:schemaRef ds:uri="http://schemas.microsoft.com/office/infopath/2007/PartnerControls"/>
-    <ds:schemaRef ds:uri="http://schemas.microsoft.com/office/2006/documentManagement/types"/>
-    <ds:schemaRef ds:uri="http://schemas.microsoft.com/office/2006/metadata/properties"/>
-    <ds:schemaRef ds:uri="http://purl.org/dc/terms/"/>
-    <ds:schemaRef ds:uri="http://www.w3.org/XML/1998/namespace"/>
-    <ds:schemaRef ds:uri="http://purl.org/dc/elements/1.1/"/>
-  </ds:schemaRefs>
-</ds:datastoreItem>
+<file path=customXml/item2.xml><?xml version="1.0" encoding="utf-8"?>
+<?mso-contentType ?>
+<FormTemplates xmlns="http://schemas.microsoft.com/sharepoint/v3/contenttype/forms">
+  <Display>DocumentLibraryForm</Display>
+  <Edit>DocumentLibraryForm</Edit>
+  <New>DocumentLibraryForm</New>
+</FormTemplates>
 </file>
 
-<file path=customXml/itemProps2.xml><?xml version="1.0" encoding="utf-8"?>
-<ds:datastoreItem xmlns:ds="http://schemas.openxmlformats.org/officeDocument/2006/customXml" ds:itemID="{84836F8F-27B3-4E46-9347-CF8E562ED846}">
-  <ds:schemaRefs>
-    <ds:schemaRef ds:uri="http://schemas.microsoft.com/sharepoint/v3/contenttype/forms"/>
-  </ds:schemaRefs>
-</ds:datastoreItem>
+<file path=customXml/item3.xml><?xml version="1.0" encoding="utf-8"?>
+<p:properties xmlns:p="http://schemas.microsoft.com/office/2006/metadata/properties" xmlns:xsi="http://www.w3.org/2001/XMLSchema-instance" xmlns:pc="http://schemas.microsoft.com/office/infopath/2007/PartnerControls">
+  <documentManagement>
+    <_x6587__x66f8__x540d_ xmlns="e3c7534c-8447-4121-a676-7eb0e8edc712" xsi:nil="true"/>
+    <_x30e2__x30c7__x30eb__x540d_ xmlns="e3c7534c-8447-4121-a676-7eb0e8edc712" xsi:nil="true"/>
+  </documentManagement>
+</p:properties>
 </file>
 
-<file path=customXml/itemProps3.xml><?xml version="1.0" encoding="utf-8"?>
+<file path=customXml/itemProps1.xml><?xml version="1.0" encoding="utf-8"?>
 <ds:datastoreItem xmlns:ds="http://schemas.openxmlformats.org/officeDocument/2006/customXml" ds:itemID="{32BC9141-53D3-4A04-9B97-7A675527C2FC}">
   <ds:schemaRefs>
     <ds:schemaRef ds:uri="http://schemas.microsoft.com/office/2006/metadata/contentType"/>
@@ -32572,4 +32548,28 @@
     <ds:schemaRef ds:uri="http://schemas.microsoft.com/internal/obd"/>
   </ds:schemaRefs>
 </ds:datastoreItem>
+</file>
+
+<file path=customXml/itemProps2.xml><?xml version="1.0" encoding="utf-8"?>
+<ds:datastoreItem xmlns:ds="http://schemas.openxmlformats.org/officeDocument/2006/customXml" ds:itemID="{84836F8F-27B3-4E46-9347-CF8E562ED846}">
+  <ds:schemaRefs>
+    <ds:schemaRef ds:uri="http://schemas.microsoft.com/sharepoint/v3/contenttype/forms"/>
+  </ds:schemaRefs>
+</ds:datastoreItem>
+</file>
+
+<file path=customXml/itemProps3.xml><?xml version="1.0" encoding="utf-8"?>
+<ds:datastoreItem xmlns:ds="http://schemas.openxmlformats.org/officeDocument/2006/customXml" ds:itemID="{267CCBA7-24DD-4DF4-BC77-D8CB616DAC34}">
+  <ds:schemaRefs>
+    <ds:schemaRef ds:uri="http://schemas.openxmlformats.org/package/2006/metadata/core-properties"/>
+    <ds:schemaRef ds:uri="e3c7534c-8447-4121-a676-7eb0e8edc712"/>
+    <ds:schemaRef ds:uri="http://purl.org/dc/dcmitype/"/>
+    <ds:schemaRef ds:uri="http://schemas.microsoft.com/office/infopath/2007/PartnerControls"/>
+    <ds:schemaRef ds:uri="http://schemas.microsoft.com/office/2006/documentManagement/types"/>
+    <ds:schemaRef ds:uri="http://schemas.microsoft.com/office/2006/metadata/properties"/>
+    <ds:schemaRef ds:uri="http://purl.org/dc/terms/"/>
+    <ds:schemaRef ds:uri="http://www.w3.org/XML/1998/namespace"/>
+    <ds:schemaRef ds:uri="http://purl.org/dc/elements/1.1/"/>
+  </ds:schemaRefs>
+</ds:datastoreItem>
 </file>
--- a/docs/setting-samples-servicenow-overview_ja.pptx
+++ b/docs/setting-samples-servicenow-overview_ja.pptx
@@ -311,7 +311,7 @@
               <a:rPr kumimoji="1" lang="ja-JP" altLang="en-US" smtClean="0">
                 <a:ea typeface="メイリオ" panose="020B0604030504040204" pitchFamily="50" charset="-128"/>
               </a:rPr>
-              <a:t>2022/12/6</a:t>
+              <a:t>2022/7/22</a:t>
             </a:fld>
             <a:endParaRPr kumimoji="1" lang="ja-JP" altLang="en-US" dirty="0">
               <a:ea typeface="メイリオ" panose="020B0604030504040204" pitchFamily="50" charset="-128"/>
@@ -457,7 +457,7 @@
             <a:fld id="{4B26993D-C081-44EB-B0F5-A9F467792B62}" type="datetimeFigureOut">
               <a:rPr lang="ja-JP" altLang="en-US" smtClean="0"/>
               <a:pPr/>
-              <a:t>2022/12/6</a:t>
+              <a:t>2022/7/22</a:t>
             </a:fld>
             <a:endParaRPr lang="ja-JP" altLang="en-US" dirty="0"/>
           </a:p>
@@ -3592,7 +3592,7 @@
             </a:r>
             <a:r>
               <a:rPr lang="en-US" altLang="ja-JP" dirty="0"/>
-              <a:t>1.2</a:t>
+              <a:t>1.1</a:t>
             </a:r>
             <a:r>
               <a:rPr lang="ja-JP" altLang="en-US" dirty="0"/>
@@ -3616,7 +3616,7 @@
             </a:r>
             <a:r>
               <a:rPr lang="en-US" altLang="ja-JP" dirty="0"/>
-              <a:t>1.10.1</a:t>
+              <a:t>1.9.1</a:t>
             </a:r>
             <a:r>
               <a:rPr lang="ja-JP" altLang="en-US" dirty="0"/>
@@ -32341,6 +32341,24 @@
 </file>
 
 <file path=customXml/item1.xml><?xml version="1.0" encoding="utf-8"?>
+<p:properties xmlns:p="http://schemas.microsoft.com/office/2006/metadata/properties" xmlns:xsi="http://www.w3.org/2001/XMLSchema-instance" xmlns:pc="http://schemas.microsoft.com/office/infopath/2007/PartnerControls">
+  <documentManagement>
+    <_x6587__x66f8__x540d_ xmlns="e3c7534c-8447-4121-a676-7eb0e8edc712" xsi:nil="true"/>
+    <_x30e2__x30c7__x30eb__x540d_ xmlns="e3c7534c-8447-4121-a676-7eb0e8edc712" xsi:nil="true"/>
+  </documentManagement>
+</p:properties>
+</file>
+
+<file path=customXml/item2.xml><?xml version="1.0" encoding="utf-8"?>
+<?mso-contentType ?>
+<FormTemplates xmlns="http://schemas.microsoft.com/sharepoint/v3/contenttype/forms">
+  <Display>DocumentLibraryForm</Display>
+  <Edit>DocumentLibraryForm</Edit>
+  <New>DocumentLibraryForm</New>
+</FormTemplates>
+</file>
+
+<file path=customXml/item3.xml><?xml version="1.0" encoding="utf-8"?>
 <ct:contentTypeSchema xmlns:ct="http://schemas.microsoft.com/office/2006/metadata/contentType" xmlns:ma="http://schemas.microsoft.com/office/2006/metadata/properties/metaAttributes" ct:_="" ma:_="" ma:contentTypeName="ドキュメント" ma:contentTypeID="0x01010084FABC01750754469A9A21C30F936C75" ma:contentTypeVersion="8" ma:contentTypeDescription="新しいドキュメントを作成します。" ma:contentTypeScope="" ma:versionID="5c029b96a4a2abc881fe42800b88df28">
   <xsd:schema xmlns:xsd="http://www.w3.org/2001/XMLSchema" xmlns:xs="http://www.w3.org/2001/XMLSchema" xmlns:p="http://schemas.microsoft.com/office/2006/metadata/properties" xmlns:ns2="e3c7534c-8447-4121-a676-7eb0e8edc712" targetNamespace="http://schemas.microsoft.com/office/2006/metadata/properties" ma:root="true" ma:fieldsID="650c1592c370a88edabd179bdb060466" ns2:_="">
     <xsd:import namespace="e3c7534c-8447-4121-a676-7eb0e8edc712"/>
@@ -32514,25 +32532,31 @@
 </ct:contentTypeSchema>
 </file>
 
-<file path=customXml/item2.xml><?xml version="1.0" encoding="utf-8"?>
-<?mso-contentType ?>
-<FormTemplates xmlns="http://schemas.microsoft.com/sharepoint/v3/contenttype/forms">
-  <Display>DocumentLibraryForm</Display>
-  <Edit>DocumentLibraryForm</Edit>
-  <New>DocumentLibraryForm</New>
-</FormTemplates>
+<file path=customXml/itemProps1.xml><?xml version="1.0" encoding="utf-8"?>
+<ds:datastoreItem xmlns:ds="http://schemas.openxmlformats.org/officeDocument/2006/customXml" ds:itemID="{267CCBA7-24DD-4DF4-BC77-D8CB616DAC34}">
+  <ds:schemaRefs>
+    <ds:schemaRef ds:uri="http://schemas.openxmlformats.org/package/2006/metadata/core-properties"/>
+    <ds:schemaRef ds:uri="e3c7534c-8447-4121-a676-7eb0e8edc712"/>
+    <ds:schemaRef ds:uri="http://purl.org/dc/dcmitype/"/>
+    <ds:schemaRef ds:uri="http://schemas.microsoft.com/office/infopath/2007/PartnerControls"/>
+    <ds:schemaRef ds:uri="http://schemas.microsoft.com/office/2006/documentManagement/types"/>
+    <ds:schemaRef ds:uri="http://schemas.microsoft.com/office/2006/metadata/properties"/>
+    <ds:schemaRef ds:uri="http://purl.org/dc/terms/"/>
+    <ds:schemaRef ds:uri="http://www.w3.org/XML/1998/namespace"/>
+    <ds:schemaRef ds:uri="http://purl.org/dc/elements/1.1/"/>
+  </ds:schemaRefs>
+</ds:datastoreItem>
 </file>
 
-<file path=customXml/item3.xml><?xml version="1.0" encoding="utf-8"?>
-<p:properties xmlns:p="http://schemas.microsoft.com/office/2006/metadata/properties" xmlns:xsi="http://www.w3.org/2001/XMLSchema-instance" xmlns:pc="http://schemas.microsoft.com/office/infopath/2007/PartnerControls">
-  <documentManagement>
-    <_x6587__x66f8__x540d_ xmlns="e3c7534c-8447-4121-a676-7eb0e8edc712" xsi:nil="true"/>
-    <_x30e2__x30c7__x30eb__x540d_ xmlns="e3c7534c-8447-4121-a676-7eb0e8edc712" xsi:nil="true"/>
-  </documentManagement>
-</p:properties>
+<file path=customXml/itemProps2.xml><?xml version="1.0" encoding="utf-8"?>
+<ds:datastoreItem xmlns:ds="http://schemas.openxmlformats.org/officeDocument/2006/customXml" ds:itemID="{84836F8F-27B3-4E46-9347-CF8E562ED846}">
+  <ds:schemaRefs>
+    <ds:schemaRef ds:uri="http://schemas.microsoft.com/sharepoint/v3/contenttype/forms"/>
+  </ds:schemaRefs>
+</ds:datastoreItem>
 </file>
 
-<file path=customXml/itemProps1.xml><?xml version="1.0" encoding="utf-8"?>
+<file path=customXml/itemProps3.xml><?xml version="1.0" encoding="utf-8"?>
 <ds:datastoreItem xmlns:ds="http://schemas.openxmlformats.org/officeDocument/2006/customXml" ds:itemID="{32BC9141-53D3-4A04-9B97-7A675527C2FC}">
   <ds:schemaRefs>
     <ds:schemaRef ds:uri="http://schemas.microsoft.com/office/2006/metadata/contentType"/>
@@ -32548,28 +32572,4 @@
     <ds:schemaRef ds:uri="http://schemas.microsoft.com/internal/obd"/>
   </ds:schemaRefs>
 </ds:datastoreItem>
-</file>
-
-<file path=customXml/itemProps2.xml><?xml version="1.0" encoding="utf-8"?>
-<ds:datastoreItem xmlns:ds="http://schemas.openxmlformats.org/officeDocument/2006/customXml" ds:itemID="{84836F8F-27B3-4E46-9347-CF8E562ED846}">
-  <ds:schemaRefs>
-    <ds:schemaRef ds:uri="http://schemas.microsoft.com/sharepoint/v3/contenttype/forms"/>
-  </ds:schemaRefs>
-</ds:datastoreItem>
-</file>
-
-<file path=customXml/itemProps3.xml><?xml version="1.0" encoding="utf-8"?>
-<ds:datastoreItem xmlns:ds="http://schemas.openxmlformats.org/officeDocument/2006/customXml" ds:itemID="{267CCBA7-24DD-4DF4-BC77-D8CB616DAC34}">
-  <ds:schemaRefs>
-    <ds:schemaRef ds:uri="http://schemas.openxmlformats.org/package/2006/metadata/core-properties"/>
-    <ds:schemaRef ds:uri="e3c7534c-8447-4121-a676-7eb0e8edc712"/>
-    <ds:schemaRef ds:uri="http://purl.org/dc/dcmitype/"/>
-    <ds:schemaRef ds:uri="http://schemas.microsoft.com/office/infopath/2007/PartnerControls"/>
-    <ds:schemaRef ds:uri="http://schemas.microsoft.com/office/2006/documentManagement/types"/>
-    <ds:schemaRef ds:uri="http://schemas.microsoft.com/office/2006/metadata/properties"/>
-    <ds:schemaRef ds:uri="http://purl.org/dc/terms/"/>
-    <ds:schemaRef ds:uri="http://www.w3.org/XML/1998/namespace"/>
-    <ds:schemaRef ds:uri="http://purl.org/dc/elements/1.1/"/>
-  </ds:schemaRefs>
-</ds:datastoreItem>
 </file>
--- a/docs/setting-samples-servicenow-overview_ja.pptx
+++ b/docs/setting-samples-servicenow-overview_ja.pptx
@@ -311,7 +311,7 @@
               <a:rPr kumimoji="1" lang="ja-JP" altLang="en-US" smtClean="0">
                 <a:ea typeface="メイリオ" panose="020B0604030504040204" pitchFamily="50" charset="-128"/>
               </a:rPr>
-              <a:t>2022/7/22</a:t>
+              <a:t>2023/2/28</a:t>
             </a:fld>
             <a:endParaRPr kumimoji="1" lang="ja-JP" altLang="en-US" dirty="0">
               <a:ea typeface="メイリオ" panose="020B0604030504040204" pitchFamily="50" charset="-128"/>
@@ -457,7 +457,7 @@
             <a:fld id="{4B26993D-C081-44EB-B0F5-A9F467792B62}" type="datetimeFigureOut">
               <a:rPr lang="ja-JP" altLang="en-US" smtClean="0"/>
               <a:pPr/>
-              <a:t>2022/7/22</a:t>
+              <a:t>2023/2/28</a:t>
             </a:fld>
             <a:endParaRPr lang="ja-JP" altLang="en-US" dirty="0"/>
           </a:p>
@@ -3616,7 +3616,7 @@
             </a:r>
             <a:r>
               <a:rPr lang="en-US" altLang="ja-JP" dirty="0"/>
-              <a:t>1.9.1</a:t>
+              <a:t>1.9.0/1.10.1/1.10.2</a:t>
             </a:r>
             <a:r>
               <a:rPr lang="ja-JP" altLang="en-US" dirty="0"/>
@@ -32341,21 +32341,21 @@
 </file>
 
 <file path=customXml/item1.xml><?xml version="1.0" encoding="utf-8"?>
+<?mso-contentType ?>
+<FormTemplates xmlns="http://schemas.microsoft.com/sharepoint/v3/contenttype/forms">
+  <Display>DocumentLibraryForm</Display>
+  <Edit>DocumentLibraryForm</Edit>
+  <New>DocumentLibraryForm</New>
+</FormTemplates>
+</file>
+
+<file path=customXml/item2.xml><?xml version="1.0" encoding="utf-8"?>
 <p:properties xmlns:p="http://schemas.microsoft.com/office/2006/metadata/properties" xmlns:xsi="http://www.w3.org/2001/XMLSchema-instance" xmlns:pc="http://schemas.microsoft.com/office/infopath/2007/PartnerControls">
   <documentManagement>
     <_x6587__x66f8__x540d_ xmlns="e3c7534c-8447-4121-a676-7eb0e8edc712" xsi:nil="true"/>
     <_x30e2__x30c7__x30eb__x540d_ xmlns="e3c7534c-8447-4121-a676-7eb0e8edc712" xsi:nil="true"/>
   </documentManagement>
 </p:properties>
-</file>
-
-<file path=customXml/item2.xml><?xml version="1.0" encoding="utf-8"?>
-<?mso-contentType ?>
-<FormTemplates xmlns="http://schemas.microsoft.com/sharepoint/v3/contenttype/forms">
-  <Display>DocumentLibraryForm</Display>
-  <Edit>DocumentLibraryForm</Edit>
-  <New>DocumentLibraryForm</New>
-</FormTemplates>
 </file>
 
 <file path=customXml/item3.xml><?xml version="1.0" encoding="utf-8"?>
@@ -32533,25 +32533,25 @@
 </file>
 
 <file path=customXml/itemProps1.xml><?xml version="1.0" encoding="utf-8"?>
-<ds:datastoreItem xmlns:ds="http://schemas.openxmlformats.org/officeDocument/2006/customXml" ds:itemID="{267CCBA7-24DD-4DF4-BC77-D8CB616DAC34}">
+<ds:datastoreItem xmlns:ds="http://schemas.openxmlformats.org/officeDocument/2006/customXml" ds:itemID="{84836F8F-27B3-4E46-9347-CF8E562ED846}">
   <ds:schemaRefs>
-    <ds:schemaRef ds:uri="http://schemas.openxmlformats.org/package/2006/metadata/core-properties"/>
-    <ds:schemaRef ds:uri="e3c7534c-8447-4121-a676-7eb0e8edc712"/>
-    <ds:schemaRef ds:uri="http://purl.org/dc/dcmitype/"/>
-    <ds:schemaRef ds:uri="http://schemas.microsoft.com/office/infopath/2007/PartnerControls"/>
-    <ds:schemaRef ds:uri="http://schemas.microsoft.com/office/2006/documentManagement/types"/>
-    <ds:schemaRef ds:uri="http://schemas.microsoft.com/office/2006/metadata/properties"/>
-    <ds:schemaRef ds:uri="http://purl.org/dc/terms/"/>
-    <ds:schemaRef ds:uri="http://www.w3.org/XML/1998/namespace"/>
-    <ds:schemaRef ds:uri="http://purl.org/dc/elements/1.1/"/>
+    <ds:schemaRef ds:uri="http://schemas.microsoft.com/sharepoint/v3/contenttype/forms"/>
   </ds:schemaRefs>
 </ds:datastoreItem>
 </file>
 
 <file path=customXml/itemProps2.xml><?xml version="1.0" encoding="utf-8"?>
-<ds:datastoreItem xmlns:ds="http://schemas.openxmlformats.org/officeDocument/2006/customXml" ds:itemID="{84836F8F-27B3-4E46-9347-CF8E562ED846}">
+<ds:datastoreItem xmlns:ds="http://schemas.openxmlformats.org/officeDocument/2006/customXml" ds:itemID="{267CCBA7-24DD-4DF4-BC77-D8CB616DAC34}">
   <ds:schemaRefs>
-    <ds:schemaRef ds:uri="http://schemas.microsoft.com/sharepoint/v3/contenttype/forms"/>
+    <ds:schemaRef ds:uri="http://purl.org/dc/terms/"/>
+    <ds:schemaRef ds:uri="http://purl.org/dc/elements/1.1/"/>
+    <ds:schemaRef ds:uri="http://purl.org/dc/dcmitype/"/>
+    <ds:schemaRef ds:uri="http://schemas.microsoft.com/office/2006/metadata/properties"/>
+    <ds:schemaRef ds:uri="http://schemas.microsoft.com/office/2006/documentManagement/types"/>
+    <ds:schemaRef ds:uri="http://schemas.microsoft.com/office/infopath/2007/PartnerControls"/>
+    <ds:schemaRef ds:uri="e3c7534c-8447-4121-a676-7eb0e8edc712"/>
+    <ds:schemaRef ds:uri="http://schemas.openxmlformats.org/package/2006/metadata/core-properties"/>
+    <ds:schemaRef ds:uri="http://www.w3.org/XML/1998/namespace"/>
   </ds:schemaRefs>
 </ds:datastoreItem>
 </file>
